--- a/help/data-sheets/assets/DMeEliteSupportDatasheet_2022.pptx
+++ b/help/data-sheets/assets/DMeEliteSupportDatasheet_2022.pptx
@@ -156,6 +156,45 @@
 
 <file path=ppt/changesInfos/changesInfo1.xml><?xml version="1.0" encoding="utf-8"?>
 <pc:chgInfo xmlns:a="http://schemas.openxmlformats.org/drawingml/2006/main" xmlns:r="http://schemas.openxmlformats.org/officeDocument/2006/relationships" xmlns:ac="http://schemas.microsoft.com/office/drawing/2013/main/command" xmlns:pc="http://schemas.microsoft.com/office/powerpoint/2013/main/command">
+  <pc:docChgLst>
+    <pc:chgData name="David Baker" userId="da2b0875-9916-4d44-89d9-e651631ef4de" providerId="ADAL" clId="{15FC2388-40E0-524B-A732-5DC6014C06C9}"/>
+    <pc:docChg chg="modSld">
+      <pc:chgData name="David Baker" userId="da2b0875-9916-4d44-89d9-e651631ef4de" providerId="ADAL" clId="{15FC2388-40E0-524B-A732-5DC6014C06C9}" dt="2022-03-03T22:33:24.090" v="55" actId="20577"/>
+      <pc:docMkLst>
+        <pc:docMk/>
+      </pc:docMkLst>
+      <pc:sldChg chg="modSp mod">
+        <pc:chgData name="David Baker" userId="da2b0875-9916-4d44-89d9-e651631ef4de" providerId="ADAL" clId="{15FC2388-40E0-524B-A732-5DC6014C06C9}" dt="2022-03-03T22:33:16.092" v="49" actId="20577"/>
+        <pc:sldMkLst>
+          <pc:docMk/>
+          <pc:sldMk cId="0" sldId="256"/>
+        </pc:sldMkLst>
+        <pc:graphicFrameChg chg="modGraphic">
+          <ac:chgData name="David Baker" userId="da2b0875-9916-4d44-89d9-e651631ef4de" providerId="ADAL" clId="{15FC2388-40E0-524B-A732-5DC6014C06C9}" dt="2022-03-03T22:33:16.092" v="49" actId="20577"/>
+          <ac:graphicFrameMkLst>
+            <pc:docMk/>
+            <pc:sldMk cId="0" sldId="256"/>
+            <ac:graphicFrameMk id="13" creationId="{8FC06D05-42C7-D14C-86E4-0F01711669B9}"/>
+          </ac:graphicFrameMkLst>
+        </pc:graphicFrameChg>
+      </pc:sldChg>
+      <pc:sldChg chg="modSp mod">
+        <pc:chgData name="David Baker" userId="da2b0875-9916-4d44-89d9-e651631ef4de" providerId="ADAL" clId="{15FC2388-40E0-524B-A732-5DC6014C06C9}" dt="2022-03-03T22:33:24.090" v="55" actId="20577"/>
+        <pc:sldMkLst>
+          <pc:docMk/>
+          <pc:sldMk cId="3982262141" sldId="262"/>
+        </pc:sldMkLst>
+        <pc:spChg chg="mod">
+          <ac:chgData name="David Baker" userId="da2b0875-9916-4d44-89d9-e651631ef4de" providerId="ADAL" clId="{15FC2388-40E0-524B-A732-5DC6014C06C9}" dt="2022-03-03T22:33:24.090" v="55" actId="20577"/>
+          <ac:spMkLst>
+            <pc:docMk/>
+            <pc:sldMk cId="3982262141" sldId="262"/>
+            <ac:spMk id="63" creationId="{D526F789-D18E-C84B-9754-133D64A670FD}"/>
+          </ac:spMkLst>
+        </pc:spChg>
+      </pc:sldChg>
+    </pc:docChg>
+  </pc:docChgLst>
   <pc:docChgLst>
     <pc:chgData name="Jaclyn Zalesky" userId="9c0b24b4-6ad7-45a7-a9a0-5ba404afed22" providerId="ADAL" clId="{D5ADAA79-0557-4642-B5FA-AC79C44AE176}"/>
     <pc:docChg chg="undo custSel modSld">
@@ -427,14 +466,14 @@
     </pc:docChg>
   </pc:docChgLst>
   <pc:docChgLst>
-    <pc:chgData name="David Baker" userId="S::davbaker@adobe.com::da2b0875-9916-4d44-89d9-e651631ef4de" providerId="AD" clId="Web-{F5354F4D-DB15-A8BC-D7BD-1244B840E560}"/>
-    <pc:docChg chg="mod">
-      <pc:chgData name="David Baker" userId="S::davbaker@adobe.com::da2b0875-9916-4d44-89d9-e651631ef4de" providerId="AD" clId="Web-{F5354F4D-DB15-A8BC-D7BD-1244B840E560}" dt="2022-02-09T19:20:34.744" v="1"/>
+    <pc:chgData name="Jaclyn Zalesky" userId="S::zalesky@adobe.com::9c0b24b4-6ad7-45a7-a9a0-5ba404afed22" providerId="AD" clId="Web-{C425CE26-59BB-E42C-68AA-84C16DB67B9F}"/>
+    <pc:docChg chg="">
+      <pc:chgData name="Jaclyn Zalesky" userId="S::zalesky@adobe.com::9c0b24b4-6ad7-45a7-a9a0-5ba404afed22" providerId="AD" clId="Web-{C425CE26-59BB-E42C-68AA-84C16DB67B9F}" dt="2022-03-01T18:32:49.142" v="0"/>
       <pc:docMkLst>
         <pc:docMk/>
       </pc:docMkLst>
-      <pc:sldChg chg="addCm">
-        <pc:chgData name="David Baker" userId="S::davbaker@adobe.com::da2b0875-9916-4d44-89d9-e651631ef4de" providerId="AD" clId="Web-{F5354F4D-DB15-A8BC-D7BD-1244B840E560}" dt="2022-02-09T19:20:34.744" v="1"/>
+      <pc:sldChg chg="delCm">
+        <pc:chgData name="Jaclyn Zalesky" userId="S::zalesky@adobe.com::9c0b24b4-6ad7-45a7-a9a0-5ba404afed22" providerId="AD" clId="Web-{C425CE26-59BB-E42C-68AA-84C16DB67B9F}" dt="2022-03-01T18:32:49.142" v="0"/>
         <pc:sldMkLst>
           <pc:docMk/>
           <pc:sldMk cId="1050037809" sldId="261"/>
@@ -467,53 +506,14 @@
     </pc:docChg>
   </pc:docChgLst>
   <pc:docChgLst>
-    <pc:chgData name="David Baker" userId="da2b0875-9916-4d44-89d9-e651631ef4de" providerId="ADAL" clId="{15FC2388-40E0-524B-A732-5DC6014C06C9}"/>
-    <pc:docChg chg="modSld">
-      <pc:chgData name="David Baker" userId="da2b0875-9916-4d44-89d9-e651631ef4de" providerId="ADAL" clId="{15FC2388-40E0-524B-A732-5DC6014C06C9}" dt="2022-03-03T22:33:24.090" v="55" actId="20577"/>
+    <pc:chgData name="David Baker" userId="S::davbaker@adobe.com::da2b0875-9916-4d44-89d9-e651631ef4de" providerId="AD" clId="Web-{F5354F4D-DB15-A8BC-D7BD-1244B840E560}"/>
+    <pc:docChg chg="mod">
+      <pc:chgData name="David Baker" userId="S::davbaker@adobe.com::da2b0875-9916-4d44-89d9-e651631ef4de" providerId="AD" clId="Web-{F5354F4D-DB15-A8BC-D7BD-1244B840E560}" dt="2022-02-09T19:20:34.744" v="1"/>
       <pc:docMkLst>
         <pc:docMk/>
       </pc:docMkLst>
-      <pc:sldChg chg="modSp mod">
-        <pc:chgData name="David Baker" userId="da2b0875-9916-4d44-89d9-e651631ef4de" providerId="ADAL" clId="{15FC2388-40E0-524B-A732-5DC6014C06C9}" dt="2022-03-03T22:33:16.092" v="49" actId="20577"/>
-        <pc:sldMkLst>
-          <pc:docMk/>
-          <pc:sldMk cId="0" sldId="256"/>
-        </pc:sldMkLst>
-        <pc:graphicFrameChg chg="modGraphic">
-          <ac:chgData name="David Baker" userId="da2b0875-9916-4d44-89d9-e651631ef4de" providerId="ADAL" clId="{15FC2388-40E0-524B-A732-5DC6014C06C9}" dt="2022-03-03T22:33:16.092" v="49" actId="20577"/>
-          <ac:graphicFrameMkLst>
-            <pc:docMk/>
-            <pc:sldMk cId="0" sldId="256"/>
-            <ac:graphicFrameMk id="13" creationId="{8FC06D05-42C7-D14C-86E4-0F01711669B9}"/>
-          </ac:graphicFrameMkLst>
-        </pc:graphicFrameChg>
-      </pc:sldChg>
-      <pc:sldChg chg="modSp mod">
-        <pc:chgData name="David Baker" userId="da2b0875-9916-4d44-89d9-e651631ef4de" providerId="ADAL" clId="{15FC2388-40E0-524B-A732-5DC6014C06C9}" dt="2022-03-03T22:33:24.090" v="55" actId="20577"/>
-        <pc:sldMkLst>
-          <pc:docMk/>
-          <pc:sldMk cId="3982262141" sldId="262"/>
-        </pc:sldMkLst>
-        <pc:spChg chg="mod">
-          <ac:chgData name="David Baker" userId="da2b0875-9916-4d44-89d9-e651631ef4de" providerId="ADAL" clId="{15FC2388-40E0-524B-A732-5DC6014C06C9}" dt="2022-03-03T22:33:24.090" v="55" actId="20577"/>
-          <ac:spMkLst>
-            <pc:docMk/>
-            <pc:sldMk cId="3982262141" sldId="262"/>
-            <ac:spMk id="63" creationId="{D526F789-D18E-C84B-9754-133D64A670FD}"/>
-          </ac:spMkLst>
-        </pc:spChg>
-      </pc:sldChg>
-    </pc:docChg>
-  </pc:docChgLst>
-  <pc:docChgLst>
-    <pc:chgData name="Jaclyn Zalesky" userId="S::zalesky@adobe.com::9c0b24b4-6ad7-45a7-a9a0-5ba404afed22" providerId="AD" clId="Web-{C425CE26-59BB-E42C-68AA-84C16DB67B9F}"/>
-    <pc:docChg chg="">
-      <pc:chgData name="Jaclyn Zalesky" userId="S::zalesky@adobe.com::9c0b24b4-6ad7-45a7-a9a0-5ba404afed22" providerId="AD" clId="Web-{C425CE26-59BB-E42C-68AA-84C16DB67B9F}" dt="2022-03-01T18:32:49.142" v="0"/>
-      <pc:docMkLst>
-        <pc:docMk/>
-      </pc:docMkLst>
-      <pc:sldChg chg="delCm">
-        <pc:chgData name="Jaclyn Zalesky" userId="S::zalesky@adobe.com::9c0b24b4-6ad7-45a7-a9a0-5ba404afed22" providerId="AD" clId="Web-{C425CE26-59BB-E42C-68AA-84C16DB67B9F}" dt="2022-03-01T18:32:49.142" v="0"/>
+      <pc:sldChg chg="addCm">
+        <pc:chgData name="David Baker" userId="S::davbaker@adobe.com::da2b0875-9916-4d44-89d9-e651631ef4de" providerId="AD" clId="Web-{F5354F4D-DB15-A8BC-D7BD-1244B840E560}" dt="2022-02-09T19:20:34.744" v="1"/>
         <pc:sldMkLst>
           <pc:docMk/>
           <pc:sldMk cId="1050037809" sldId="261"/>
@@ -606,7 +606,7 @@
           <a:p>
             <a:fld id="{C12E57D6-2086-AA47-A7A4-C0CDE7C14E44}" type="datetimeFigureOut">
               <a:rPr lang="en-US" smtClean="0"/>
-              <a:t>3/3/22</a:t>
+              <a:t>3/24/2022</a:t>
             </a:fld>
             <a:endParaRPr lang="en-US"/>
           </a:p>
@@ -1264,7 +1264,7 @@
           <a:p>
             <a:fld id="{1D8BD707-D9CF-40AE-B4C6-C98DA3205C09}" type="datetimeFigureOut">
               <a:rPr lang="en-US"/>
-              <a:t>3/3/22</a:t>
+              <a:t>3/24/2022</a:t>
             </a:fld>
             <a:endParaRPr lang="en-US"/>
           </a:p>
@@ -1509,7 +1509,7 @@
           <a:p>
             <a:fld id="{1D8BD707-D9CF-40AE-B4C6-C98DA3205C09}" type="datetimeFigureOut">
               <a:rPr lang="en-US"/>
-              <a:t>3/3/22</a:t>
+              <a:t>3/24/2022</a:t>
             </a:fld>
             <a:endParaRPr lang="en-US"/>
           </a:p>
@@ -1767,7 +1767,7 @@
           <a:p>
             <a:fld id="{1D8BD707-D9CF-40AE-B4C6-C98DA3205C09}" type="datetimeFigureOut">
               <a:rPr lang="en-US"/>
-              <a:t>3/3/22</a:t>
+              <a:t>3/24/2022</a:t>
             </a:fld>
             <a:endParaRPr lang="en-US"/>
           </a:p>
@@ -1959,7 +1959,7 @@
           <a:p>
             <a:fld id="{1D8BD707-D9CF-40AE-B4C6-C98DA3205C09}" type="datetimeFigureOut">
               <a:rPr lang="en-US"/>
-              <a:t>3/3/22</a:t>
+              <a:t>3/24/2022</a:t>
             </a:fld>
             <a:endParaRPr lang="en-US"/>
           </a:p>
@@ -2122,7 +2122,7 @@
           <a:p>
             <a:fld id="{1D8BD707-D9CF-40AE-B4C6-C98DA3205C09}" type="datetimeFigureOut">
               <a:rPr lang="en-US"/>
-              <a:t>3/3/22</a:t>
+              <a:t>3/24/2022</a:t>
             </a:fld>
             <a:endParaRPr lang="en-US"/>
           </a:p>
@@ -2385,7 +2385,7 @@
           <a:p>
             <a:fld id="{1D8BD707-D9CF-40AE-B4C6-C98DA3205C09}" type="datetimeFigureOut">
               <a:rPr lang="en-US"/>
-              <a:t>3/3/22</a:t>
+              <a:t>3/24/2022</a:t>
             </a:fld>
             <a:endParaRPr lang="en-US"/>
           </a:p>
@@ -2682,20 +2682,12 @@
               </a:spcBef>
             </a:pPr>
             <a:r>
-              <a:rPr sz="2300" dirty="0">
-                <a:latin typeface="Adobe Clean" panose="020B0503020404020204" pitchFamily="34" charset="0"/>
+              <a:rPr lang="ja-JP" sz="2300">
+                <a:latin typeface="Adobe Clean Han Regular" panose="020B0500000000000000" pitchFamily="34" charset="-128"/>
+                <a:ea typeface="Adobe Clean Han Regular" panose="020B0500000000000000" pitchFamily="34" charset="-128"/>
               </a:rPr>
-              <a:t>ADOBE SUPPORT</a:t>
+              <a:t>アドビサポートのプラン</a:t>
             </a:r>
-            <a:r>
-              <a:rPr lang="en-US" sz="2300" dirty="0">
-                <a:latin typeface="Adobe Clean" panose="020B0503020404020204" pitchFamily="34" charset="0"/>
-              </a:rPr>
-              <a:t> PLANS</a:t>
-            </a:r>
-            <a:endParaRPr sz="2300" dirty="0">
-              <a:latin typeface="Adobe Clean" panose="020B0503020404020204" pitchFamily="34" charset="0"/>
-            </a:endParaRPr>
           </a:p>
         </p:txBody>
       </p:sp>
@@ -2708,7 +2700,7 @@
         <p:spPr>
           <a:xfrm>
             <a:off x="159523" y="560755"/>
-            <a:ext cx="6889348" cy="1327928"/>
+            <a:ext cx="6889348" cy="1466427"/>
           </a:xfrm>
           <a:prstGeom prst="rect">
             <a:avLst/>
@@ -2729,119 +2721,27 @@
               </a:spcBef>
             </a:pPr>
             <a:r>
-              <a:rPr lang="en-US" sz="1100" spc="-5" dirty="0">
+              <a:rPr lang="ja-JP" sz="1100" dirty="0">
                 <a:solidFill>
                   <a:srgbClr val="FFFFFF"/>
                 </a:solidFill>
-                <a:latin typeface="AdobeClean-Light"/>
+                <a:latin typeface="Adobe Clean Han Light" panose="020B0300000000000000" pitchFamily="34" charset="-128"/>
+                <a:ea typeface="Adobe Clean Han Light" panose="020B0300000000000000" pitchFamily="34" charset="-128"/>
                 <a:cs typeface="AdobeClean-Light"/>
               </a:rPr>
-              <a:t>Standard</a:t>
+              <a:t>標準 | ビジネス | エンタープライズ | </a:t>
             </a:r>
             <a:r>
-              <a:rPr sz="1100" dirty="0">
+              <a:rPr lang="ja-JP" sz="1100" b="1" dirty="0">
                 <a:solidFill>
                   <a:srgbClr val="FFFFFF"/>
                 </a:solidFill>
-                <a:latin typeface="AdobeClean-Light"/>
-                <a:cs typeface="AdobeClean-Light"/>
-              </a:rPr>
-              <a:t> |</a:t>
-            </a:r>
-            <a:r>
-              <a:rPr sz="1100" spc="5" dirty="0">
-                <a:solidFill>
-                  <a:srgbClr val="FFFFFF"/>
-                </a:solidFill>
-                <a:latin typeface="AdobeClean-Light"/>
-                <a:cs typeface="AdobeClean-Light"/>
-              </a:rPr>
-              <a:t> </a:t>
-            </a:r>
-            <a:r>
-              <a:rPr sz="1100" spc="-5" dirty="0">
-                <a:solidFill>
-                  <a:srgbClr val="FFFFFF"/>
-                </a:solidFill>
-                <a:latin typeface="AdobeClean-Light"/>
-                <a:cs typeface="AdobeClean-Light"/>
-              </a:rPr>
-              <a:t>Business</a:t>
-            </a:r>
-            <a:r>
-              <a:rPr sz="1100" dirty="0">
-                <a:solidFill>
-                  <a:srgbClr val="FFFFFF"/>
-                </a:solidFill>
-                <a:latin typeface="AdobeClean-Light"/>
-                <a:cs typeface="AdobeClean-Light"/>
-              </a:rPr>
-              <a:t> |</a:t>
-            </a:r>
-            <a:r>
-              <a:rPr sz="1100" spc="10" dirty="0">
-                <a:solidFill>
-                  <a:srgbClr val="FFFFFF"/>
-                </a:solidFill>
-                <a:latin typeface="AdobeClean-Light"/>
-                <a:cs typeface="AdobeClean-Light"/>
-              </a:rPr>
-              <a:t> </a:t>
-            </a:r>
-            <a:r>
-              <a:rPr sz="1100" spc="-5" dirty="0">
-                <a:solidFill>
-                  <a:srgbClr val="FFFFFF"/>
-                </a:solidFill>
-                <a:latin typeface="AdobeClean-Light"/>
-                <a:cs typeface="AdobeClean-Light"/>
-              </a:rPr>
-              <a:t>Enterprise</a:t>
-            </a:r>
-            <a:r>
-              <a:rPr sz="1100" spc="10" dirty="0">
-                <a:solidFill>
-                  <a:srgbClr val="FFFFFF"/>
-                </a:solidFill>
-                <a:latin typeface="AdobeClean-Light"/>
-                <a:cs typeface="AdobeClean-Light"/>
-              </a:rPr>
-              <a:t> </a:t>
-            </a:r>
-            <a:r>
-              <a:rPr sz="1100" dirty="0">
-                <a:solidFill>
-                  <a:srgbClr val="FFFFFF"/>
-                </a:solidFill>
-                <a:latin typeface="AdobeClean-Light"/>
-                <a:cs typeface="AdobeClean-Light"/>
-              </a:rPr>
-              <a:t>|</a:t>
-            </a:r>
-            <a:r>
-              <a:rPr sz="1100" spc="5" dirty="0">
-                <a:solidFill>
-                  <a:srgbClr val="FFFFFF"/>
-                </a:solidFill>
-                <a:latin typeface="AdobeClean-Light"/>
-                <a:cs typeface="AdobeClean-Light"/>
-              </a:rPr>
-              <a:t> </a:t>
-            </a:r>
-            <a:r>
-              <a:rPr sz="1100" b="1" spc="-65" dirty="0">
-                <a:solidFill>
-                  <a:srgbClr val="FFFFFF"/>
-                </a:solidFill>
-                <a:latin typeface="Arial"/>
+                <a:latin typeface="Adobe Clean Han Regular" panose="020B0500000000000000" pitchFamily="34" charset="-128"/>
+                <a:ea typeface="Adobe Clean Han Regular" panose="020B0500000000000000" pitchFamily="34" charset="-128"/>
                 <a:cs typeface="Arial"/>
               </a:rPr>
-              <a:t>Elite</a:t>
+              <a:t>エリート</a:t>
             </a:r>
-            <a:endParaRPr sz="1100" dirty="0">
-              <a:latin typeface="Arial"/>
-              <a:cs typeface="Arial"/>
-            </a:endParaRPr>
           </a:p>
           <a:p>
             <a:pPr marL="12700" marR="1076325">
@@ -2850,39 +2750,15 @@
               </a:spcBef>
             </a:pPr>
             <a:r>
-              <a:rPr lang="en-US" sz="900" dirty="0">
+              <a:rPr lang="ja-JP" sz="900" dirty="0">
                 <a:solidFill>
                   <a:schemeClr val="bg1"/>
                 </a:solidFill>
-                <a:latin typeface="Adobe Clean SemiLight" panose="020B0403020404020204" pitchFamily="34" charset="0"/>
+                <a:latin typeface="Adobe Clean Han Light" panose="020B0300000000000000" pitchFamily="34" charset="-128"/>
+                <a:ea typeface="Adobe Clean Han Light" panose="020B0300000000000000" pitchFamily="34" charset="-128"/>
               </a:rPr>
-              <a:t>Adobe provides a comprehensive range of technical resources to help support your business included as part of your Adobe enterprise </a:t>
+              <a:t>アドビでは、お客様のビジネスをサポートするために、包括的なテクニカルリソースを提供しています。これらのリソースは、アドビエンタープライズサブスクリプションに含まれています。エリートサポートプランでは、さらに充実したリソースを利用可能です。エリートサポートのお客様には、アドビサポートチーム内の専任の技術相談窓口として、専任サポートエンジニアとテクニカルアカウントマネージャーが対応します。お客様を支援するために、最高水準のプロアクティブサポートおよびリアクティブサポートを提供します。お客様がお使いの Creative Cloud および Document Cloud ソリューションに関する豊富な知識と経験を持つアドビサポートチームが、お客様のニーズがどれほど複雑であっても、投資効果を最大化し、問題の発生を未然に防ぐために、常にお客様に寄り添います。アドビ製品に関する詳細なテクニカルドキュメントや最新のリリースノートは、いつでも参照可能です。 </a:t>
             </a:r>
-            <a:r>
-              <a:rPr lang="en-US" sz="900" dirty="0">
-                <a:solidFill>
-                  <a:schemeClr val="bg1"/>
-                </a:solidFill>
-                <a:latin typeface="Adobe Clean SemiLight"/>
-              </a:rPr>
-              <a:t>subscription. This is enhanced with the ELITE Support Plan</a:t>
-            </a:r>
-            <a:r>
-              <a:rPr lang="en-US" sz="900" dirty="0">
-                <a:solidFill>
-                  <a:schemeClr val="bg1"/>
-                </a:solidFill>
-                <a:latin typeface="Adobe Clean SemiLight" panose="020B0403020404020204" pitchFamily="34" charset="0"/>
-              </a:rPr>
-              <a:t>. ELITE customers have access to a Named Support Engineer as well as a Technical Account Manager who work in partnership with you to provide best in class proactive and reactive support while acting as your designated technical contacts within the Adobe Support Team. With deep experience in your applicable Creative Cloud and Document Cloud solutions, your Support Team works to ensure that no matter how complex your support needs are, the Adobe Support Team will be there side by side with you throughout, to ensure you maximize your investment in applicable Adobe solutions and to help you avoid problems before they happen. You can also take advantage of our detailed and in-depth technical product documentation and current release notes. </a:t>
-            </a:r>
-            <a:endParaRPr sz="900" dirty="0">
-              <a:solidFill>
-                <a:schemeClr val="bg1"/>
-              </a:solidFill>
-              <a:latin typeface="AdobeClean-Light"/>
-              <a:cs typeface="AdobeClean-Light"/>
-            </a:endParaRPr>
           </a:p>
         </p:txBody>
       </p:sp>
@@ -2894,8 +2770,8 @@
         </p:nvSpPr>
         <p:spPr>
           <a:xfrm>
-            <a:off x="209607" y="7078651"/>
-            <a:ext cx="2780665" cy="238760"/>
+            <a:off x="209607" y="7133081"/>
+            <a:ext cx="4297079" cy="228268"/>
           </a:xfrm>
           <a:prstGeom prst="rect">
             <a:avLst/>
@@ -2916,7 +2792,7 @@
               </a:spcBef>
             </a:pPr>
             <a:r>
-              <a:rPr sz="1400" b="1" u="heavy" spc="20">
+              <a:rPr lang="ja-JP" sz="1400" b="1" u="heavy" dirty="0">
                 <a:solidFill>
                   <a:srgbClr val="020302"/>
                 </a:solidFill>
@@ -2925,450 +2801,12 @@
                     <a:srgbClr val="020302"/>
                   </a:solidFill>
                 </a:uFill>
-                <a:latin typeface="Adobe Clean"/>
+                <a:latin typeface="Adobe Clean Han Regular" panose="020B0500000000000000" pitchFamily="34" charset="-128"/>
+                <a:ea typeface="Adobe Clean Han Regular" panose="020B0500000000000000" pitchFamily="34" charset="-128"/>
                 <a:cs typeface="Adobe Clean"/>
               </a:rPr>
-              <a:t>S</a:t>
+              <a:t>サービスレベルターゲット：初期対応</a:t>
             </a:r>
-            <a:r>
-              <a:rPr sz="1400" b="1" u="heavy">
-                <a:solidFill>
-                  <a:srgbClr val="020302"/>
-                </a:solidFill>
-                <a:uFill>
-                  <a:solidFill>
-                    <a:srgbClr val="020302"/>
-                  </a:solidFill>
-                </a:uFill>
-                <a:latin typeface="Adobe Clean"/>
-                <a:cs typeface="Adobe Clean"/>
-              </a:rPr>
-              <a:t>er</a:t>
-            </a:r>
-            <a:r>
-              <a:rPr sz="1400" b="1" u="heavy" spc="10">
-                <a:solidFill>
-                  <a:srgbClr val="020302"/>
-                </a:solidFill>
-                <a:uFill>
-                  <a:solidFill>
-                    <a:srgbClr val="020302"/>
-                  </a:solidFill>
-                </a:uFill>
-                <a:latin typeface="Adobe Clean"/>
-                <a:cs typeface="Adobe Clean"/>
-              </a:rPr>
-              <a:t>vi</a:t>
-            </a:r>
-            <a:r>
-              <a:rPr sz="1400" b="1" u="heavy">
-                <a:solidFill>
-                  <a:srgbClr val="020302"/>
-                </a:solidFill>
-                <a:uFill>
-                  <a:solidFill>
-                    <a:srgbClr val="020302"/>
-                  </a:solidFill>
-                </a:uFill>
-                <a:latin typeface="Adobe Clean"/>
-                <a:cs typeface="Adobe Clean"/>
-              </a:rPr>
-              <a:t>ce</a:t>
-            </a:r>
-            <a:r>
-              <a:rPr sz="1400" b="1" u="heavy" spc="20">
-                <a:solidFill>
-                  <a:srgbClr val="020302"/>
-                </a:solidFill>
-                <a:uFill>
-                  <a:solidFill>
-                    <a:srgbClr val="020302"/>
-                  </a:solidFill>
-                </a:uFill>
-                <a:latin typeface="Adobe Clean"/>
-                <a:cs typeface="Adobe Clean"/>
-              </a:rPr>
-              <a:t> </a:t>
-            </a:r>
-            <a:r>
-              <a:rPr sz="1400" b="1" u="heavy" spc="-20">
-                <a:solidFill>
-                  <a:srgbClr val="020302"/>
-                </a:solidFill>
-                <a:uFill>
-                  <a:solidFill>
-                    <a:srgbClr val="020302"/>
-                  </a:solidFill>
-                </a:uFill>
-                <a:latin typeface="Adobe Clean"/>
-                <a:cs typeface="Adobe Clean"/>
-              </a:rPr>
-              <a:t>Le</a:t>
-            </a:r>
-            <a:r>
-              <a:rPr sz="1400" b="1" u="heavy" spc="-10">
-                <a:solidFill>
-                  <a:srgbClr val="020302"/>
-                </a:solidFill>
-                <a:uFill>
-                  <a:solidFill>
-                    <a:srgbClr val="020302"/>
-                  </a:solidFill>
-                </a:uFill>
-                <a:latin typeface="Adobe Clean"/>
-                <a:cs typeface="Adobe Clean"/>
-              </a:rPr>
-              <a:t>v</a:t>
-            </a:r>
-            <a:r>
-              <a:rPr sz="1400" b="1" u="heavy" spc="-20">
-                <a:solidFill>
-                  <a:srgbClr val="020302"/>
-                </a:solidFill>
-                <a:uFill>
-                  <a:solidFill>
-                    <a:srgbClr val="020302"/>
-                  </a:solidFill>
-                </a:uFill>
-                <a:latin typeface="Adobe Clean"/>
-                <a:cs typeface="Adobe Clean"/>
-              </a:rPr>
-              <a:t>e</a:t>
-            </a:r>
-            <a:r>
-              <a:rPr sz="1400" b="1" u="heavy">
-                <a:solidFill>
-                  <a:srgbClr val="020302"/>
-                </a:solidFill>
-                <a:uFill>
-                  <a:solidFill>
-                    <a:srgbClr val="020302"/>
-                  </a:solidFill>
-                </a:uFill>
-                <a:latin typeface="Adobe Clean"/>
-                <a:cs typeface="Adobe Clean"/>
-              </a:rPr>
-              <a:t>l</a:t>
-            </a:r>
-            <a:r>
-              <a:rPr sz="1400" b="1" u="heavy" spc="-10">
-                <a:solidFill>
-                  <a:srgbClr val="020302"/>
-                </a:solidFill>
-                <a:uFill>
-                  <a:solidFill>
-                    <a:srgbClr val="020302"/>
-                  </a:solidFill>
-                </a:uFill>
-                <a:latin typeface="Adobe Clean"/>
-                <a:cs typeface="Adobe Clean"/>
-              </a:rPr>
-              <a:t> </a:t>
-            </a:r>
-            <a:r>
-              <a:rPr sz="1400" b="1" u="heavy" spc="-65">
-                <a:solidFill>
-                  <a:srgbClr val="020302"/>
-                </a:solidFill>
-                <a:uFill>
-                  <a:solidFill>
-                    <a:srgbClr val="020302"/>
-                  </a:solidFill>
-                </a:uFill>
-                <a:latin typeface="Adobe Clean"/>
-                <a:cs typeface="Adobe Clean"/>
-              </a:rPr>
-              <a:t>T</a:t>
-            </a:r>
-            <a:r>
-              <a:rPr sz="1400" b="1" u="heavy" spc="-35">
-                <a:solidFill>
-                  <a:srgbClr val="020302"/>
-                </a:solidFill>
-                <a:uFill>
-                  <a:solidFill>
-                    <a:srgbClr val="020302"/>
-                  </a:solidFill>
-                </a:uFill>
-                <a:latin typeface="Adobe Clean"/>
-                <a:cs typeface="Adobe Clean"/>
-              </a:rPr>
-              <a:t>a</a:t>
-            </a:r>
-            <a:r>
-              <a:rPr sz="1400" b="1" u="heavy" spc="-45">
-                <a:solidFill>
-                  <a:srgbClr val="020302"/>
-                </a:solidFill>
-                <a:uFill>
-                  <a:solidFill>
-                    <a:srgbClr val="020302"/>
-                  </a:solidFill>
-                </a:uFill>
-                <a:latin typeface="Adobe Clean"/>
-                <a:cs typeface="Adobe Clean"/>
-              </a:rPr>
-              <a:t>r</a:t>
-            </a:r>
-            <a:r>
-              <a:rPr sz="1400" b="1" u="heavy" spc="-35">
-                <a:solidFill>
-                  <a:srgbClr val="020302"/>
-                </a:solidFill>
-                <a:uFill>
-                  <a:solidFill>
-                    <a:srgbClr val="020302"/>
-                  </a:solidFill>
-                </a:uFill>
-                <a:latin typeface="Adobe Clean"/>
-                <a:cs typeface="Adobe Clean"/>
-              </a:rPr>
-              <a:t>g</a:t>
-            </a:r>
-            <a:r>
-              <a:rPr sz="1400" b="1" u="heavy" spc="-55">
-                <a:solidFill>
-                  <a:srgbClr val="020302"/>
-                </a:solidFill>
-                <a:uFill>
-                  <a:solidFill>
-                    <a:srgbClr val="020302"/>
-                  </a:solidFill>
-                </a:uFill>
-                <a:latin typeface="Adobe Clean"/>
-                <a:cs typeface="Adobe Clean"/>
-              </a:rPr>
-              <a:t>et</a:t>
-            </a:r>
-            <a:r>
-              <a:rPr sz="1400" b="1" u="heavy" spc="-45">
-                <a:solidFill>
-                  <a:srgbClr val="020302"/>
-                </a:solidFill>
-                <a:uFill>
-                  <a:solidFill>
-                    <a:srgbClr val="020302"/>
-                  </a:solidFill>
-                </a:uFill>
-                <a:latin typeface="Adobe Clean"/>
-                <a:cs typeface="Adobe Clean"/>
-              </a:rPr>
-              <a:t>s</a:t>
-            </a:r>
-            <a:r>
-              <a:rPr sz="1400" b="1" u="heavy">
-                <a:solidFill>
-                  <a:srgbClr val="020302"/>
-                </a:solidFill>
-                <a:uFill>
-                  <a:solidFill>
-                    <a:srgbClr val="020302"/>
-                  </a:solidFill>
-                </a:uFill>
-                <a:latin typeface="Adobe Clean"/>
-                <a:cs typeface="Adobe Clean"/>
-              </a:rPr>
-              <a:t>:</a:t>
-            </a:r>
-            <a:r>
-              <a:rPr sz="1400" b="1" u="heavy" spc="-80">
-                <a:solidFill>
-                  <a:srgbClr val="020302"/>
-                </a:solidFill>
-                <a:uFill>
-                  <a:solidFill>
-                    <a:srgbClr val="020302"/>
-                  </a:solidFill>
-                </a:uFill>
-                <a:latin typeface="Adobe Clean"/>
-                <a:cs typeface="Adobe Clean"/>
-              </a:rPr>
-              <a:t> </a:t>
-            </a:r>
-            <a:r>
-              <a:rPr sz="1400" b="1" u="heavy" spc="-20">
-                <a:solidFill>
-                  <a:srgbClr val="020302"/>
-                </a:solidFill>
-                <a:uFill>
-                  <a:solidFill>
-                    <a:srgbClr val="020302"/>
-                  </a:solidFill>
-                </a:uFill>
-                <a:latin typeface="Adobe Clean"/>
-                <a:cs typeface="Adobe Clean"/>
-              </a:rPr>
-              <a:t>I</a:t>
-            </a:r>
-            <a:r>
-              <a:rPr sz="1400" b="1" u="heavy" spc="-10">
-                <a:solidFill>
-                  <a:srgbClr val="020302"/>
-                </a:solidFill>
-                <a:uFill>
-                  <a:solidFill>
-                    <a:srgbClr val="020302"/>
-                  </a:solidFill>
-                </a:uFill>
-                <a:latin typeface="Adobe Clean"/>
-                <a:cs typeface="Adobe Clean"/>
-              </a:rPr>
-              <a:t>ni</a:t>
-            </a:r>
-            <a:r>
-              <a:rPr sz="1400" b="1" u="heavy" spc="-20">
-                <a:solidFill>
-                  <a:srgbClr val="020302"/>
-                </a:solidFill>
-                <a:uFill>
-                  <a:solidFill>
-                    <a:srgbClr val="020302"/>
-                  </a:solidFill>
-                </a:uFill>
-                <a:latin typeface="Adobe Clean"/>
-                <a:cs typeface="Adobe Clean"/>
-              </a:rPr>
-              <a:t>t</a:t>
-            </a:r>
-            <a:r>
-              <a:rPr sz="1400" b="1" u="heavy" spc="-10">
-                <a:solidFill>
-                  <a:srgbClr val="020302"/>
-                </a:solidFill>
-                <a:uFill>
-                  <a:solidFill>
-                    <a:srgbClr val="020302"/>
-                  </a:solidFill>
-                </a:uFill>
-                <a:latin typeface="Adobe Clean"/>
-                <a:cs typeface="Adobe Clean"/>
-              </a:rPr>
-              <a:t>i</a:t>
-            </a:r>
-            <a:r>
-              <a:rPr sz="1400" b="1" u="heavy">
-                <a:solidFill>
-                  <a:srgbClr val="020302"/>
-                </a:solidFill>
-                <a:uFill>
-                  <a:solidFill>
-                    <a:srgbClr val="020302"/>
-                  </a:solidFill>
-                </a:uFill>
-                <a:latin typeface="Adobe Clean"/>
-                <a:cs typeface="Adobe Clean"/>
-              </a:rPr>
-              <a:t>al</a:t>
-            </a:r>
-            <a:r>
-              <a:rPr sz="1400" b="1" u="heavy" spc="-140">
-                <a:solidFill>
-                  <a:srgbClr val="020302"/>
-                </a:solidFill>
-                <a:uFill>
-                  <a:solidFill>
-                    <a:srgbClr val="020302"/>
-                  </a:solidFill>
-                </a:uFill>
-                <a:latin typeface="Adobe Clean"/>
-                <a:cs typeface="Adobe Clean"/>
-              </a:rPr>
-              <a:t> </a:t>
-            </a:r>
-            <a:r>
-              <a:rPr sz="1400" b="1" u="heavy" spc="-15">
-                <a:solidFill>
-                  <a:srgbClr val="020302"/>
-                </a:solidFill>
-                <a:uFill>
-                  <a:solidFill>
-                    <a:srgbClr val="020302"/>
-                  </a:solidFill>
-                </a:uFill>
-                <a:latin typeface="Adobe Clean"/>
-                <a:cs typeface="Adobe Clean"/>
-              </a:rPr>
-              <a:t>R</a:t>
-            </a:r>
-            <a:r>
-              <a:rPr sz="1400" b="1" u="heavy" spc="-25">
-                <a:solidFill>
-                  <a:srgbClr val="020302"/>
-                </a:solidFill>
-                <a:uFill>
-                  <a:solidFill>
-                    <a:srgbClr val="020302"/>
-                  </a:solidFill>
-                </a:uFill>
-                <a:latin typeface="Adobe Clean"/>
-                <a:cs typeface="Adobe Clean"/>
-              </a:rPr>
-              <a:t>e</a:t>
-            </a:r>
-            <a:r>
-              <a:rPr sz="1400" b="1" u="heavy" spc="-15">
-                <a:solidFill>
-                  <a:srgbClr val="020302"/>
-                </a:solidFill>
-                <a:uFill>
-                  <a:solidFill>
-                    <a:srgbClr val="020302"/>
-                  </a:solidFill>
-                </a:uFill>
-                <a:latin typeface="Adobe Clean"/>
-                <a:cs typeface="Adobe Clean"/>
-              </a:rPr>
-              <a:t>s</a:t>
-            </a:r>
-            <a:r>
-              <a:rPr sz="1400" b="1" u="heavy" spc="-25">
-                <a:solidFill>
-                  <a:srgbClr val="020302"/>
-                </a:solidFill>
-                <a:uFill>
-                  <a:solidFill>
-                    <a:srgbClr val="020302"/>
-                  </a:solidFill>
-                </a:uFill>
-                <a:latin typeface="Adobe Clean"/>
-                <a:cs typeface="Adobe Clean"/>
-              </a:rPr>
-              <a:t>p</a:t>
-            </a:r>
-            <a:r>
-              <a:rPr sz="1400" b="1" u="heavy" spc="-15">
-                <a:solidFill>
-                  <a:srgbClr val="020302"/>
-                </a:solidFill>
-                <a:uFill>
-                  <a:solidFill>
-                    <a:srgbClr val="020302"/>
-                  </a:solidFill>
-                </a:uFill>
-                <a:latin typeface="Adobe Clean"/>
-                <a:cs typeface="Adobe Clean"/>
-              </a:rPr>
-              <a:t>ons</a:t>
-            </a:r>
-            <a:r>
-              <a:rPr sz="1400" b="1" u="heavy">
-                <a:solidFill>
-                  <a:srgbClr val="020302"/>
-                </a:solidFill>
-                <a:uFill>
-                  <a:solidFill>
-                    <a:srgbClr val="020302"/>
-                  </a:solidFill>
-                </a:uFill>
-                <a:latin typeface="Adobe Clean"/>
-                <a:cs typeface="Adobe Clean"/>
-              </a:rPr>
-              <a:t>e</a:t>
-            </a:r>
-            <a:endParaRPr sz="1400">
-              <a:latin typeface="Adobe Clean"/>
-              <a:cs typeface="Adobe Clean"/>
-            </a:endParaRPr>
           </a:p>
         </p:txBody>
       </p:sp>
@@ -3423,13 +2861,14 @@
           <a:lstStyle/>
           <a:p>
             <a:r>
-              <a:rPr lang="en-US" sz="700" i="1" dirty="0">
+              <a:rPr lang="ja-JP" sz="700" i="1" dirty="0">
                 <a:solidFill>
                   <a:schemeClr val="bg1"/>
                 </a:solidFill>
-                <a:latin typeface="Adobe Clean" panose="020B0503020404020204" pitchFamily="34" charset="0"/>
+                <a:latin typeface="Adobe Clean Han Regular" panose="020B0500000000000000" pitchFamily="34" charset="-128"/>
+                <a:ea typeface="Adobe Clean Han Regular" panose="020B0500000000000000" pitchFamily="34" charset="-128"/>
               </a:rPr>
-              <a:t>Adobe Creative Cloud / Adobe Document Cloud (including Adobe Sign)</a:t>
+              <a:t>Adobe Creative Cloud／Adobe Document Cloud（Adobe Sign を含む）</a:t>
             </a:r>
           </a:p>
         </p:txBody>
@@ -3449,14 +2888,14 @@
           <p:nvPr>
             <p:extLst>
               <p:ext uri="{D42A27DB-BD31-4B8C-83A1-F6EECF244321}">
-                <p14:modId xmlns:p14="http://schemas.microsoft.com/office/powerpoint/2010/main" val="510994612"/>
+                <p14:modId xmlns:p14="http://schemas.microsoft.com/office/powerpoint/2010/main" val="1404618056"/>
               </p:ext>
             </p:extLst>
           </p:nvPr>
         </p:nvGraphicFramePr>
         <p:xfrm>
           <a:off x="209607" y="2098711"/>
-          <a:ext cx="7281936" cy="4943471"/>
+          <a:ext cx="7281936" cy="4897751"/>
         </p:xfrm>
         <a:graphic>
           <a:graphicData uri="http://schemas.openxmlformats.org/drawingml/2006/table">
@@ -3500,7 +2939,7 @@
                     <a:bodyPr/>
                     <a:lstStyle/>
                     <a:p>
-                      <a:endParaRPr lang="en-US" sz="1400" dirty="0"/>
+                      <a:endParaRPr lang="en-US" sz="1200" dirty="0"/>
                     </a:p>
                   </a:txBody>
                   <a:tcPr/>
@@ -3538,39 +2977,16 @@
                         <a:defRPr/>
                       </a:pPr>
                       <a:r>
-                        <a:rPr lang="en-US" sz="1200" spc="-20" dirty="0">
+                        <a:rPr lang="ja-JP" sz="1100" dirty="0">
                           <a:solidFill>
                             <a:srgbClr val="404040"/>
                           </a:solidFill>
-                          <a:latin typeface="Adobe Clean"/>
+                          <a:latin typeface="Adobe Clean Han Regular" panose="020B0500000000000000" pitchFamily="34" charset="-128"/>
+                          <a:ea typeface="Adobe Clean Han Regular" panose="020B0500000000000000" pitchFamily="34" charset="-128"/>
                           <a:cs typeface="Adobe Clean"/>
                         </a:rPr>
-                        <a:t>Standard </a:t>
+                        <a:t>標準サポート</a:t>
                       </a:r>
-                      <a:r>
-                        <a:rPr lang="en-US" sz="1200" spc="-135" dirty="0">
-                          <a:solidFill>
-                            <a:srgbClr val="404040"/>
-                          </a:solidFill>
-                          <a:latin typeface="Adobe Clean"/>
-                          <a:cs typeface="Adobe Clean"/>
-                        </a:rPr>
-                        <a:t> </a:t>
-                      </a:r>
-                      <a:r>
-                        <a:rPr lang="en-US" sz="1200" spc="-20" dirty="0">
-                          <a:solidFill>
-                            <a:srgbClr val="404040"/>
-                          </a:solidFill>
-                          <a:latin typeface="Adobe Clean"/>
-                          <a:cs typeface="Adobe Clean"/>
-                        </a:rPr>
-                        <a:t>Support</a:t>
-                      </a:r>
-                      <a:endParaRPr lang="en-US" sz="1200" dirty="0">
-                        <a:latin typeface="Adobe Clean"/>
-                        <a:cs typeface="Adobe Clean"/>
-                      </a:endParaRPr>
                     </a:p>
                   </a:txBody>
                   <a:tcPr marL="0" marR="0" marT="7620" marB="0" anchor="ctr">
@@ -3611,29 +3027,16 @@
                         </a:spcBef>
                       </a:pPr>
                       <a:r>
-                        <a:rPr lang="en-US" sz="1200" spc="-20" dirty="0">
+                        <a:rPr lang="ja-JP" sz="900">
                           <a:solidFill>
                             <a:srgbClr val="FFFFFF"/>
                           </a:solidFill>
-                          <a:latin typeface="Adobe Clean"/>
+                          <a:latin typeface="Adobe Clean Han Regular" panose="020B0500000000000000" pitchFamily="34" charset="-128"/>
+                          <a:ea typeface="Adobe Clean Han Regular" panose="020B0500000000000000" pitchFamily="34" charset="-128"/>
                           <a:cs typeface="Adobe Clean"/>
                         </a:rPr>
-                        <a:t>Elite </a:t>
+                        <a:t>エリートサポート</a:t>
                       </a:r>
-                      <a:r>
-                        <a:rPr sz="1200" spc="-20" dirty="0">
-                          <a:solidFill>
-                            <a:srgbClr val="FFFFFF"/>
-                          </a:solidFill>
-                          <a:latin typeface="Adobe Clean"/>
-                          <a:cs typeface="Adobe Clean"/>
-                        </a:rPr>
-                        <a:t>Support</a:t>
-                      </a:r>
-                      <a:endParaRPr sz="1200" dirty="0">
-                        <a:latin typeface="Adobe Clean"/>
-                        <a:cs typeface="Adobe Clean"/>
-                      </a:endParaRPr>
                     </a:p>
                   </a:txBody>
                   <a:tcPr marL="0" marR="0" marT="7620" marB="0" anchor="ctr">
@@ -3678,7 +3081,7 @@
                     <a:bodyPr/>
                     <a:lstStyle/>
                     <a:p>
-                      <a:endParaRPr lang="en-US" sz="1400"/>
+                      <a:endParaRPr lang="en-US" sz="1200"/>
                     </a:p>
                   </a:txBody>
                   <a:tcPr/>
@@ -3698,7 +3101,7 @@
                     <a:bodyPr/>
                     <a:lstStyle/>
                     <a:p>
-                      <a:pPr marL="0" marR="0" lvl="0" indent="0" algn="ctr" defTabSz="914400" eaLnBrk="1" fontAlgn="auto" latinLnBrk="0" hangingPunct="1">
+                      <a:pPr marL="0" marR="0" lvl="0" indent="0" algn="l" defTabSz="914400" rtl="0" eaLnBrk="1" fontAlgn="auto" latinLnBrk="0" hangingPunct="1">
                         <a:lnSpc>
                           <a:spcPct val="100000"/>
                         </a:lnSpc>
@@ -3715,11 +3118,12 @@
                         <a:tabLst/>
                         <a:defRPr/>
                       </a:pPr>
-                      <a:endParaRPr lang="en-US" sz="1200" i="1">
+                      <a:endParaRPr lang="en-US" sz="1100" i="1" dirty="0">
                         <a:solidFill>
                           <a:sysClr val="windowText" lastClr="000000"/>
                         </a:solidFill>
-                        <a:latin typeface="Adobe Clean Light" panose="020B0303020404020204" pitchFamily="34" charset="0"/>
+                        <a:latin typeface="Adobe Clean Han Regular" panose="020B0500000000000000" pitchFamily="34" charset="-128"/>
+                        <a:ea typeface="Adobe Clean Han Regular" panose="020B0500000000000000" pitchFamily="34" charset="-128"/>
                       </a:endParaRPr>
                     </a:p>
                   </a:txBody>
@@ -3779,13 +3183,14 @@
                         <a:defRPr/>
                       </a:pPr>
                       <a:r>
-                        <a:rPr lang="en-US" sz="1200" b="1" i="1" dirty="0">
+                        <a:rPr lang="ja-JP" sz="900" b="1" i="1" dirty="0">
                           <a:solidFill>
                             <a:schemeClr val="bg1"/>
                           </a:solidFill>
-                          <a:latin typeface="Adobe Clean" panose="020B0503020404020204" pitchFamily="34" charset="0"/>
+                          <a:latin typeface="Adobe Clean Han Regular" panose="020B0500000000000000" pitchFamily="34" charset="-128"/>
+                          <a:ea typeface="Adobe Clean Han Regular" panose="020B0500000000000000" pitchFamily="34" charset="-128"/>
                         </a:rPr>
-                        <a:t>Paid Support ($)</a:t>
+                        <a:t>有償サポート（$）</a:t>
                       </a:r>
                     </a:p>
                   </a:txBody>
@@ -3849,22 +3254,16 @@
                         </a:spcBef>
                       </a:pPr>
                       <a:r>
-                        <a:rPr lang="en-US" sz="1200" b="1" i="0" spc="0">
+                        <a:rPr lang="ja-JP" sz="1100" b="1" i="0" dirty="0">
                           <a:solidFill>
                             <a:schemeClr val="bg1"/>
                           </a:solidFill>
-                          <a:latin typeface="Adobe Clean" panose="020B0503020404020204" pitchFamily="34" charset="0"/>
+                          <a:latin typeface="Adobe Clean Han Regular" panose="020B0500000000000000" pitchFamily="34" charset="-128"/>
+                          <a:ea typeface="Adobe Clean Han Regular" panose="020B0500000000000000" pitchFamily="34" charset="-128"/>
                           <a:cs typeface="AdobeClean-Light"/>
                         </a:rPr>
-                        <a:t>Assigned Experts</a:t>
+                        <a:t>担当エキスパート</a:t>
                       </a:r>
-                      <a:endParaRPr sz="1200" b="1" i="0" spc="0">
-                        <a:solidFill>
-                          <a:schemeClr val="bg1"/>
-                        </a:solidFill>
-                        <a:latin typeface="Adobe Clean" panose="020B0503020404020204" pitchFamily="34" charset="0"/>
-                        <a:cs typeface="AdobeClean-Light"/>
-                      </a:endParaRPr>
                     </a:p>
                   </a:txBody>
                   <a:tcPr marL="0" marR="0" marT="58419" marB="0" anchor="ctr">
@@ -3914,19 +3313,16 @@
                         </a:spcBef>
                       </a:pPr>
                       <a:r>
-                        <a:rPr sz="1100" b="0" i="0" spc="0" dirty="0">
+                        <a:rPr lang="ja-JP" sz="1000" b="0" i="0" dirty="0">
                           <a:solidFill>
                             <a:srgbClr val="020302"/>
                           </a:solidFill>
-                          <a:latin typeface="Adobe Clean Light" panose="020B0303020404020204" pitchFamily="34" charset="0"/>
+                          <a:latin typeface="Adobe Clean Han Light" panose="020B0300000000000000" pitchFamily="34" charset="-128"/>
+                          <a:ea typeface="Adobe Clean Han Light" panose="020B0300000000000000" pitchFamily="34" charset="-128"/>
                           <a:cs typeface="AdobeClean-Light"/>
                         </a:rPr>
-                        <a:t>Account Support Lead</a:t>
+                        <a:t>アカウントサポートリード</a:t>
                       </a:r>
-                      <a:endParaRPr sz="1100" b="0" i="0" spc="0" dirty="0">
-                        <a:latin typeface="Adobe Clean Light" panose="020B0303020404020204" pitchFamily="34" charset="0"/>
-                        <a:cs typeface="AdobeClean-Light"/>
-                      </a:endParaRPr>
                     </a:p>
                   </a:txBody>
                   <a:tcPr marL="0" marR="0" marT="58419" marB="0">
@@ -3961,7 +3357,7 @@
                     <a:bodyPr/>
                     <a:lstStyle/>
                     <a:p>
-                      <a:pPr algn="ctr">
+                      <a:pPr algn="l" rtl="0">
                         <a:lnSpc>
                           <a:spcPct val="100000"/>
                         </a:lnSpc>
@@ -4002,7 +3398,7 @@
                     <a:bodyPr/>
                     <a:lstStyle/>
                     <a:p>
-                      <a:pPr>
+                      <a:pPr algn="l" rtl="0">
                         <a:lnSpc>
                           <a:spcPct val="100000"/>
                         </a:lnSpc>
@@ -4042,7 +3438,7 @@
                     <a:bodyPr/>
                     <a:lstStyle/>
                     <a:p>
-                      <a:pPr marL="50800">
+                      <a:pPr marL="50800" algn="l" rtl="0">
                         <a:lnSpc>
                           <a:spcPct val="100000"/>
                         </a:lnSpc>
@@ -4072,19 +3468,16 @@
                         </a:spcBef>
                       </a:pPr>
                       <a:r>
-                        <a:rPr sz="1100" b="0" i="0" spc="0" dirty="0">
+                        <a:rPr lang="ja-JP" sz="1000" b="0" i="0" dirty="0">
                           <a:solidFill>
                             <a:srgbClr val="020302"/>
                           </a:solidFill>
-                          <a:latin typeface="Adobe Clean Light" panose="020B0303020404020204" pitchFamily="34" charset="0"/>
+                          <a:latin typeface="Adobe Clean Han Light" panose="020B0300000000000000" pitchFamily="34" charset="-128"/>
+                          <a:ea typeface="Adobe Clean Han Light" panose="020B0300000000000000" pitchFamily="34" charset="-128"/>
                           <a:cs typeface="AdobeClean-Light"/>
                         </a:rPr>
-                        <a:t>Named Support Engineer</a:t>
+                        <a:t>専任サポートエンジニア</a:t>
                       </a:r>
-                      <a:endParaRPr sz="1100" b="0" i="0" spc="0" dirty="0">
-                        <a:latin typeface="Adobe Clean Light" panose="020B0303020404020204" pitchFamily="34" charset="0"/>
-                        <a:cs typeface="AdobeClean-Light"/>
-                      </a:endParaRPr>
                     </a:p>
                   </a:txBody>
                   <a:tcPr marL="0" marR="0" marT="58419" marB="0">
@@ -4113,7 +3506,7 @@
                     <a:bodyPr/>
                     <a:lstStyle/>
                     <a:p>
-                      <a:pPr algn="ctr">
+                      <a:pPr algn="l" rtl="0">
                         <a:lnSpc>
                           <a:spcPct val="100000"/>
                         </a:lnSpc>
@@ -4121,7 +3514,7 @@
                           <a:spcPts val="459"/>
                         </a:spcBef>
                       </a:pPr>
-                      <a:endParaRPr lang="en-US" sz="900">
+                      <a:endParaRPr lang="en-US" sz="900" dirty="0">
                         <a:latin typeface="Wingdings"/>
                         <a:cs typeface="Wingdings"/>
                       </a:endParaRPr>
@@ -4154,19 +3547,16 @@
                         </a:spcBef>
                       </a:pPr>
                       <a:r>
-                        <a:rPr sz="900" spc="0">
+                        <a:rPr lang="ja-JP" sz="900">
                           <a:solidFill>
                             <a:srgbClr val="020302"/>
                           </a:solidFill>
                           <a:latin typeface="Wingdings"/>
+                          <a:ea typeface="MS Mincho"/>
                           <a:cs typeface="Wingdings"/>
                         </a:rPr>
                         <a:t></a:t>
                       </a:r>
-                      <a:endParaRPr sz="900" spc="0">
-                        <a:latin typeface="Wingdings"/>
-                        <a:cs typeface="Wingdings"/>
-                      </a:endParaRPr>
                     </a:p>
                   </a:txBody>
                   <a:tcPr marL="0" marR="0" marT="59055" marB="0">
@@ -4189,7 +3579,7 @@
                     <a:bodyPr/>
                     <a:lstStyle/>
                     <a:p>
-                      <a:pPr marL="50800">
+                      <a:pPr marL="50800" algn="l" rtl="0">
                         <a:lnSpc>
                           <a:spcPct val="100000"/>
                         </a:lnSpc>
@@ -4219,19 +3609,16 @@
                         </a:spcBef>
                       </a:pPr>
                       <a:r>
-                        <a:rPr sz="1100" b="0" i="0" spc="0" dirty="0">
+                        <a:rPr lang="ja-JP" sz="1000" b="0" i="0" dirty="0">
                           <a:solidFill>
                             <a:srgbClr val="020302"/>
                           </a:solidFill>
-                          <a:latin typeface="Adobe Clean Light" panose="020B0303020404020204" pitchFamily="34" charset="0"/>
+                          <a:latin typeface="Adobe Clean Han Light" panose="020B0300000000000000" pitchFamily="34" charset="-128"/>
+                          <a:ea typeface="Adobe Clean Han Light" panose="020B0300000000000000" pitchFamily="34" charset="-128"/>
                           <a:cs typeface="AdobeClean-Light"/>
                         </a:rPr>
-                        <a:t>Technical Account Manager</a:t>
+                        <a:t>テクニカルアカウントマネージャー</a:t>
                       </a:r>
-                      <a:endParaRPr sz="1100" b="0" i="0" spc="0" dirty="0">
-                        <a:latin typeface="Adobe Clean Light" panose="020B0303020404020204" pitchFamily="34" charset="0"/>
-                        <a:cs typeface="AdobeClean-Light"/>
-                      </a:endParaRPr>
                     </a:p>
                   </a:txBody>
                   <a:tcPr marL="0" marR="0" marT="63500" marB="0">
@@ -4269,7 +3656,7 @@
                     <a:bodyPr/>
                     <a:lstStyle/>
                     <a:p>
-                      <a:pPr algn="ctr">
+                      <a:pPr algn="l" rtl="0">
                         <a:lnSpc>
                           <a:spcPct val="100000"/>
                         </a:lnSpc>
@@ -4319,19 +3706,16 @@
                         </a:spcBef>
                       </a:pPr>
                       <a:r>
-                        <a:rPr sz="900" spc="0">
+                        <a:rPr lang="ja-JP" sz="900">
                           <a:solidFill>
                             <a:srgbClr val="020302"/>
                           </a:solidFill>
                           <a:latin typeface="Wingdings"/>
+                          <a:ea typeface="MS Mincho"/>
                           <a:cs typeface="Wingdings"/>
                         </a:rPr>
                         <a:t></a:t>
                       </a:r>
-                      <a:endParaRPr sz="900" spc="0">
-                        <a:latin typeface="Wingdings"/>
-                        <a:cs typeface="Wingdings"/>
-                      </a:endParaRPr>
                     </a:p>
                   </a:txBody>
                   <a:tcPr marL="0" marR="0" marT="64135" marB="0">
@@ -4372,22 +3756,16 @@
                         </a:spcBef>
                       </a:pPr>
                       <a:r>
-                        <a:rPr lang="en-US" sz="1200" b="1" i="0" spc="0">
+                        <a:rPr lang="ja-JP" sz="1100" b="1" i="0" dirty="0">
                           <a:solidFill>
                             <a:schemeClr val="bg1"/>
                           </a:solidFill>
-                          <a:latin typeface="Adobe Clean" panose="020B0503020404020204" pitchFamily="34" charset="0"/>
+                          <a:latin typeface="Adobe Clean Han Regular" panose="020B0500000000000000" pitchFamily="34" charset="-128"/>
+                          <a:ea typeface="Adobe Clean Han Regular" panose="020B0500000000000000" pitchFamily="34" charset="-128"/>
                           <a:cs typeface="AdobeClean-Light"/>
                         </a:rPr>
-                        <a:t>Support Services</a:t>
+                        <a:t>サポートサービス</a:t>
                       </a:r>
-                      <a:endParaRPr sz="1200" b="1" i="0" spc="0">
-                        <a:solidFill>
-                          <a:schemeClr val="bg1"/>
-                        </a:solidFill>
-                        <a:latin typeface="Adobe Clean" panose="020B0503020404020204" pitchFamily="34" charset="0"/>
-                        <a:cs typeface="AdobeClean-Light"/>
-                      </a:endParaRPr>
                     </a:p>
                   </a:txBody>
                   <a:tcPr marL="0" marR="0" marT="57150" marB="0" anchor="ctr">
@@ -4437,19 +3815,16 @@
                         </a:spcBef>
                       </a:pPr>
                       <a:r>
-                        <a:rPr lang="en-US" sz="1100" b="0" i="0" spc="0" dirty="0">
+                        <a:rPr lang="ja-JP" sz="1000" b="0" i="0" dirty="0">
                           <a:solidFill>
                             <a:srgbClr val="020302"/>
                           </a:solidFill>
-                          <a:latin typeface="Adobe Clean Light" panose="020B0303020404020204" pitchFamily="34" charset="0"/>
+                          <a:latin typeface="Adobe Clean Han Light" panose="020B0300000000000000" pitchFamily="34" charset="-128"/>
+                          <a:ea typeface="Adobe Clean Han Light" panose="020B0300000000000000" pitchFamily="34" charset="-128"/>
                           <a:cs typeface="AdobeClean-Light"/>
                         </a:rPr>
-                        <a:t>24x7 Self-Help Support </a:t>
+                        <a:t>24 時間年中無休のセルフサービスサポート </a:t>
                       </a:r>
-                      <a:endParaRPr lang="en-US" sz="1100" b="0" i="0" spc="0" dirty="0">
-                        <a:latin typeface="Adobe Clean Light" panose="020B0303020404020204" pitchFamily="34" charset="0"/>
-                        <a:cs typeface="AdobeClean-Light"/>
-                      </a:endParaRPr>
                     </a:p>
                   </a:txBody>
                   <a:tcPr marL="0" marR="0" marT="57150" marB="0">
@@ -4493,19 +3868,16 @@
                         </a:spcBef>
                       </a:pPr>
                       <a:r>
-                        <a:rPr lang="en-US" sz="900">
+                        <a:rPr lang="ja-JP" sz="900" dirty="0">
                           <a:solidFill>
                             <a:srgbClr val="020302"/>
                           </a:solidFill>
                           <a:latin typeface="Wingdings"/>
+                          <a:ea typeface="MS Mincho"/>
                           <a:cs typeface="Wingdings"/>
                         </a:rPr>
                         <a:t></a:t>
                       </a:r>
-                      <a:endParaRPr lang="en-US" sz="900">
-                        <a:latin typeface="Wingdings"/>
-                        <a:cs typeface="Wingdings"/>
-                      </a:endParaRPr>
                     </a:p>
                   </a:txBody>
                   <a:tcPr marL="0" marR="0" marT="58419" marB="0">
@@ -4544,19 +3916,16 @@
                         </a:spcBef>
                       </a:pPr>
                       <a:r>
-                        <a:rPr sz="900" spc="0">
+                        <a:rPr lang="ja-JP" sz="900">
                           <a:solidFill>
                             <a:srgbClr val="020302"/>
                           </a:solidFill>
                           <a:latin typeface="Wingdings"/>
+                          <a:ea typeface="MS Mincho"/>
                           <a:cs typeface="Wingdings"/>
                         </a:rPr>
                         <a:t></a:t>
                       </a:r>
-                      <a:endParaRPr sz="900" spc="0">
-                        <a:latin typeface="Wingdings"/>
-                        <a:cs typeface="Wingdings"/>
-                      </a:endParaRPr>
                     </a:p>
                   </a:txBody>
                   <a:tcPr marL="0" marR="0" marT="59055" marB="0">
@@ -4588,7 +3957,7 @@
                     <a:bodyPr/>
                     <a:lstStyle/>
                     <a:p>
-                      <a:pPr marL="50800">
+                      <a:pPr marL="50800" algn="l" rtl="0">
                         <a:lnSpc>
                           <a:spcPct val="100000"/>
                         </a:lnSpc>
@@ -4646,19 +4015,16 @@
                         </a:spcBef>
                       </a:pPr>
                       <a:r>
-                        <a:rPr lang="en-US" sz="1100" b="0" i="0" spc="0" dirty="0">
+                        <a:rPr lang="ja-JP" sz="1000" b="0" i="0" dirty="0">
                           <a:solidFill>
                             <a:srgbClr val="020302"/>
                           </a:solidFill>
-                          <a:latin typeface="Adobe Clean Light" panose="020B0303020404020204" pitchFamily="34" charset="0"/>
+                          <a:latin typeface="Adobe Clean Han Light" panose="020B0300000000000000" pitchFamily="34" charset="-128"/>
+                          <a:ea typeface="Adobe Clean Han Light" panose="020B0300000000000000" pitchFamily="34" charset="-128"/>
                           <a:cs typeface="AdobeClean-Light"/>
                         </a:rPr>
-                        <a:t>24x7 Support via Chat / Phone</a:t>
+                        <a:t>24 時間年中無休のチャット／電話によるサポート</a:t>
                       </a:r>
-                      <a:endParaRPr sz="1100" b="0" i="0" spc="0" dirty="0">
-                        <a:latin typeface="Adobe Clean Light" panose="020B0303020404020204" pitchFamily="34" charset="0"/>
-                        <a:cs typeface="AdobeClean-Light"/>
-                      </a:endParaRPr>
                     </a:p>
                   </a:txBody>
                   <a:tcPr marL="0" marR="0" marT="57785" marB="0">
@@ -4697,19 +4063,16 @@
                         </a:spcBef>
                       </a:pPr>
                       <a:r>
-                        <a:rPr lang="en-US" sz="900">
+                        <a:rPr lang="ja-JP" sz="900" dirty="0">
                           <a:solidFill>
                             <a:srgbClr val="020302"/>
                           </a:solidFill>
                           <a:latin typeface="Wingdings"/>
+                          <a:ea typeface="MS Mincho"/>
                           <a:cs typeface="Wingdings"/>
                         </a:rPr>
                         <a:t></a:t>
                       </a:r>
-                      <a:endParaRPr lang="en-US" sz="900">
-                        <a:latin typeface="Wingdings"/>
-                        <a:cs typeface="Wingdings"/>
-                      </a:endParaRPr>
                     </a:p>
                   </a:txBody>
                   <a:tcPr marL="0" marR="0" marT="58419" marB="0">
@@ -4746,19 +4109,16 @@
                         </a:spcBef>
                       </a:pPr>
                       <a:r>
-                        <a:rPr sz="900" spc="0">
+                        <a:rPr lang="ja-JP" sz="900">
                           <a:solidFill>
                             <a:srgbClr val="020302"/>
                           </a:solidFill>
                           <a:latin typeface="Wingdings"/>
+                          <a:ea typeface="MS Mincho"/>
                           <a:cs typeface="Wingdings"/>
                         </a:rPr>
                         <a:t></a:t>
                       </a:r>
-                      <a:endParaRPr sz="900" spc="0">
-                        <a:latin typeface="Wingdings"/>
-                        <a:cs typeface="Wingdings"/>
-                      </a:endParaRPr>
                     </a:p>
                   </a:txBody>
                   <a:tcPr marL="0" marR="0" marT="64135" marB="0">
@@ -4790,7 +4150,7 @@
                     <a:bodyPr/>
                     <a:lstStyle/>
                     <a:p>
-                      <a:pPr marL="50800">
+                      <a:pPr marL="50800" algn="l" rtl="0">
                         <a:lnSpc>
                           <a:spcPct val="100000"/>
                         </a:lnSpc>
@@ -4857,16 +4217,13 @@
                         </a:spcBef>
                       </a:pPr>
                       <a:r>
-                        <a:rPr lang="en-US" sz="1100" b="0" i="0" spc="0">
-                          <a:latin typeface="Adobe Clean Light" panose="020B0303020404020204" pitchFamily="34" charset="0"/>
+                        <a:rPr lang="ja-JP" sz="1000" b="0" i="0" dirty="0">
+                          <a:latin typeface="Adobe Clean Han Light" panose="020B0300000000000000" pitchFamily="34" charset="-128"/>
+                          <a:ea typeface="Adobe Clean Han Light" panose="020B0300000000000000" pitchFamily="34" charset="-128"/>
                           <a:cs typeface="AdobeClean-Light"/>
                         </a:rPr>
-                        <a:t>Web Case Submissions </a:t>
+                        <a:t>Web ケース申請 </a:t>
                       </a:r>
-                      <a:endParaRPr sz="1100" b="0" i="0" spc="0">
-                        <a:latin typeface="Adobe Clean Light" panose="020B0303020404020204" pitchFamily="34" charset="0"/>
-                        <a:cs typeface="AdobeClean-Light"/>
-                      </a:endParaRPr>
                     </a:p>
                   </a:txBody>
                   <a:tcPr marL="0" marR="0" marT="57785" marB="0">
@@ -4905,19 +4262,16 @@
                         </a:spcBef>
                       </a:pPr>
                       <a:r>
-                        <a:rPr sz="900">
+                        <a:rPr lang="ja-JP" sz="900">
                           <a:solidFill>
                             <a:srgbClr val="020302"/>
                           </a:solidFill>
                           <a:latin typeface="Wingdings"/>
+                          <a:ea typeface="MS Mincho"/>
                           <a:cs typeface="Wingdings"/>
                         </a:rPr>
                         <a:t></a:t>
                       </a:r>
-                      <a:endParaRPr sz="900">
-                        <a:latin typeface="Wingdings"/>
-                        <a:cs typeface="Wingdings"/>
-                      </a:endParaRPr>
                     </a:p>
                   </a:txBody>
                   <a:tcPr marL="0" marR="0" marT="58419" marB="0">
@@ -4954,19 +4308,16 @@
                         </a:spcBef>
                       </a:pPr>
                       <a:r>
-                        <a:rPr sz="900" spc="0">
+                        <a:rPr lang="ja-JP" sz="900">
                           <a:solidFill>
                             <a:srgbClr val="020302"/>
                           </a:solidFill>
                           <a:latin typeface="Wingdings"/>
+                          <a:ea typeface="MS Mincho"/>
                           <a:cs typeface="Wingdings"/>
                         </a:rPr>
                         <a:t></a:t>
                       </a:r>
-                      <a:endParaRPr sz="900" spc="0">
-                        <a:latin typeface="Wingdings"/>
-                        <a:cs typeface="Wingdings"/>
-                      </a:endParaRPr>
                     </a:p>
                   </a:txBody>
                   <a:tcPr marL="0" marR="0" marT="58419" marB="0">
@@ -4998,7 +4349,7 @@
                     <a:bodyPr/>
                     <a:lstStyle/>
                     <a:p>
-                      <a:pPr marL="50800">
+                      <a:pPr marL="50800" algn="l" rtl="0">
                         <a:lnSpc>
                           <a:spcPct val="100000"/>
                         </a:lnSpc>
@@ -5047,19 +4398,16 @@
                         </a:spcBef>
                       </a:pPr>
                       <a:r>
-                        <a:rPr lang="en-US" sz="1100" b="0" i="0" spc="0" dirty="0">
+                        <a:rPr lang="ja-JP" sz="1000" b="0" i="0" dirty="0">
                           <a:solidFill>
                             <a:srgbClr val="020302"/>
                           </a:solidFill>
-                          <a:latin typeface="Adobe Clean Light" panose="020B0303020404020204" pitchFamily="34" charset="0"/>
+                          <a:latin typeface="Adobe Clean Han Light" panose="020B0300000000000000" pitchFamily="34" charset="-128"/>
+                          <a:ea typeface="Adobe Clean Han Light" panose="020B0300000000000000" pitchFamily="34" charset="-128"/>
                           <a:cs typeface="AdobeClean-Light"/>
                         </a:rPr>
-                        <a:t>Priority Case Routing</a:t>
+                        <a:t>優先的なケースルーティング</a:t>
                       </a:r>
-                      <a:endParaRPr sz="1100" b="0" i="0" spc="0" dirty="0">
-                        <a:latin typeface="Adobe Clean Light" panose="020B0303020404020204" pitchFamily="34" charset="0"/>
-                        <a:cs typeface="AdobeClean-Light"/>
-                      </a:endParaRPr>
                     </a:p>
                   </a:txBody>
                   <a:tcPr marL="0" marR="0" marT="58419" marB="0">
@@ -5082,7 +4430,7 @@
                     <a:bodyPr/>
                     <a:lstStyle/>
                     <a:p>
-                      <a:pPr algn="ctr">
+                      <a:pPr algn="l" rtl="0">
                         <a:lnSpc>
                           <a:spcPct val="100000"/>
                         </a:lnSpc>
@@ -5090,7 +4438,7 @@
                           <a:spcPts val="459"/>
                         </a:spcBef>
                       </a:pPr>
-                      <a:endParaRPr lang="en-US" sz="900">
+                      <a:endParaRPr lang="en-US" sz="900" dirty="0">
                         <a:latin typeface="Wingdings"/>
                         <a:cs typeface="Wingdings"/>
                       </a:endParaRPr>
@@ -5123,19 +4471,16 @@
                         </a:spcBef>
                       </a:pPr>
                       <a:r>
-                        <a:rPr sz="900" spc="0">
+                        <a:rPr lang="ja-JP" sz="900">
                           <a:solidFill>
                             <a:srgbClr val="020302"/>
                           </a:solidFill>
                           <a:latin typeface="Wingdings"/>
+                          <a:ea typeface="MS Mincho"/>
                           <a:cs typeface="Wingdings"/>
                         </a:rPr>
                         <a:t></a:t>
                       </a:r>
-                      <a:endParaRPr sz="900" spc="0">
-                        <a:latin typeface="Wingdings"/>
-                        <a:cs typeface="Wingdings"/>
-                      </a:endParaRPr>
                     </a:p>
                   </a:txBody>
                   <a:tcPr marL="0" marR="0" marT="58419" marB="0">
@@ -5158,7 +4503,7 @@
                     <a:bodyPr/>
                     <a:lstStyle/>
                     <a:p>
-                      <a:pPr marL="50800">
+                      <a:pPr marL="50800" algn="l" rtl="0">
                         <a:lnSpc>
                           <a:spcPct val="100000"/>
                         </a:lnSpc>
@@ -5225,11 +4570,12 @@
                         <a:defRPr/>
                       </a:pPr>
                       <a:r>
-                        <a:rPr lang="en-US" sz="1100" b="0" i="0" spc="0" dirty="0">
-                          <a:latin typeface="Adobe Clean Light" panose="020B0303020404020204" pitchFamily="34" charset="0"/>
+                        <a:rPr lang="ja-JP" sz="1000" b="0" i="0" dirty="0">
+                          <a:latin typeface="Adobe Clean Han Light" panose="020B0300000000000000" pitchFamily="34" charset="-128"/>
+                          <a:ea typeface="Adobe Clean Han Light" panose="020B0300000000000000" pitchFamily="34" charset="-128"/>
                           <a:cs typeface="AdobeClean-Light"/>
                         </a:rPr>
-                        <a:t>Accelerated Issue Prioritization</a:t>
+                        <a:t>迅速な問題の優先度設定</a:t>
                       </a:r>
                     </a:p>
                   </a:txBody>
@@ -5259,7 +4605,7 @@
                     <a:bodyPr/>
                     <a:lstStyle/>
                     <a:p>
-                      <a:pPr algn="ctr">
+                      <a:pPr algn="l" rtl="0">
                         <a:lnSpc>
                           <a:spcPct val="100000"/>
                         </a:lnSpc>
@@ -5300,19 +4646,16 @@
                         </a:spcBef>
                       </a:pPr>
                       <a:r>
-                        <a:rPr sz="900" spc="0">
+                        <a:rPr lang="ja-JP" sz="900" dirty="0">
                           <a:solidFill>
                             <a:srgbClr val="020302"/>
                           </a:solidFill>
                           <a:latin typeface="Wingdings"/>
+                          <a:ea typeface="MS Mincho"/>
                           <a:cs typeface="Wingdings"/>
                         </a:rPr>
                         <a:t></a:t>
                       </a:r>
-                      <a:endParaRPr sz="900" spc="0">
-                        <a:latin typeface="Wingdings"/>
-                        <a:cs typeface="Wingdings"/>
-                      </a:endParaRPr>
                     </a:p>
                   </a:txBody>
                   <a:tcPr marL="0" marR="0" marT="58419" marB="0">
@@ -5373,16 +4716,13 @@
                         </a:spcBef>
                       </a:pPr>
                       <a:r>
-                        <a:rPr lang="en-US" sz="1100" b="0" i="0" spc="0">
-                          <a:latin typeface="Adobe Clean Light" panose="020B0303020404020204" pitchFamily="34" charset="0"/>
+                        <a:rPr lang="ja-JP" sz="1000" b="0" i="0" dirty="0">
+                          <a:latin typeface="Adobe Clean Han Light" panose="020B0300000000000000" pitchFamily="34" charset="-128"/>
+                          <a:ea typeface="Adobe Clean Han Light" panose="020B0300000000000000" pitchFamily="34" charset="-128"/>
                           <a:cs typeface="AdobeClean-Light"/>
                         </a:rPr>
-                        <a:t>Escalation Management</a:t>
+                        <a:t>エスカレーション管理</a:t>
                       </a:r>
-                      <a:endParaRPr sz="1100" b="0" i="0" spc="0">
-                        <a:latin typeface="Adobe Clean Light" panose="020B0303020404020204" pitchFamily="34" charset="0"/>
-                        <a:cs typeface="AdobeClean-Light"/>
-                      </a:endParaRPr>
                     </a:p>
                   </a:txBody>
                   <a:tcPr marL="0" marR="0" marT="57150" marB="0">
@@ -5405,7 +4745,7 @@
                     <a:bodyPr/>
                     <a:lstStyle/>
                     <a:p>
-                      <a:pPr algn="ctr">
+                      <a:pPr algn="l" rtl="0">
                         <a:lnSpc>
                           <a:spcPct val="100000"/>
                         </a:lnSpc>
@@ -5446,19 +4786,16 @@
                         </a:spcBef>
                       </a:pPr>
                       <a:r>
-                        <a:rPr sz="900" spc="0">
+                        <a:rPr lang="ja-JP" sz="900" dirty="0">
                           <a:solidFill>
                             <a:srgbClr val="020302"/>
                           </a:solidFill>
                           <a:latin typeface="Wingdings"/>
+                          <a:ea typeface="MS Mincho"/>
                           <a:cs typeface="Wingdings"/>
                         </a:rPr>
                         <a:t></a:t>
                       </a:r>
-                      <a:endParaRPr sz="900" spc="0">
-                        <a:latin typeface="Wingdings"/>
-                        <a:cs typeface="Wingdings"/>
-                      </a:endParaRPr>
                     </a:p>
                   </a:txBody>
                   <a:tcPr marL="0" marR="0" marT="59690" marB="0">
@@ -5519,16 +4856,13 @@
                         </a:spcBef>
                       </a:pPr>
                       <a:r>
-                        <a:rPr lang="en-US" sz="1100" b="0" i="0" spc="0" dirty="0">
-                          <a:latin typeface="Adobe Clean Light" panose="020B0303020404020204" pitchFamily="34" charset="0"/>
+                        <a:rPr lang="ja-JP" sz="1000" b="0" i="0" dirty="0">
+                          <a:latin typeface="Adobe Clean Han Light" panose="020B0300000000000000" pitchFamily="34" charset="-128"/>
+                          <a:ea typeface="Adobe Clean Han Light" panose="020B0300000000000000" pitchFamily="34" charset="-128"/>
                           <a:cs typeface="AdobeClean-Light"/>
                         </a:rPr>
-                        <a:t>Proactive Case Monitoring</a:t>
+                        <a:t>プロアクティブなケース監視</a:t>
                       </a:r>
-                      <a:endParaRPr sz="1100" b="0" i="0" spc="0" dirty="0">
-                        <a:latin typeface="Adobe Clean Light" panose="020B0303020404020204" pitchFamily="34" charset="0"/>
-                        <a:cs typeface="AdobeClean-Light"/>
-                      </a:endParaRPr>
                     </a:p>
                   </a:txBody>
                   <a:tcPr marL="0" marR="0" marT="57150" marB="0">
@@ -5551,7 +4885,7 @@
                     <a:bodyPr/>
                     <a:lstStyle/>
                     <a:p>
-                      <a:pPr algn="ctr">
+                      <a:pPr algn="l" rtl="0">
                         <a:lnSpc>
                           <a:spcPct val="100000"/>
                         </a:lnSpc>
@@ -5592,19 +4926,16 @@
                         </a:spcBef>
                       </a:pPr>
                       <a:r>
-                        <a:rPr sz="900" spc="0" dirty="0">
+                        <a:rPr lang="ja-JP" sz="900">
                           <a:solidFill>
                             <a:srgbClr val="020302"/>
                           </a:solidFill>
                           <a:latin typeface="Wingdings"/>
+                          <a:ea typeface="MS Mincho"/>
                           <a:cs typeface="Wingdings"/>
                         </a:rPr>
                         <a:t></a:t>
                       </a:r>
-                      <a:endParaRPr sz="900" spc="0" dirty="0">
-                        <a:latin typeface="Wingdings"/>
-                        <a:cs typeface="Wingdings"/>
-                      </a:endParaRPr>
                     </a:p>
                   </a:txBody>
                   <a:tcPr marL="0" marR="0" marT="59690" marB="0">
@@ -5627,7 +4958,7 @@
                     <a:bodyPr/>
                     <a:lstStyle/>
                     <a:p>
-                      <a:pPr marL="48895">
+                      <a:pPr marL="48895" algn="l" rtl="0">
                         <a:lnSpc>
                           <a:spcPct val="100000"/>
                         </a:lnSpc>
@@ -5676,19 +5007,16 @@
                         </a:spcBef>
                       </a:pPr>
                       <a:r>
-                        <a:rPr lang="en-US" sz="1100" b="0" i="0" spc="0" dirty="0">
+                        <a:rPr lang="ja-JP" sz="1000" b="0" i="0" dirty="0">
                           <a:solidFill>
                             <a:srgbClr val="020302"/>
                           </a:solidFill>
-                          <a:latin typeface="Adobe Clean Light" panose="020B0303020404020204" pitchFamily="34" charset="0"/>
+                          <a:latin typeface="Adobe Clean Han Light" panose="020B0300000000000000" pitchFamily="34" charset="-128"/>
+                          <a:ea typeface="Adobe Clean Han Light" panose="020B0300000000000000" pitchFamily="34" charset="-128"/>
                           <a:cs typeface="AdobeClean-Light"/>
                         </a:rPr>
-                        <a:t>In-Region Support Option</a:t>
+                        <a:t>地域内サポートオプション</a:t>
                       </a:r>
-                      <a:endParaRPr sz="1100" b="0" i="0" spc="0" dirty="0">
-                        <a:latin typeface="Adobe Clean Light" panose="020B0303020404020204" pitchFamily="34" charset="0"/>
-                        <a:cs typeface="AdobeClean-Light"/>
-                      </a:endParaRPr>
                     </a:p>
                   </a:txBody>
                   <a:tcPr marL="0" marR="0" marT="58419" marB="0">
@@ -5711,7 +5039,7 @@
                     <a:bodyPr/>
                     <a:lstStyle/>
                     <a:p>
-                      <a:pPr>
+                      <a:pPr algn="l" rtl="0">
                         <a:lnSpc>
                           <a:spcPct val="100000"/>
                         </a:lnSpc>
@@ -5749,19 +5077,16 @@
                         </a:spcBef>
                       </a:pPr>
                       <a:r>
-                        <a:rPr sz="900" spc="0" dirty="0">
+                        <a:rPr lang="ja-JP" sz="900" dirty="0">
                           <a:solidFill>
                             <a:srgbClr val="020302"/>
                           </a:solidFill>
                           <a:latin typeface="Wingdings"/>
+                          <a:ea typeface="MS Mincho"/>
                           <a:cs typeface="Wingdings"/>
                         </a:rPr>
                         <a:t></a:t>
                       </a:r>
-                      <a:endParaRPr sz="900" spc="0" dirty="0">
-                        <a:latin typeface="Wingdings"/>
-                        <a:cs typeface="Wingdings"/>
-                      </a:endParaRPr>
                     </a:p>
                   </a:txBody>
                   <a:tcPr marL="0" marR="0" marT="59690" marB="0">
@@ -5784,7 +5109,7 @@
                     <a:bodyPr/>
                     <a:lstStyle/>
                     <a:p>
-                      <a:pPr marL="48895">
+                      <a:pPr marL="48895" algn="l" rtl="0">
                         <a:lnSpc>
                           <a:spcPct val="100000"/>
                         </a:lnSpc>
@@ -5814,19 +5139,16 @@
                         </a:spcBef>
                       </a:pPr>
                       <a:r>
-                        <a:rPr lang="en-US" sz="1100" b="0" i="0" spc="0">
+                        <a:rPr lang="ja-JP" sz="1000" b="0" i="0" dirty="0">
                           <a:solidFill>
                             <a:srgbClr val="020302"/>
                           </a:solidFill>
-                          <a:latin typeface="Adobe Clean Light" panose="020B0303020404020204" pitchFamily="34" charset="0"/>
+                          <a:latin typeface="Adobe Clean Han Light" panose="020B0300000000000000" pitchFamily="34" charset="-128"/>
+                          <a:ea typeface="Adobe Clean Han Light" panose="020B0300000000000000" pitchFamily="34" charset="-128"/>
                           <a:cs typeface="AdobeClean-Light"/>
                         </a:rPr>
-                        <a:t>Service Reviews</a:t>
+                        <a:t>サービスレビュー</a:t>
                       </a:r>
-                      <a:endParaRPr sz="1100" b="0" i="0" spc="0">
-                        <a:latin typeface="Adobe Clean Light" panose="020B0303020404020204" pitchFamily="34" charset="0"/>
-                        <a:cs typeface="AdobeClean-Light"/>
-                      </a:endParaRPr>
                     </a:p>
                   </a:txBody>
                   <a:tcPr marL="0" marR="0" marT="59055" marB="0">
@@ -5855,7 +5177,7 @@
                     <a:bodyPr/>
                     <a:lstStyle/>
                     <a:p>
-                      <a:pPr>
+                      <a:pPr algn="l" rtl="0">
                         <a:lnSpc>
                           <a:spcPct val="100000"/>
                         </a:lnSpc>
@@ -5893,29 +5215,16 @@
                         </a:spcBef>
                       </a:pPr>
                       <a:r>
-                        <a:rPr sz="900" spc="0" dirty="0">
+                        <a:rPr lang="ja-JP" sz="900" dirty="0">
                           <a:solidFill>
                             <a:srgbClr val="020302"/>
                           </a:solidFill>
                           <a:latin typeface="AdobeClean-Light"/>
+                          <a:ea typeface="MS Mincho"/>
                           <a:cs typeface="AdobeClean-Light"/>
                         </a:rPr>
-                        <a:t>4</a:t>
+                        <a:t>4/年</a:t>
                       </a:r>
-                      <a:r>
-                        <a:rPr lang="en-US" sz="900" spc="0" dirty="0">
-                          <a:solidFill>
-                            <a:srgbClr val="020302"/>
-                          </a:solidFill>
-                          <a:latin typeface="AdobeClean-Light"/>
-                          <a:cs typeface="AdobeClean-Light"/>
-                        </a:rPr>
-                        <a:t>/year</a:t>
-                      </a:r>
-                      <a:endParaRPr sz="900" spc="0" dirty="0">
-                        <a:latin typeface="AdobeClean-Light"/>
-                        <a:cs typeface="AdobeClean-Light"/>
-                      </a:endParaRPr>
                     </a:p>
                   </a:txBody>
                   <a:tcPr marL="0" marR="0" marT="57150" marB="0">
@@ -5938,7 +5247,7 @@
                     <a:bodyPr/>
                     <a:lstStyle/>
                     <a:p>
-                      <a:pPr marL="49530">
+                      <a:pPr marL="49530" algn="l" rtl="0">
                         <a:lnSpc>
                           <a:spcPct val="100000"/>
                         </a:lnSpc>
@@ -5968,16 +5277,13 @@
                         </a:spcBef>
                       </a:pPr>
                       <a:r>
-                        <a:rPr lang="en-US" sz="1100" b="0" i="0" spc="0">
-                          <a:latin typeface="Adobe Clean Light" panose="020B0303020404020204" pitchFamily="34" charset="0"/>
+                        <a:rPr lang="ja-JP" sz="1000" b="0" i="0" dirty="0">
+                          <a:latin typeface="Adobe Clean Han Light" panose="020B0300000000000000" pitchFamily="34" charset="-128"/>
+                          <a:ea typeface="Adobe Clean Han Light" panose="020B0300000000000000" pitchFamily="34" charset="-128"/>
                           <a:cs typeface="AdobeClean-Light"/>
                         </a:rPr>
-                        <a:t>Case Reviews</a:t>
+                        <a:t>ケースレビュー</a:t>
                       </a:r>
-                      <a:endParaRPr sz="1100" b="0" i="0" spc="0">
-                        <a:latin typeface="Adobe Clean Light" panose="020B0303020404020204" pitchFamily="34" charset="0"/>
-                        <a:cs typeface="AdobeClean-Light"/>
-                      </a:endParaRPr>
                     </a:p>
                   </a:txBody>
                   <a:tcPr marL="0" marR="0" marT="63500" marB="0">
@@ -6006,7 +5312,7 @@
                     <a:bodyPr/>
                     <a:lstStyle/>
                     <a:p>
-                      <a:pPr>
+                      <a:pPr algn="l" rtl="0">
                         <a:lnSpc>
                           <a:spcPct val="100000"/>
                         </a:lnSpc>
@@ -6044,16 +5350,13 @@
                         </a:spcBef>
                       </a:pPr>
                       <a:r>
-                        <a:rPr lang="en-US" sz="900" spc="0">
+                        <a:rPr lang="ja-JP" sz="900">
                           <a:latin typeface="AdobeClean-Light"/>
+                          <a:ea typeface="MS Mincho"/>
                           <a:cs typeface="AdobeClean-Light"/>
                         </a:rPr>
-                        <a:t>2/month</a:t>
+                        <a:t>2/月</a:t>
                       </a:r>
-                      <a:endParaRPr sz="900" spc="0">
-                        <a:latin typeface="AdobeClean-Light"/>
-                        <a:cs typeface="AdobeClean-Light"/>
-                      </a:endParaRPr>
                     </a:p>
                   </a:txBody>
                   <a:tcPr marL="0" marR="0" marT="57150" marB="0">
@@ -6132,11 +5435,12 @@
                         <a:defRPr/>
                       </a:pPr>
                       <a:r>
-                        <a:rPr lang="en-US" sz="1100" b="0" i="0" spc="0">
-                          <a:latin typeface="Adobe Clean Light" panose="020B0303020404020204" pitchFamily="34" charset="0"/>
+                        <a:rPr lang="ja-JP" sz="1000" b="0" i="0" dirty="0">
+                          <a:latin typeface="Adobe Clean Han Light" panose="020B0300000000000000" pitchFamily="34" charset="-128"/>
+                          <a:ea typeface="Adobe Clean Han Light" panose="020B0300000000000000" pitchFamily="34" charset="-128"/>
                           <a:cs typeface="AdobeClean-Light"/>
                         </a:rPr>
-                        <a:t>Solution Review</a:t>
+                        <a:t>ソリューションレビュー</a:t>
                       </a:r>
                     </a:p>
                   </a:txBody>
@@ -6166,7 +5470,7 @@
                     <a:bodyPr/>
                     <a:lstStyle/>
                     <a:p>
-                      <a:pPr>
+                      <a:pPr algn="l" rtl="0">
                         <a:lnSpc>
                           <a:spcPct val="100000"/>
                         </a:lnSpc>
@@ -6204,19 +5508,16 @@
                         </a:spcBef>
                       </a:pPr>
                       <a:r>
-                        <a:rPr sz="900" spc="0">
+                        <a:rPr lang="ja-JP" sz="900">
                           <a:solidFill>
                             <a:srgbClr val="020302"/>
                           </a:solidFill>
                           <a:latin typeface="Wingdings"/>
+                          <a:ea typeface="MS Mincho"/>
                           <a:cs typeface="Wingdings"/>
                         </a:rPr>
                         <a:t></a:t>
                       </a:r>
-                      <a:endParaRPr sz="900" spc="0">
-                        <a:latin typeface="Wingdings"/>
-                        <a:cs typeface="Wingdings"/>
-                      </a:endParaRPr>
                     </a:p>
                   </a:txBody>
                   <a:tcPr marL="0" marR="0" marT="59690" marB="0">
@@ -6286,11 +5587,12 @@
                         <a:defRPr/>
                       </a:pPr>
                       <a:r>
-                        <a:rPr lang="en-US" sz="1100" b="0" i="0" spc="0" dirty="0">
-                          <a:latin typeface="Adobe Clean Light" panose="020B0303020404020204" pitchFamily="34" charset="0"/>
+                        <a:rPr lang="ja-JP" sz="1000" b="0" i="0" dirty="0">
+                          <a:latin typeface="Adobe Clean Han Light" panose="020B0300000000000000" pitchFamily="34" charset="-128"/>
+                          <a:ea typeface="Adobe Clean Han Light" panose="020B0300000000000000" pitchFamily="34" charset="-128"/>
                           <a:cs typeface="AdobeClean-Light"/>
                         </a:rPr>
-                        <a:t>Roadmap Review </a:t>
+                        <a:t>ロードマップレビュー </a:t>
                       </a:r>
                     </a:p>
                   </a:txBody>
@@ -6314,7 +5616,7 @@
                     <a:bodyPr/>
                     <a:lstStyle/>
                     <a:p>
-                      <a:pPr>
+                      <a:pPr algn="l" rtl="0">
                         <a:lnSpc>
                           <a:spcPct val="100000"/>
                         </a:lnSpc>
@@ -6352,19 +5654,16 @@
                         </a:spcBef>
                       </a:pPr>
                       <a:r>
-                        <a:rPr sz="900" spc="0">
+                        <a:rPr lang="ja-JP" sz="900" dirty="0">
                           <a:solidFill>
                             <a:srgbClr val="020302"/>
                           </a:solidFill>
                           <a:latin typeface="Wingdings"/>
+                          <a:ea typeface="MS Mincho"/>
                           <a:cs typeface="Wingdings"/>
                         </a:rPr>
                         <a:t></a:t>
                       </a:r>
-                      <a:endParaRPr sz="900" spc="0">
-                        <a:latin typeface="Wingdings"/>
-                        <a:cs typeface="Wingdings"/>
-                      </a:endParaRPr>
                     </a:p>
                   </a:txBody>
                   <a:tcPr marL="0" marR="0" marT="59690" marB="0">
@@ -6434,19 +5733,16 @@
                         <a:defRPr/>
                       </a:pPr>
                       <a:r>
-                        <a:rPr lang="en-US" sz="1100" b="0" i="0" spc="0">
+                        <a:rPr lang="ja-JP" sz="1000" b="0" i="0" dirty="0">
                           <a:solidFill>
                             <a:srgbClr val="020302"/>
                           </a:solidFill>
-                          <a:latin typeface="Adobe Clean Light" panose="020B0303020404020204" pitchFamily="34" charset="0"/>
+                          <a:latin typeface="Adobe Clean Han Light" panose="020B0300000000000000" pitchFamily="34" charset="-128"/>
+                          <a:ea typeface="Adobe Clean Han Light" panose="020B0300000000000000" pitchFamily="34" charset="-128"/>
                           <a:cs typeface="AdobeClean-Light"/>
                         </a:rPr>
-                        <a:t>Additional Named Support Contacts </a:t>
+                        <a:t>追加のサポート対象ユーザー </a:t>
                       </a:r>
-                      <a:endParaRPr lang="en-US" sz="1100" b="0" i="0" spc="0">
-                        <a:latin typeface="Adobe Clean Light" panose="020B0303020404020204" pitchFamily="34" charset="0"/>
-                        <a:cs typeface="AdobeClean-Light"/>
-                      </a:endParaRPr>
                     </a:p>
                   </a:txBody>
                   <a:tcPr marL="0" marR="0" marT="63500" marB="0">
@@ -6469,7 +5765,7 @@
                     <a:bodyPr/>
                     <a:lstStyle/>
                     <a:p>
-                      <a:pPr>
+                      <a:pPr algn="l" rtl="0">
                         <a:lnSpc>
                           <a:spcPct val="100000"/>
                         </a:lnSpc>
@@ -6516,19 +5812,16 @@
                         <a:defRPr/>
                       </a:pPr>
                       <a:r>
-                        <a:rPr lang="en-US" sz="900" spc="0">
+                        <a:rPr lang="ja-JP" sz="900" dirty="0">
                           <a:solidFill>
                             <a:srgbClr val="020302"/>
                           </a:solidFill>
                           <a:latin typeface="Wingdings"/>
+                          <a:ea typeface="MS Mincho"/>
                           <a:cs typeface="Wingdings"/>
                         </a:rPr>
                         <a:t></a:t>
                       </a:r>
-                      <a:endParaRPr lang="en-US" sz="900" spc="0">
-                        <a:latin typeface="Wingdings"/>
-                        <a:cs typeface="Wingdings"/>
-                      </a:endParaRPr>
                     </a:p>
                   </a:txBody>
                   <a:tcPr marL="0" marR="0" marT="64135" marB="0">
@@ -6598,16 +5891,13 @@
                         </a:spcBef>
                       </a:pPr>
                       <a:r>
-                        <a:rPr lang="en-US" sz="1100" b="0" i="0" spc="0" dirty="0">
-                          <a:latin typeface="Adobe Clean Light" panose="020B0303020404020204" pitchFamily="34" charset="0"/>
+                        <a:rPr lang="ja-JP" sz="1000" b="0" i="0" dirty="0">
+                          <a:latin typeface="Adobe Clean Han Light" panose="020B0300000000000000" pitchFamily="34" charset="-128"/>
+                          <a:ea typeface="Adobe Clean Han Light" panose="020B0300000000000000" pitchFamily="34" charset="-128"/>
                           <a:cs typeface="AdobeClean-Light"/>
                         </a:rPr>
-                        <a:t>Upgrade/Migration Planning</a:t>
+                        <a:t>アップグレード／移行計画</a:t>
                       </a:r>
-                      <a:endParaRPr sz="1100" b="0" i="0" spc="0" dirty="0">
-                        <a:latin typeface="Adobe Clean Light" panose="020B0303020404020204" pitchFamily="34" charset="0"/>
-                        <a:cs typeface="AdobeClean-Light"/>
-                      </a:endParaRPr>
                     </a:p>
                   </a:txBody>
                   <a:tcPr marL="0" marR="0" marT="63500" marB="0">
@@ -6639,7 +5929,7 @@
                     <a:bodyPr/>
                     <a:lstStyle/>
                     <a:p>
-                      <a:pPr>
+                      <a:pPr algn="l" rtl="0">
                         <a:lnSpc>
                           <a:spcPct val="100000"/>
                         </a:lnSpc>
@@ -6695,19 +5985,16 @@
                         <a:defRPr/>
                       </a:pPr>
                       <a:r>
-                        <a:rPr lang="en-US" sz="900" spc="0" dirty="0">
+                        <a:rPr lang="ja-JP" sz="900" dirty="0">
                           <a:solidFill>
                             <a:srgbClr val="020302"/>
                           </a:solidFill>
                           <a:latin typeface="Wingdings"/>
+                          <a:ea typeface="MS Mincho"/>
                           <a:cs typeface="Wingdings"/>
                         </a:rPr>
                         <a:t></a:t>
                       </a:r>
-                      <a:endParaRPr lang="en-US" sz="900" spc="0" dirty="0">
-                        <a:latin typeface="Wingdings"/>
-                        <a:cs typeface="Wingdings"/>
-                      </a:endParaRPr>
                     </a:p>
                   </a:txBody>
                   <a:tcPr marL="0" marR="0" marT="64135" marB="0">
@@ -6758,16 +6045,13 @@
                         </a:spcBef>
                       </a:pPr>
                       <a:r>
-                        <a:rPr lang="en-US" sz="1100" b="0" i="0" spc="0" dirty="0">
-                          <a:latin typeface="Adobe Clean Light" panose="020B0303020404020204" pitchFamily="34" charset="0"/>
+                        <a:rPr lang="ja-JP" sz="1000" b="0" i="0" dirty="0">
+                          <a:latin typeface="Adobe Clean Han Light" panose="020B0300000000000000" pitchFamily="34" charset="-128"/>
+                          <a:ea typeface="Adobe Clean Han Light" panose="020B0300000000000000" pitchFamily="34" charset="-128"/>
                           <a:cs typeface="AdobeClean-Light"/>
                         </a:rPr>
-                        <a:t>Release Preparation and Planning</a:t>
+                        <a:t>リリースの準備と計画</a:t>
                       </a:r>
-                      <a:endParaRPr sz="1100" b="0" i="0" spc="0" dirty="0">
-                        <a:latin typeface="Adobe Clean Light" panose="020B0303020404020204" pitchFamily="34" charset="0"/>
-                        <a:cs typeface="AdobeClean-Light"/>
-                      </a:endParaRPr>
                     </a:p>
                   </a:txBody>
                   <a:tcPr marL="0" marR="0" marT="63500" marB="0">
@@ -6814,12 +6098,12 @@
                     <a:bodyPr/>
                     <a:lstStyle/>
                     <a:p>
-                      <a:pPr>
+                      <a:pPr algn="l" rtl="0">
                         <a:lnSpc>
                           <a:spcPct val="100000"/>
                         </a:lnSpc>
                       </a:pPr>
-                      <a:endParaRPr sz="900">
+                      <a:endParaRPr sz="900" dirty="0">
                         <a:latin typeface="Times New Roman"/>
                         <a:cs typeface="Times New Roman"/>
                       </a:endParaRPr>
@@ -6879,19 +6163,16 @@
                         <a:defRPr/>
                       </a:pPr>
                       <a:r>
-                        <a:rPr lang="en-US" sz="900" spc="0" dirty="0">
+                        <a:rPr lang="ja-JP" sz="900" dirty="0">
                           <a:solidFill>
                             <a:srgbClr val="020302"/>
                           </a:solidFill>
                           <a:latin typeface="Wingdings"/>
+                          <a:ea typeface="MS Mincho"/>
                           <a:cs typeface="Wingdings"/>
                         </a:rPr>
                         <a:t></a:t>
                       </a:r>
-                      <a:endParaRPr lang="en-US" sz="900" spc="0" dirty="0">
-                        <a:latin typeface="Wingdings"/>
-                        <a:cs typeface="Wingdings"/>
-                      </a:endParaRPr>
                     </a:p>
                   </a:txBody>
                   <a:tcPr marL="0" marR="0" marT="64135" marB="0">
@@ -6932,7 +6213,7 @@
                     <a:bodyPr/>
                     <a:lstStyle/>
                     <a:p>
-                      <a:pPr marL="49530">
+                      <a:pPr marL="49530" algn="l" rtl="0">
                         <a:lnSpc>
                           <a:spcPct val="100000"/>
                         </a:lnSpc>
@@ -6996,16 +6277,13 @@
                         </a:spcBef>
                       </a:pPr>
                       <a:r>
-                        <a:rPr lang="en-US" sz="1100" b="0" i="0" spc="0" dirty="0">
-                          <a:latin typeface="Adobe Clean Light" panose="020B0303020404020204" pitchFamily="34" charset="0"/>
+                        <a:rPr lang="ja-JP" sz="1000" b="0" i="0" dirty="0">
+                          <a:latin typeface="Adobe Clean Han Light" panose="020B0300000000000000" pitchFamily="34" charset="-128"/>
+                          <a:ea typeface="Adobe Clean Han Light" panose="020B0300000000000000" pitchFamily="34" charset="-128"/>
                           <a:cs typeface="AdobeClean-Light"/>
                         </a:rPr>
-                        <a:t>Executive Sponsor</a:t>
+                        <a:t>エグゼクティブスポンサー</a:t>
                       </a:r>
-                      <a:endParaRPr sz="1100" b="0" i="0" spc="0" dirty="0">
-                        <a:latin typeface="Adobe Clean Light" panose="020B0303020404020204" pitchFamily="34" charset="0"/>
-                        <a:cs typeface="AdobeClean-Light"/>
-                      </a:endParaRPr>
                     </a:p>
                   </a:txBody>
                   <a:tcPr marL="0" marR="0" marT="67310" marB="0">
@@ -7049,12 +6327,12 @@
                     <a:bodyPr/>
                     <a:lstStyle/>
                     <a:p>
-                      <a:pPr>
+                      <a:pPr algn="l" rtl="0">
                         <a:lnSpc>
                           <a:spcPct val="100000"/>
                         </a:lnSpc>
                       </a:pPr>
-                      <a:endParaRPr sz="900">
+                      <a:endParaRPr sz="800" dirty="0">
                         <a:latin typeface="Times New Roman"/>
                         <a:cs typeface="Times New Roman"/>
                       </a:endParaRPr>
@@ -7114,19 +6392,16 @@
                         </a:spcBef>
                       </a:pPr>
                       <a:r>
-                        <a:rPr sz="900" spc="0" dirty="0">
+                        <a:rPr lang="ja-JP" sz="900" dirty="0">
                           <a:solidFill>
                             <a:srgbClr val="020302"/>
                           </a:solidFill>
                           <a:latin typeface="Wingdings"/>
+                          <a:ea typeface="MS Mincho"/>
                           <a:cs typeface="Wingdings"/>
                         </a:rPr>
                         <a:t></a:t>
                       </a:r>
-                      <a:endParaRPr sz="900" spc="0" dirty="0">
-                        <a:latin typeface="Wingdings"/>
-                        <a:cs typeface="Wingdings"/>
-                      </a:endParaRPr>
                     </a:p>
                   </a:txBody>
                   <a:tcPr marL="0" marR="0" marT="62230" marB="0">
@@ -7189,14 +6464,14 @@
           <p:nvPr>
             <p:extLst>
               <p:ext uri="{D42A27DB-BD31-4B8C-83A1-F6EECF244321}">
-                <p14:modId xmlns:p14="http://schemas.microsoft.com/office/powerpoint/2010/main" val="2386093707"/>
+                <p14:modId xmlns:p14="http://schemas.microsoft.com/office/powerpoint/2010/main" val="21286270"/>
               </p:ext>
             </p:extLst>
           </p:nvPr>
         </p:nvGraphicFramePr>
         <p:xfrm>
-          <a:off x="209607" y="7483227"/>
-          <a:ext cx="7281936" cy="2361428"/>
+          <a:off x="209607" y="7613614"/>
+          <a:ext cx="7281936" cy="2187642"/>
         </p:xfrm>
         <a:graphic>
           <a:graphicData uri="http://schemas.openxmlformats.org/drawingml/2006/table">
@@ -7256,19 +6531,16 @@
                         </a:spcBef>
                       </a:pPr>
                       <a:r>
-                        <a:rPr sz="900" spc="0">
+                        <a:rPr lang="ja-JP" sz="900" dirty="0">
                           <a:solidFill>
                             <a:srgbClr val="020302"/>
                           </a:solidFill>
-                          <a:latin typeface="Adobe Clean"/>
+                          <a:latin typeface="Adobe Clean Han Regular" panose="020B0500000000000000" pitchFamily="34" charset="-128"/>
+                          <a:ea typeface="Adobe Clean Han Regular" panose="020B0500000000000000" pitchFamily="34" charset="-128"/>
                           <a:cs typeface="Adobe Clean"/>
                         </a:rPr>
-                        <a:t>Priority</a:t>
+                        <a:t>優先度</a:t>
                       </a:r>
-                      <a:endParaRPr sz="900" spc="0">
-                        <a:latin typeface="Adobe Clean"/>
-                        <a:cs typeface="Adobe Clean"/>
-                      </a:endParaRPr>
                     </a:p>
                   </a:txBody>
                   <a:tcPr marL="0" marR="0" marT="7620" marB="0" anchor="ctr">
@@ -7315,49 +6587,16 @@
                         </a:spcBef>
                       </a:pPr>
                       <a:r>
-                        <a:rPr lang="en-US" sz="900" spc="0">
+                        <a:rPr lang="ja-JP" sz="700" dirty="0">
                           <a:solidFill>
                             <a:srgbClr val="020302"/>
                           </a:solidFill>
-                          <a:latin typeface="Adobe Clean"/>
+                          <a:latin typeface="Adobe Clean Han Regular" panose="020B0500000000000000" pitchFamily="34" charset="-128"/>
+                          <a:ea typeface="Adobe Clean Han Regular" panose="020B0500000000000000" pitchFamily="34" charset="-128"/>
                           <a:cs typeface="Adobe Clean"/>
                         </a:rPr>
-                        <a:t>Standard</a:t>
+                        <a:t>標準サポート</a:t>
                       </a:r>
-                      <a:r>
-                        <a:rPr sz="900" spc="0">
-                          <a:solidFill>
-                            <a:srgbClr val="020302"/>
-                          </a:solidFill>
-                          <a:latin typeface="Adobe Clean"/>
-                          <a:cs typeface="Adobe Clean"/>
-                        </a:rPr>
-                        <a:t> </a:t>
-                      </a:r>
-                      <a:r>
-                        <a:rPr lang="en-US" sz="900" spc="0">
-                          <a:solidFill>
-                            <a:srgbClr val="020302"/>
-                          </a:solidFill>
-                          <a:latin typeface="Adobe Clean"/>
-                          <a:cs typeface="Adobe Clean"/>
-                        </a:rPr>
-                        <a:t> </a:t>
-                      </a:r>
-                      <a:r>
-                        <a:rPr sz="900" spc="0">
-                          <a:solidFill>
-                            <a:srgbClr val="020302"/>
-                          </a:solidFill>
-                          <a:latin typeface="Adobe Clean"/>
-                          <a:cs typeface="Adobe Clean"/>
-                        </a:rPr>
-                        <a:t>Support</a:t>
-                      </a:r>
-                      <a:endParaRPr sz="900" spc="0">
-                        <a:latin typeface="Adobe Clean"/>
-                        <a:cs typeface="Adobe Clean"/>
-                      </a:endParaRPr>
                     </a:p>
                   </a:txBody>
                   <a:tcPr marL="0" marR="0" marT="0" marB="0" anchor="ctr">
@@ -7407,39 +6646,16 @@
                         </a:spcBef>
                       </a:pPr>
                       <a:r>
-                        <a:rPr sz="900" spc="0">
+                        <a:rPr lang="ja-JP" sz="700" dirty="0">
                           <a:solidFill>
                             <a:srgbClr val="FFFFFF"/>
                           </a:solidFill>
-                          <a:latin typeface="Adobe Clean"/>
+                          <a:latin typeface="Adobe Clean Han Regular" panose="020B0500000000000000" pitchFamily="34" charset="-128"/>
+                          <a:ea typeface="Adobe Clean Han Regular" panose="020B0500000000000000" pitchFamily="34" charset="-128"/>
                           <a:cs typeface="Adobe Clean"/>
                         </a:rPr>
-                        <a:t>Business</a:t>
+                        <a:t>ビジネスサポート</a:t>
                       </a:r>
-                      <a:r>
-                        <a:rPr lang="en-US" sz="900" spc="0">
-                          <a:solidFill>
-                            <a:srgbClr val="FFFFFF"/>
-                          </a:solidFill>
-                          <a:latin typeface="Adobe Clean"/>
-                          <a:cs typeface="Adobe Clean"/>
-                        </a:rPr>
-                        <a:t> </a:t>
-                      </a:r>
-                      <a:r>
-                        <a:rPr sz="900" spc="0">
-                          <a:solidFill>
-                            <a:srgbClr val="FFFFFF"/>
-                          </a:solidFill>
-                          <a:latin typeface="Adobe Clean"/>
-                          <a:cs typeface="Adobe Clean"/>
-                        </a:rPr>
-                        <a:t>Support</a:t>
-                      </a:r>
-                      <a:endParaRPr sz="900" spc="0">
-                        <a:latin typeface="Adobe Clean"/>
-                        <a:cs typeface="Adobe Clean"/>
-                      </a:endParaRPr>
                     </a:p>
                   </a:txBody>
                   <a:tcPr marL="0" marR="0" marT="0" marB="0" anchor="ctr">
@@ -7486,39 +6702,16 @@
                         </a:spcBef>
                       </a:pPr>
                       <a:r>
-                        <a:rPr sz="900" spc="0">
+                        <a:rPr lang="ja-JP" sz="700" dirty="0">
                           <a:solidFill>
                             <a:srgbClr val="FFFFFF"/>
                           </a:solidFill>
-                          <a:latin typeface="Adobe Clean"/>
+                          <a:latin typeface="Adobe Clean Han Regular" panose="020B0500000000000000" pitchFamily="34" charset="-128"/>
+                          <a:ea typeface="Adobe Clean Han Regular" panose="020B0500000000000000" pitchFamily="34" charset="-128"/>
                           <a:cs typeface="Adobe Clean"/>
                         </a:rPr>
-                        <a:t>Enterprise </a:t>
+                        <a:t>エンタープライズサポート</a:t>
                       </a:r>
-                      <a:r>
-                        <a:rPr lang="en-US" sz="900" spc="0">
-                          <a:solidFill>
-                            <a:srgbClr val="FFFFFF"/>
-                          </a:solidFill>
-                          <a:latin typeface="Adobe Clean"/>
-                          <a:cs typeface="Adobe Clean"/>
-                        </a:rPr>
-                        <a:t> </a:t>
-                      </a:r>
-                      <a:r>
-                        <a:rPr sz="900" spc="0">
-                          <a:solidFill>
-                            <a:srgbClr val="FFFFFF"/>
-                          </a:solidFill>
-                          <a:latin typeface="Adobe Clean"/>
-                          <a:cs typeface="Adobe Clean"/>
-                        </a:rPr>
-                        <a:t>Support</a:t>
-                      </a:r>
-                      <a:endParaRPr sz="900" spc="0">
-                        <a:latin typeface="Adobe Clean"/>
-                        <a:cs typeface="Adobe Clean"/>
-                      </a:endParaRPr>
                     </a:p>
                   </a:txBody>
                   <a:tcPr marL="0" marR="0" marT="0" marB="0" anchor="ctr">
@@ -7565,39 +6758,16 @@
                         </a:spcBef>
                       </a:pPr>
                       <a:r>
-                        <a:rPr sz="900" spc="0">
+                        <a:rPr lang="ja-JP" sz="700" dirty="0">
                           <a:solidFill>
                             <a:srgbClr val="FFFFFF"/>
                           </a:solidFill>
-                          <a:latin typeface="Adobe Clean"/>
+                          <a:latin typeface="Adobe Clean Han Regular" panose="020B0500000000000000" pitchFamily="34" charset="-128"/>
+                          <a:ea typeface="Adobe Clean Han Regular" panose="020B0500000000000000" pitchFamily="34" charset="-128"/>
                           <a:cs typeface="Adobe Clean"/>
                         </a:rPr>
-                        <a:t>Elite</a:t>
+                        <a:t>エリートサポート</a:t>
                       </a:r>
-                      <a:r>
-                        <a:rPr lang="en-US" sz="900" spc="0">
-                          <a:solidFill>
-                            <a:srgbClr val="FFFFFF"/>
-                          </a:solidFill>
-                          <a:latin typeface="Adobe Clean"/>
-                          <a:cs typeface="Adobe Clean"/>
-                        </a:rPr>
-                        <a:t> </a:t>
-                      </a:r>
-                      <a:r>
-                        <a:rPr sz="900" spc="0">
-                          <a:solidFill>
-                            <a:srgbClr val="FFFFFF"/>
-                          </a:solidFill>
-                          <a:latin typeface="Adobe Clean"/>
-                          <a:cs typeface="Adobe Clean"/>
-                        </a:rPr>
-                        <a:t>Support</a:t>
-                      </a:r>
-                      <a:endParaRPr sz="900" spc="0">
-                        <a:latin typeface="Adobe Clean"/>
-                        <a:cs typeface="Adobe Clean"/>
-                      </a:endParaRPr>
                     </a:p>
                   </a:txBody>
                   <a:tcPr marL="0" marR="0" marT="0" marB="0" anchor="ctr">
@@ -7651,19 +6821,16 @@
                         </a:spcBef>
                       </a:pPr>
                       <a:r>
-                        <a:rPr sz="900" b="1" spc="0">
+                        <a:rPr lang="ja-JP" sz="900" b="1" dirty="0">
                           <a:solidFill>
                             <a:srgbClr val="020302"/>
                           </a:solidFill>
-                          <a:latin typeface="Adobe Clean"/>
+                          <a:latin typeface="Adobe Clean Han Regular" panose="020B0500000000000000" pitchFamily="34" charset="-128"/>
+                          <a:ea typeface="Adobe Clean Han Regular" panose="020B0500000000000000" pitchFamily="34" charset="-128"/>
                           <a:cs typeface="Adobe Clean"/>
                         </a:rPr>
-                        <a:t>PRIORITY 1</a:t>
+                        <a:t>優先度 1</a:t>
                       </a:r>
-                      <a:endParaRPr sz="900" spc="0">
-                        <a:latin typeface="Adobe Clean"/>
-                        <a:cs typeface="Adobe Clean"/>
-                      </a:endParaRPr>
                     </a:p>
                     <a:p>
                       <a:pPr marL="50800" marR="387985">
@@ -7675,19 +6842,15 @@
                         </a:spcBef>
                       </a:pPr>
                       <a:r>
-                        <a:rPr lang="en-US" sz="900" b="0" i="0" spc="0">
+                        <a:rPr lang="ja-JP" sz="900" b="0" i="0" dirty="0">
                           <a:solidFill>
                             <a:srgbClr val="000000"/>
                           </a:solidFill>
-                          <a:effectLst/>
-                          <a:latin typeface="Adobe Clean Light" panose="020B0303020404020204" pitchFamily="34" charset="0"/>
+                          <a:latin typeface="Adobe Clean Han Light" panose="020B0300000000000000" pitchFamily="34" charset="-128"/>
+                          <a:ea typeface="Adobe Clean Han Light" panose="020B0300000000000000" pitchFamily="34" charset="-128"/>
                         </a:rPr>
-                        <a:t>Customer's production business functions are down or have significant data loss or service degradation and immediate attention is required to restore functionality and usability. </a:t>
+                        <a:t>お客様の本番業務機能がダウンしている、または著しいデータ損失やサービス低下があり、機能およびユーザビリティを復元するための早急な処置が必要。 </a:t>
                       </a:r>
-                      <a:endParaRPr sz="900" spc="0">
-                        <a:latin typeface="AdobeClean-Light"/>
-                        <a:cs typeface="AdobeClean-Light"/>
-                      </a:endParaRPr>
                     </a:p>
                   </a:txBody>
                   <a:tcPr marL="0" marR="0" marT="0" marB="0" anchor="ctr">
@@ -7734,14 +6897,15 @@
                         </a:spcBef>
                       </a:pPr>
                       <a:r>
-                        <a:rPr lang="en-US" sz="900" spc="0">
+                        <a:rPr lang="ja-JP" sz="900">
                           <a:solidFill>
                             <a:srgbClr val="020302"/>
                           </a:solidFill>
-                          <a:latin typeface="AdobeClean-Light"/>
+                          <a:latin typeface="Adobe Clean Han Light" panose="020B0300000000000000" pitchFamily="34" charset="-128"/>
+                          <a:ea typeface="Adobe Clean Han Light" panose="020B0300000000000000" pitchFamily="34" charset="-128"/>
                           <a:cs typeface="AdobeClean-Light"/>
                         </a:rPr>
-                        <a:t>24x7 /</a:t>
+                        <a:t>24 時間年中無休／</a:t>
                       </a:r>
                     </a:p>
                     <a:p>
@@ -7754,19 +6918,16 @@
                         </a:spcBef>
                       </a:pPr>
                       <a:r>
-                        <a:rPr lang="en-US" sz="900" spc="0">
+                        <a:rPr lang="ja-JP" sz="900">
                           <a:solidFill>
                             <a:srgbClr val="020302"/>
                           </a:solidFill>
-                          <a:latin typeface="AdobeClean-Light"/>
+                          <a:latin typeface="Adobe Clean Han Light" panose="020B0300000000000000" pitchFamily="34" charset="-128"/>
+                          <a:ea typeface="Adobe Clean Han Light" panose="020B0300000000000000" pitchFamily="34" charset="-128"/>
                           <a:cs typeface="AdobeClean-Light"/>
                         </a:rPr>
-                        <a:t> 30 minutes</a:t>
+                        <a:t> 30 分</a:t>
                       </a:r>
-                      <a:endParaRPr lang="en-US" sz="900" spc="0">
-                        <a:latin typeface="AdobeClean-Light"/>
-                        <a:cs typeface="AdobeClean-Light"/>
-                      </a:endParaRPr>
                     </a:p>
                   </a:txBody>
                   <a:tcPr marL="0" marR="0" marT="0" marB="0" anchor="ctr">
@@ -7811,10 +6972,11 @@
                         <a:tabLst/>
                       </a:pPr>
                       <a:r>
-                        <a:rPr lang="en-US" sz="900" i="0" spc="0" dirty="0">
-                          <a:latin typeface="AdobeClean-Light"/>
+                        <a:rPr lang="ja-JP" sz="900" i="0" dirty="0">
+                          <a:latin typeface="Adobe Clean Han Light" panose="020B0300000000000000" pitchFamily="34" charset="-128"/>
+                          <a:ea typeface="Adobe Clean Han Light" panose="020B0300000000000000" pitchFamily="34" charset="-128"/>
                         </a:rPr>
-                        <a:t>Customers who purchase a Support Plan for applicable Adobe Products and Services receive priority case routing that fast-tracks cases to Adobe’s Support Engineers. </a:t>
+                        <a:t>該当するアドビの製品およびサービスのサポートプランを購入するお客様には、ケースをアドビのサポートエンジニアに迅速に展開する優先的なケースルーティングが提供されます。 </a:t>
                       </a:r>
                     </a:p>
                   </a:txBody>
@@ -7862,7 +7024,7 @@
                         </a:spcBef>
                       </a:pPr>
                       <a:r>
-                        <a:rPr sz="900" spc="0">
+                        <a:rPr lang="ja-JP" sz="900">
                           <a:solidFill>
                             <a:srgbClr val="020302"/>
                           </a:solidFill>
@@ -7870,69 +7032,11 @@
                             <a:srgbClr val="FFFF00"/>
                           </a:highlight>
                           <a:latin typeface="AdobeClean-Light"/>
+                          <a:ea typeface="MS Mincho"/>
                           <a:cs typeface="AdobeClean-Light"/>
                         </a:rPr>
-                        <a:t>24x7 /  </a:t>
+                        <a:t>24 時間年中無休／30 分</a:t>
                       </a:r>
-                      <a:r>
-                        <a:rPr lang="en-US" sz="900" spc="0">
-                          <a:solidFill>
-                            <a:srgbClr val="020302"/>
-                          </a:solidFill>
-                          <a:highlight>
-                            <a:srgbClr val="FFFF00"/>
-                          </a:highlight>
-                          <a:latin typeface="AdobeClean-Light"/>
-                          <a:cs typeface="AdobeClean-Light"/>
-                        </a:rPr>
-                        <a:t>         </a:t>
-                      </a:r>
-                      <a:r>
-                        <a:rPr sz="900" spc="0">
-                          <a:solidFill>
-                            <a:srgbClr val="020302"/>
-                          </a:solidFill>
-                          <a:highlight>
-                            <a:srgbClr val="FFFF00"/>
-                          </a:highlight>
-                          <a:latin typeface="AdobeClean-Light"/>
-                          <a:cs typeface="AdobeClean-Light"/>
-                        </a:rPr>
-                        <a:t>30</a:t>
-                      </a:r>
-                      <a:r>
-                        <a:rPr lang="en-US" sz="900" spc="0">
-                          <a:solidFill>
-                            <a:srgbClr val="020302"/>
-                          </a:solidFill>
-                          <a:highlight>
-                            <a:srgbClr val="FFFF00"/>
-                          </a:highlight>
-                          <a:latin typeface="AdobeClean-Light"/>
-                          <a:cs typeface="AdobeClean-Light"/>
-                        </a:rPr>
-                        <a:t> </a:t>
-                      </a:r>
-                      <a:r>
-                        <a:rPr sz="900" spc="0">
-                          <a:solidFill>
-                            <a:srgbClr val="020302"/>
-                          </a:solidFill>
-                          <a:highlight>
-                            <a:srgbClr val="FFFF00"/>
-                          </a:highlight>
-                          <a:latin typeface="AdobeClean-Light"/>
-                          <a:cs typeface="AdobeClean-Light"/>
-                        </a:rPr>
-                        <a:t>minutes</a:t>
-                      </a:r>
-                      <a:endParaRPr sz="900" spc="0">
-                        <a:highlight>
-                          <a:srgbClr val="FFFF00"/>
-                        </a:highlight>
-                        <a:latin typeface="AdobeClean-Light"/>
-                        <a:cs typeface="AdobeClean-Light"/>
-                      </a:endParaRPr>
                     </a:p>
                   </a:txBody>
                   <a:tcPr marL="0" marR="0" marT="0" marB="0" anchor="ctr">
@@ -7976,7 +7080,7 @@
                         </a:spcBef>
                       </a:pPr>
                       <a:r>
-                        <a:rPr sz="900" spc="0">
+                        <a:rPr lang="ja-JP" sz="900">
                           <a:solidFill>
                             <a:srgbClr val="020302"/>
                           </a:solidFill>
@@ -7984,69 +7088,11 @@
                             <a:srgbClr val="FFFF00"/>
                           </a:highlight>
                           <a:latin typeface="AdobeClean-Light"/>
+                          <a:ea typeface="MS Mincho"/>
                           <a:cs typeface="AdobeClean-Light"/>
                         </a:rPr>
-                        <a:t>24x7 / </a:t>
+                        <a:t>24 時間年中無休／15 分</a:t>
                       </a:r>
-                      <a:r>
-                        <a:rPr lang="en-US" sz="900" spc="0">
-                          <a:solidFill>
-                            <a:srgbClr val="020302"/>
-                          </a:solidFill>
-                          <a:highlight>
-                            <a:srgbClr val="FFFF00"/>
-                          </a:highlight>
-                          <a:latin typeface="AdobeClean-Light"/>
-                          <a:cs typeface="AdobeClean-Light"/>
-                        </a:rPr>
-                        <a:t>       </a:t>
-                      </a:r>
-                      <a:r>
-                        <a:rPr sz="900" spc="0">
-                          <a:solidFill>
-                            <a:srgbClr val="020302"/>
-                          </a:solidFill>
-                          <a:highlight>
-                            <a:srgbClr val="FFFF00"/>
-                          </a:highlight>
-                          <a:latin typeface="AdobeClean-Light"/>
-                          <a:cs typeface="AdobeClean-Light"/>
-                        </a:rPr>
-                        <a:t> 15</a:t>
-                      </a:r>
-                      <a:r>
-                        <a:rPr lang="en-US" sz="900" spc="0">
-                          <a:solidFill>
-                            <a:srgbClr val="020302"/>
-                          </a:solidFill>
-                          <a:highlight>
-                            <a:srgbClr val="FFFF00"/>
-                          </a:highlight>
-                          <a:latin typeface="AdobeClean-Light"/>
-                          <a:cs typeface="AdobeClean-Light"/>
-                        </a:rPr>
-                        <a:t> </a:t>
-                      </a:r>
-                      <a:r>
-                        <a:rPr sz="900" spc="0">
-                          <a:solidFill>
-                            <a:srgbClr val="020302"/>
-                          </a:solidFill>
-                          <a:highlight>
-                            <a:srgbClr val="FFFF00"/>
-                          </a:highlight>
-                          <a:latin typeface="AdobeClean-Light"/>
-                          <a:cs typeface="AdobeClean-Light"/>
-                        </a:rPr>
-                        <a:t>minutes</a:t>
-                      </a:r>
-                      <a:endParaRPr sz="900" spc="0">
-                        <a:highlight>
-                          <a:srgbClr val="FFFF00"/>
-                        </a:highlight>
-                        <a:latin typeface="AdobeClean-Light"/>
-                        <a:cs typeface="AdobeClean-Light"/>
-                      </a:endParaRPr>
                     </a:p>
                   </a:txBody>
                   <a:tcPr marL="0" marR="0" marT="0" marB="0" anchor="ctr">
@@ -8097,19 +7143,16 @@
                         </a:spcBef>
                       </a:pPr>
                       <a:r>
-                        <a:rPr sz="900" b="1" spc="0">
+                        <a:rPr lang="ja-JP" sz="900" b="1" dirty="0">
                           <a:solidFill>
                             <a:srgbClr val="020302"/>
                           </a:solidFill>
-                          <a:latin typeface="Adobe Clean"/>
+                          <a:latin typeface="Adobe Clean Han Regular" panose="020B0500000000000000" pitchFamily="34" charset="-128"/>
+                          <a:ea typeface="Adobe Clean Han Regular" panose="020B0500000000000000" pitchFamily="34" charset="-128"/>
                           <a:cs typeface="Adobe Clean"/>
                         </a:rPr>
-                        <a:t>PRIORITY 2</a:t>
+                        <a:t>優先度 2</a:t>
                       </a:r>
-                      <a:endParaRPr sz="900" spc="0">
-                        <a:latin typeface="Adobe Clean"/>
-                        <a:cs typeface="Adobe Clean"/>
-                      </a:endParaRPr>
                     </a:p>
                     <a:p>
                       <a:pPr marL="50165" marR="203200" indent="0" defTabSz="914400" eaLnBrk="1" fontAlgn="auto" latinLnBrk="0" hangingPunct="1">
@@ -8130,19 +7173,15 @@
                         <a:defRPr/>
                       </a:pPr>
                       <a:r>
-                        <a:rPr lang="en-US" sz="900" b="0" i="0" spc="0">
+                        <a:rPr lang="ja-JP" sz="900" b="0" i="0" dirty="0">
                           <a:solidFill>
                             <a:srgbClr val="000000"/>
                           </a:solidFill>
-                          <a:effectLst/>
-                          <a:latin typeface="Adobe Clean Light" panose="020B0303020404020204" pitchFamily="34" charset="0"/>
+                          <a:latin typeface="Adobe Clean Han Light" panose="020B0300000000000000" pitchFamily="34" charset="-128"/>
+                          <a:ea typeface="Adobe Clean Han Light" panose="020B0300000000000000" pitchFamily="34" charset="-128"/>
                         </a:rPr>
-                        <a:t>Customer's business functions have major service degradation or potential data loss, or a major feature is impacted.  </a:t>
+                        <a:t>お客様の業務機能に重大なサービス低下や潜在的なデータ損失があるか、主な機能が影響を受けている。  </a:t>
                       </a:r>
-                      <a:endParaRPr sz="900" b="0" i="0" spc="0">
-                        <a:latin typeface="Adobe Clean Light" panose="020B0303020404020204" pitchFamily="34" charset="0"/>
-                        <a:cs typeface="AdobeClean-Light"/>
-                      </a:endParaRPr>
                     </a:p>
                   </a:txBody>
                   <a:tcPr marL="0" marR="0" marT="0" marB="0" anchor="ctr">
@@ -8189,14 +7228,15 @@
                         </a:spcBef>
                       </a:pPr>
                       <a:r>
-                        <a:rPr lang="en-US" sz="900" spc="0">
+                        <a:rPr lang="ja-JP" sz="900">
                           <a:solidFill>
                             <a:srgbClr val="020302"/>
                           </a:solidFill>
-                          <a:latin typeface="AdobeClean-Light"/>
+                          <a:latin typeface="Adobe Clean Han Light" panose="020B0300000000000000" pitchFamily="34" charset="-128"/>
+                          <a:ea typeface="Adobe Clean Han Light" panose="020B0300000000000000" pitchFamily="34" charset="-128"/>
                           <a:cs typeface="AdobeClean-Light"/>
                         </a:rPr>
-                        <a:t>      24x7 /</a:t>
+                        <a:t>      24 時間年中無休／</a:t>
                       </a:r>
                     </a:p>
                     <a:p>
@@ -8209,19 +7249,16 @@
                         </a:spcBef>
                       </a:pPr>
                       <a:r>
-                        <a:rPr lang="en-US" sz="900" spc="0">
+                        <a:rPr lang="ja-JP" sz="900">
                           <a:solidFill>
                             <a:srgbClr val="020302"/>
                           </a:solidFill>
-                          <a:latin typeface="AdobeClean-Light"/>
+                          <a:latin typeface="Adobe Clean Han Light" panose="020B0300000000000000" pitchFamily="34" charset="-128"/>
+                          <a:ea typeface="Adobe Clean Han Light" panose="020B0300000000000000" pitchFamily="34" charset="-128"/>
                           <a:cs typeface="AdobeClean-Light"/>
                         </a:rPr>
-                        <a:t>     1 hour</a:t>
+                        <a:t>     1 時間</a:t>
                       </a:r>
-                      <a:endParaRPr lang="en-US" sz="900" spc="0">
-                        <a:latin typeface="AdobeClean-Light"/>
-                        <a:cs typeface="AdobeClean-Light"/>
-                      </a:endParaRPr>
                     </a:p>
                   </a:txBody>
                   <a:tcPr marL="0" marR="0" marT="0" marB="0" anchor="ctr">
@@ -8256,7 +7293,7 @@
                     <a:bodyPr/>
                     <a:lstStyle/>
                     <a:p>
-                      <a:pPr marL="0" marR="184785" indent="-194310" algn="ctr">
+                      <a:pPr marL="0" marR="184785" indent="-194310" algn="l" rtl="0">
                         <a:lnSpc>
                           <a:spcPct val="100000"/>
                         </a:lnSpc>
@@ -8308,7 +7345,7 @@
                     <a:bodyPr/>
                     <a:lstStyle/>
                     <a:p>
-                      <a:pPr marL="0" marR="325755" indent="-5715" algn="ctr">
+                      <a:pPr marL="0" marR="325755" indent="-5715" algn="l" rtl="0">
                         <a:lnSpc>
                           <a:spcPct val="100000"/>
                         </a:lnSpc>
@@ -8357,7 +7394,7 @@
                     <a:bodyPr/>
                     <a:lstStyle/>
                     <a:p>
-                      <a:pPr marL="0" marR="259079" indent="111760" algn="ctr">
+                      <a:pPr marL="0" marR="259079" indent="111760" algn="l" rtl="0">
                         <a:lnSpc>
                           <a:spcPct val="100000"/>
                         </a:lnSpc>
@@ -8422,29 +7459,16 @@
                         </a:spcBef>
                       </a:pPr>
                       <a:r>
-                        <a:rPr sz="900" b="1" spc="0">
+                        <a:rPr lang="ja-JP" sz="900" b="1" dirty="0">
                           <a:solidFill>
                             <a:srgbClr val="020302"/>
                           </a:solidFill>
-                          <a:latin typeface="Adobe Clean"/>
+                          <a:latin typeface="Adobe Clean Han Regular" panose="020B0500000000000000" pitchFamily="34" charset="-128"/>
+                          <a:ea typeface="Adobe Clean Han Regular" panose="020B0500000000000000" pitchFamily="34" charset="-128"/>
                           <a:cs typeface="Adobe Clean"/>
                         </a:rPr>
-                        <a:t>PRIORITY</a:t>
+                        <a:t>優先度 3</a:t>
                       </a:r>
-                      <a:r>
-                        <a:rPr lang="en-US" sz="900" b="1" spc="0">
-                          <a:solidFill>
-                            <a:srgbClr val="020302"/>
-                          </a:solidFill>
-                          <a:latin typeface="Adobe Clean"/>
-                          <a:cs typeface="Adobe Clean"/>
-                        </a:rPr>
-                        <a:t> 3</a:t>
-                      </a:r>
-                      <a:endParaRPr lang="en-US" sz="900" spc="0">
-                        <a:latin typeface="Adobe Clean"/>
-                        <a:cs typeface="Adobe Clean"/>
-                      </a:endParaRPr>
                     </a:p>
                     <a:p>
                       <a:pPr marL="49530" marR="212090" indent="-2540" defTabSz="914400" eaLnBrk="1" fontAlgn="auto" latinLnBrk="0" hangingPunct="1">
@@ -8465,26 +7489,21 @@
                         <a:defRPr/>
                       </a:pPr>
                       <a:r>
-                        <a:rPr kumimoji="0" lang="en-US" sz="900" b="0" i="0" u="none" strike="noStrike" kern="1200" cap="none" spc="0" normalizeH="0" baseline="0" noProof="0">
+                        <a:rPr kumimoji="0" lang="ja-JP" sz="900" b="0" i="0" u="none" strike="noStrike" cap="none" normalizeH="0" baseline="0" noProof="0" dirty="0">
                           <a:ln>
                             <a:noFill/>
                           </a:ln>
                           <a:solidFill>
                             <a:srgbClr val="000000"/>
                           </a:solidFill>
-                          <a:effectLst/>
                           <a:uLnTx/>
                           <a:uFillTx/>
-                          <a:latin typeface="Adobe Clean Light" panose="020B0303020404020204" pitchFamily="34" charset="0"/>
-                          <a:ea typeface="+mn-ea"/>
+                          <a:latin typeface="Adobe Clean Han Light" panose="020B0300000000000000" pitchFamily="34" charset="-128"/>
+                          <a:ea typeface="Adobe Clean Han Light" panose="020B0300000000000000" pitchFamily="34" charset="-128"/>
                           <a:cs typeface="+mn-cs"/>
                         </a:rPr>
-                        <a:t>Customer's business functions have minor service degradation but there exists a solution/workaround allowing business functions to continue normally.</a:t>
+                        <a:t>お客様の業務機能に軽微なサービス低下があるが、業務機能を正常に続行できる解決策／回避策が存在する。</a:t>
                       </a:r>
-                      <a:endParaRPr lang="en-US" sz="900" b="0" i="0" spc="0">
-                        <a:latin typeface="Adobe Clean Light" panose="020B0303020404020204" pitchFamily="34" charset="0"/>
-                        <a:cs typeface="AdobeClean-Light"/>
-                      </a:endParaRPr>
                     </a:p>
                   </a:txBody>
                   <a:tcPr marL="0" marR="0" marT="0" marB="0" anchor="ctr">
@@ -8534,14 +7553,15 @@
                         </a:tabLst>
                       </a:pPr>
                       <a:r>
-                        <a:rPr lang="en-US" sz="900" spc="0" dirty="0">
+                        <a:rPr lang="ja-JP" sz="900" dirty="0">
                           <a:solidFill>
                             <a:srgbClr val="020302"/>
                           </a:solidFill>
-                          <a:latin typeface="AdobeClean-Light"/>
+                          <a:latin typeface="Adobe Clean Han Light" panose="020B0300000000000000" pitchFamily="34" charset="-128"/>
+                          <a:ea typeface="Adobe Clean Han Light" panose="020B0300000000000000" pitchFamily="34" charset="-128"/>
                           <a:cs typeface="AdobeClean-Light"/>
                         </a:rPr>
-                        <a:t>   Business day /   </a:t>
+                        <a:t>   営業日／   </a:t>
                       </a:r>
                     </a:p>
                     <a:p>
@@ -8554,19 +7574,16 @@
                         </a:spcBef>
                       </a:pPr>
                       <a:r>
-                        <a:rPr lang="en-US" sz="900" spc="0" dirty="0">
+                        <a:rPr lang="ja-JP" sz="900" dirty="0">
                           <a:solidFill>
                             <a:srgbClr val="020302"/>
                           </a:solidFill>
-                          <a:latin typeface="AdobeClean-Light"/>
+                          <a:latin typeface="Adobe Clean Han Light" panose="020B0300000000000000" pitchFamily="34" charset="-128"/>
+                          <a:ea typeface="Adobe Clean Han Light" panose="020B0300000000000000" pitchFamily="34" charset="-128"/>
                           <a:cs typeface="AdobeClean-Light"/>
                         </a:rPr>
-                        <a:t>4 hours</a:t>
+                        <a:t>4 時間</a:t>
                       </a:r>
-                      <a:endParaRPr lang="en-US" sz="900" spc="0" dirty="0">
-                        <a:latin typeface="AdobeClean-Light"/>
-                        <a:cs typeface="AdobeClean-Light"/>
-                      </a:endParaRPr>
                     </a:p>
                   </a:txBody>
                   <a:tcPr marL="0" marR="0" marT="0" marB="0" anchor="ctr">
@@ -8601,7 +7618,7 @@
                     <a:bodyPr/>
                     <a:lstStyle/>
                     <a:p>
-                      <a:pPr marL="0" marR="185420" indent="-193675" algn="ctr">
+                      <a:pPr marL="0" marR="185420" indent="-193675" algn="l" rtl="0">
                         <a:lnSpc>
                           <a:spcPct val="100000"/>
                         </a:lnSpc>
@@ -8653,7 +7670,7 @@
                     <a:bodyPr/>
                     <a:lstStyle/>
                     <a:p>
-                      <a:pPr marL="0" marR="184785" indent="-194310" algn="ctr">
+                      <a:pPr marL="0" marR="184785" indent="-194310" algn="l" rtl="0">
                         <a:lnSpc>
                           <a:spcPct val="100000"/>
                         </a:lnSpc>
@@ -8702,7 +7719,7 @@
                     <a:bodyPr/>
                     <a:lstStyle/>
                     <a:p>
-                      <a:pPr marL="0" marR="326390" indent="-5715" algn="ctr">
+                      <a:pPr marL="0" marR="326390" indent="-5715" algn="l" rtl="0">
                         <a:lnSpc>
                           <a:spcPct val="100000"/>
                         </a:lnSpc>
@@ -8767,19 +7784,16 @@
                         </a:spcBef>
                       </a:pPr>
                       <a:r>
-                        <a:rPr sz="900" b="1" spc="0">
+                        <a:rPr lang="ja-JP" sz="900" b="1" dirty="0">
                           <a:solidFill>
                             <a:srgbClr val="020302"/>
                           </a:solidFill>
-                          <a:latin typeface="Adobe Clean"/>
+                          <a:latin typeface="Adobe Clean Han Regular" panose="020B0500000000000000" pitchFamily="34" charset="-128"/>
+                          <a:ea typeface="Adobe Clean Han Regular" panose="020B0500000000000000" pitchFamily="34" charset="-128"/>
                           <a:cs typeface="Adobe Clean"/>
                         </a:rPr>
-                        <a:t>PRIORITY 4</a:t>
+                        <a:t>優先度 4</a:t>
                       </a:r>
-                      <a:endParaRPr sz="900" spc="0">
-                        <a:latin typeface="Adobe Clean"/>
-                        <a:cs typeface="Adobe Clean"/>
-                      </a:endParaRPr>
                     </a:p>
                     <a:p>
                       <a:pPr marL="48895" marR="0" indent="0" defTabSz="914400" eaLnBrk="1" fontAlgn="auto" latinLnBrk="0" hangingPunct="1">
@@ -8800,19 +7814,25 @@
                         <a:defRPr/>
                       </a:pPr>
                       <a:r>
-                        <a:rPr lang="en-US" sz="900" b="0" i="0" spc="0">
+                        <a:rPr lang="ja-JP" sz="900" b="0" i="0" dirty="0">
                           <a:solidFill>
                             <a:srgbClr val="000000"/>
                           </a:solidFill>
-                          <a:effectLst/>
-                          <a:latin typeface="Adobe Clean Light" panose="020B0303020404020204" pitchFamily="34" charset="0"/>
+                          <a:latin typeface="Adobe Clean Han Light" panose="020B0300000000000000" pitchFamily="34" charset="-128"/>
+                          <a:ea typeface="Adobe Clean Han Light" panose="020B0300000000000000" pitchFamily="34" charset="-128"/>
                         </a:rPr>
-                        <a:t>General question regarding current product functionality or an enhancement request. </a:t>
+                        <a:t>現在の製品機能に関する一般的な質問または機能拡張のリクエスト。</a:t>
                       </a:r>
-                      <a:endParaRPr sz="900" b="0" i="0" spc="0">
-                        <a:latin typeface="Adobe Clean Light" panose="020B0303020404020204" pitchFamily="34" charset="0"/>
-                        <a:cs typeface="AdobeClean-Light"/>
-                      </a:endParaRPr>
+                      <a:r>
+                        <a:rPr lang="ja-JP" sz="900" b="0" i="0" dirty="0">
+                          <a:solidFill>
+                            <a:srgbClr val="000000"/>
+                          </a:solidFill>
+                          <a:latin typeface="Adobe Clean Han Regular" panose="020B0500000000000000" pitchFamily="34" charset="-128"/>
+                          <a:ea typeface="Adobe Clean Han Regular" panose="020B0500000000000000" pitchFamily="34" charset="-128"/>
+                        </a:rPr>
+                        <a:t> </a:t>
+                      </a:r>
                     </a:p>
                   </a:txBody>
                   <a:tcPr marL="0" marR="0" marT="0" marB="0" anchor="ctr">
@@ -8862,14 +7882,15 @@
                         </a:tabLst>
                       </a:pPr>
                       <a:r>
-                        <a:rPr lang="en-US" sz="900" spc="0" dirty="0">
+                        <a:rPr lang="ja-JP" sz="900" dirty="0">
                           <a:solidFill>
                             <a:srgbClr val="020302"/>
                           </a:solidFill>
-                          <a:latin typeface="AdobeClean-Light"/>
+                          <a:latin typeface="Adobe Clean Han Light" panose="020B0300000000000000" pitchFamily="34" charset="-128"/>
+                          <a:ea typeface="Adobe Clean Han Light" panose="020B0300000000000000" pitchFamily="34" charset="-128"/>
                           <a:cs typeface="AdobeClean-Light"/>
                         </a:rPr>
-                        <a:t>  Business day /   </a:t>
+                        <a:t>  営業日／   </a:t>
                       </a:r>
                     </a:p>
                     <a:p>
@@ -8882,19 +7903,16 @@
                         </a:spcBef>
                       </a:pPr>
                       <a:r>
-                        <a:rPr lang="en-US" sz="900" spc="0" dirty="0">
+                        <a:rPr lang="ja-JP" sz="900" dirty="0">
                           <a:solidFill>
                             <a:srgbClr val="020302"/>
                           </a:solidFill>
-                          <a:latin typeface="AdobeClean-Light"/>
+                          <a:latin typeface="Adobe Clean Han Light" panose="020B0300000000000000" pitchFamily="34" charset="-128"/>
+                          <a:ea typeface="Adobe Clean Han Light" panose="020B0300000000000000" pitchFamily="34" charset="-128"/>
                           <a:cs typeface="AdobeClean-Light"/>
                         </a:rPr>
-                        <a:t>1 day </a:t>
+                        <a:t>1 日 </a:t>
                       </a:r>
-                      <a:endParaRPr lang="en-US" sz="900" spc="0" dirty="0">
-                        <a:latin typeface="AdobeClean-Light"/>
-                        <a:cs typeface="AdobeClean-Light"/>
-                      </a:endParaRPr>
                     </a:p>
                   </a:txBody>
                   <a:tcPr marL="0" marR="0" marT="0" marB="0" anchor="ctr">
@@ -8929,7 +7947,7 @@
                     <a:bodyPr/>
                     <a:lstStyle/>
                     <a:p>
-                      <a:pPr marL="0" marR="223520" indent="-202565" algn="ctr">
+                      <a:pPr marL="0" marR="223520" indent="-202565" algn="l" rtl="0">
                         <a:lnSpc>
                           <a:spcPct val="100000"/>
                         </a:lnSpc>
@@ -8981,7 +7999,7 @@
                     <a:bodyPr/>
                     <a:lstStyle/>
                     <a:p>
-                      <a:pPr marL="0" marR="223520" indent="-202565" algn="ctr">
+                      <a:pPr marL="0" marR="223520" indent="-202565" algn="l" rtl="0">
                         <a:lnSpc>
                           <a:spcPct val="100000"/>
                         </a:lnSpc>
@@ -9030,7 +8048,7 @@
                     <a:bodyPr/>
                     <a:lstStyle/>
                     <a:p>
-                      <a:pPr marL="0" marR="223520" indent="-202565" algn="ctr">
+                      <a:pPr marL="0" marR="223520" indent="-202565" algn="l" rtl="0">
                         <a:lnSpc>
                           <a:spcPct val="100000"/>
                         </a:lnSpc>
@@ -9101,7 +8119,7 @@
         <p:spPr>
           <a:xfrm>
             <a:off x="97788" y="9857050"/>
-            <a:ext cx="2245360" cy="133370"/>
+            <a:ext cx="3153412" cy="133370"/>
           </a:xfrm>
           <a:prstGeom prst="rect">
             <a:avLst/>
@@ -9213,36 +8231,11 @@
               </a:spcBef>
             </a:pPr>
             <a:r>
-              <a:rPr lang="en-US" spc="-10" dirty="0"/>
-              <a:t>©202</a:t>
-            </a:r>
-            <a:r>
-              <a:rPr lang="en-US" spc="-5" dirty="0"/>
-              <a:t>2 Adobe. All</a:t>
-            </a:r>
-            <a:r>
-              <a:rPr lang="en-US" spc="-10" dirty="0"/>
-              <a:t> Rights</a:t>
-            </a:r>
-            <a:r>
-              <a:rPr lang="en-US" spc="-5" dirty="0"/>
-              <a:t> </a:t>
-            </a:r>
-            <a:r>
-              <a:rPr lang="en-US" spc="-10" dirty="0"/>
-              <a:t>Reserved.</a:t>
-            </a:r>
-            <a:r>
-              <a:rPr lang="en-US" spc="-5" dirty="0"/>
-              <a:t> Adobe</a:t>
-            </a:r>
-            <a:r>
-              <a:rPr lang="en-US" spc="60" dirty="0"/>
-              <a:t> </a:t>
-            </a:r>
-            <a:r>
-              <a:rPr lang="en-US" spc="-10" dirty="0"/>
-              <a:t>Confidential.</a:t>
+              <a:rPr lang="ja-JP" dirty="0">
+                <a:latin typeface="Adobe Clean Han Regular" panose="020B0500000000000000" pitchFamily="34" charset="-128"/>
+                <a:ea typeface="Adobe Clean Han Regular" panose="020B0500000000000000" pitchFamily="34" charset="-128"/>
+              </a:rPr>
+              <a:t>©2022 Adobe.All Rights Reserved.Adobe Confidential.</a:t>
             </a:r>
           </a:p>
         </p:txBody>
@@ -9303,7 +8296,7 @@
         <p:spPr>
           <a:xfrm>
             <a:off x="324341" y="688596"/>
-            <a:ext cx="1647825" cy="45719"/>
+            <a:ext cx="2062243" cy="45719"/>
           </a:xfrm>
           <a:custGeom>
             <a:avLst/>
@@ -9332,7 +8325,10 @@
           <a:bodyPr wrap="square" lIns="0" tIns="0" rIns="0" bIns="0" rtlCol="0"/>
           <a:lstStyle/>
           <a:p>
-            <a:endParaRPr/>
+            <a:endParaRPr>
+              <a:latin typeface="Adobe Clean Han Regular" panose="020B0500000000000000" pitchFamily="34" charset="-128"/>
+              <a:ea typeface="Adobe Clean Han Regular" panose="020B0500000000000000" pitchFamily="34" charset="-128"/>
+            </a:endParaRPr>
           </a:p>
         </p:txBody>
       </p:sp>
@@ -9345,7 +8341,7 @@
         <p:spPr>
           <a:xfrm>
             <a:off x="324341" y="405315"/>
-            <a:ext cx="1647825" cy="238760"/>
+            <a:ext cx="2334216" cy="228268"/>
           </a:xfrm>
           <a:prstGeom prst="rect">
             <a:avLst/>
@@ -9366,59 +8362,16 @@
               </a:spcBef>
             </a:pPr>
             <a:r>
-              <a:rPr sz="1400" b="1" spc="-10">
+              <a:rPr lang="ja-JP" sz="1400" b="1" dirty="0">
                 <a:solidFill>
                   <a:srgbClr val="020302"/>
                 </a:solidFill>
-                <a:latin typeface="Adobe Clean"/>
+                <a:latin typeface="Adobe Clean Han Regular" panose="020B0500000000000000" pitchFamily="34" charset="-128"/>
+                <a:ea typeface="Adobe Clean Han Regular" panose="020B0500000000000000" pitchFamily="34" charset="-128"/>
                 <a:cs typeface="Adobe Clean"/>
               </a:rPr>
-              <a:t>Elite</a:t>
+              <a:t>エリートサポートの特長</a:t>
             </a:r>
-            <a:r>
-              <a:rPr sz="1400" b="1" spc="-50">
-                <a:solidFill>
-                  <a:srgbClr val="020302"/>
-                </a:solidFill>
-                <a:latin typeface="Adobe Clean"/>
-                <a:cs typeface="Adobe Clean"/>
-              </a:rPr>
-              <a:t> </a:t>
-            </a:r>
-            <a:r>
-              <a:rPr sz="1400" b="1" spc="-10">
-                <a:solidFill>
-                  <a:srgbClr val="020302"/>
-                </a:solidFill>
-                <a:latin typeface="Adobe Clean"/>
-                <a:cs typeface="Adobe Clean"/>
-              </a:rPr>
-              <a:t>Support</a:t>
-            </a:r>
-            <a:r>
-              <a:rPr sz="1400" b="1" spc="-45">
-                <a:solidFill>
-                  <a:srgbClr val="020302"/>
-                </a:solidFill>
-                <a:latin typeface="Adobe Clean"/>
-                <a:cs typeface="Adobe Clean"/>
-              </a:rPr>
-              <a:t> </a:t>
-            </a:r>
-            <a:r>
-              <a:rPr sz="1400" b="1" spc="-15">
-                <a:solidFill>
-                  <a:srgbClr val="020302"/>
-                </a:solidFill>
-                <a:latin typeface="Adobe Clean"/>
-                <a:cs typeface="Adobe Clean"/>
-              </a:rPr>
-              <a:t>Features</a:t>
-            </a:r>
-            <a:endParaRPr sz="1400">
-              <a:latin typeface="Adobe Clean"/>
-              <a:cs typeface="Adobe Clean"/>
-            </a:endParaRPr>
           </a:p>
         </p:txBody>
       </p:sp>
@@ -9452,53 +8405,12 @@
               </a:spcBef>
             </a:pPr>
             <a:r>
-              <a:rPr sz="1000" dirty="0">
-                <a:latin typeface="AdobeClean-Light"/>
+              <a:rPr lang="ja-JP" sz="1000">
+                <a:latin typeface="Adobe Clean Han Light" panose="020B0300000000000000" pitchFamily="34" charset="-128"/>
+                <a:ea typeface="Adobe Clean Han Light" panose="020B0300000000000000" pitchFamily="34" charset="-128"/>
                 <a:cs typeface="AdobeClean-Light"/>
               </a:rPr>
-              <a:t>A</a:t>
-            </a:r>
-            <a:r>
-              <a:rPr lang="en-US" sz="1000" dirty="0">
-                <a:latin typeface="AdobeClean-Light"/>
-                <a:cs typeface="AdobeClean-Light"/>
-              </a:rPr>
-              <a:t> designated Su</a:t>
-            </a:r>
-            <a:r>
-              <a:rPr sz="1000" dirty="0">
-                <a:latin typeface="AdobeClean-Light"/>
-                <a:cs typeface="AdobeClean-Light"/>
-              </a:rPr>
-              <a:t>pport </a:t>
-            </a:r>
-            <a:r>
-              <a:rPr lang="en-US" sz="1000" dirty="0">
-                <a:latin typeface="AdobeClean-Light"/>
-                <a:cs typeface="AdobeClean-Light"/>
-              </a:rPr>
-              <a:t>E</a:t>
-            </a:r>
-            <a:r>
-              <a:rPr sz="1000" dirty="0">
-                <a:latin typeface="AdobeClean-Light"/>
-                <a:cs typeface="AdobeClean-Light"/>
-              </a:rPr>
-              <a:t>ngineer who  becomes familiar with your solution  environment and business goals. The NSE  is an experienced support engineer that  helps coordinate your </a:t>
-            </a:r>
-            <a:r>
-              <a:rPr lang="en-US" sz="1000" dirty="0">
-                <a:latin typeface="AdobeClean-Light"/>
-                <a:cs typeface="AdobeClean-Light"/>
-              </a:rPr>
-              <a:t>Elite</a:t>
-            </a:r>
-            <a:r>
-              <a:rPr sz="1000" dirty="0">
-                <a:latin typeface="AdobeClean-Light"/>
-                <a:cs typeface="AdobeClean-Light"/>
-              </a:rPr>
-              <a:t> Support  experience.</a:t>
+              <a:t>お客様のソリューション環境およびビジネス目標をよく理解している、専任のサポートエンジニアです。豊富な経験を活かして、お客様のエリートサポートエクスペリエンスの調整を支援します。</a:t>
             </a:r>
           </a:p>
         </p:txBody>
@@ -9533,14 +8445,15 @@
               </a:spcBef>
             </a:pPr>
             <a:r>
-              <a:rPr lang="en-US" sz="1000" dirty="0">
+              <a:rPr lang="ja-JP" sz="1000" dirty="0">
                 <a:solidFill>
                   <a:srgbClr val="020302"/>
                 </a:solidFill>
-                <a:latin typeface="AdobeClean-Light"/>
+                <a:latin typeface="Adobe Clean Han Light" panose="020B0300000000000000" pitchFamily="34" charset="-128"/>
+                <a:ea typeface="Adobe Clean Han Light" panose="020B0300000000000000" pitchFamily="34" charset="-128"/>
                 <a:cs typeface="AdobeClean-Light"/>
               </a:rPr>
-              <a:t>A designated Technical Account Manager to oversee and advocate for your Elite support experience and provide proactive services to maximize your business value.</a:t>
+              <a:t>エリートサポートエクスペリエンスを監視および支持し、ビジネス価値を最大化するためのプロアクティブなサービスを提供する、専任のテクニカルアカウントマネージャーです。</a:t>
             </a:r>
           </a:p>
         </p:txBody>
@@ -9553,8 +8466,8 @@
         </p:nvSpPr>
         <p:spPr>
           <a:xfrm>
-            <a:off x="773188" y="944502"/>
-            <a:ext cx="2194560" cy="184666"/>
+            <a:off x="773188" y="858777"/>
+            <a:ext cx="1797149" cy="338554"/>
           </a:xfrm>
           <a:prstGeom prst="rect">
             <a:avLst/>
@@ -9575,19 +8488,16 @@
               </a:spcBef>
             </a:pPr>
             <a:r>
-              <a:rPr sz="1200" b="1" dirty="0">
+              <a:rPr lang="ja-JP" sz="1100" b="1" dirty="0">
                 <a:solidFill>
                   <a:srgbClr val="020302"/>
                 </a:solidFill>
-                <a:latin typeface="Adobe Clean" panose="020B0503020404020204" pitchFamily="34" charset="0"/>
+                <a:latin typeface="Adobe Clean Han Regular" panose="020B0500000000000000" pitchFamily="34" charset="-128"/>
+                <a:ea typeface="Adobe Clean Han Regular" panose="020B0500000000000000" pitchFamily="34" charset="-128"/>
                 <a:cs typeface="Arial"/>
               </a:rPr>
-              <a:t>Technical Account Manager</a:t>
+              <a:t>テクニカルアカウントマネージャー</a:t>
             </a:r>
-            <a:endParaRPr sz="1200" dirty="0">
-              <a:latin typeface="Adobe Clean" panose="020B0503020404020204" pitchFamily="34" charset="0"/>
-              <a:cs typeface="Arial"/>
-            </a:endParaRPr>
           </a:p>
         </p:txBody>
       </p:sp>
@@ -9600,7 +8510,7 @@
         <p:spPr>
           <a:xfrm>
             <a:off x="375777" y="5597386"/>
-            <a:ext cx="2194560" cy="615553"/>
+            <a:ext cx="2194560" cy="692497"/>
           </a:xfrm>
           <a:prstGeom prst="rect">
             <a:avLst/>
@@ -9618,39 +8528,16 @@
               </a:spcBef>
             </a:pPr>
             <a:r>
-              <a:rPr sz="1000" dirty="0">
+              <a:rPr lang="ja-JP" sz="900" dirty="0">
                 <a:solidFill>
                   <a:srgbClr val="020302"/>
                 </a:solidFill>
-                <a:latin typeface="AdobeClean-Light"/>
+                <a:latin typeface="Adobe Clean Han Light" panose="020B0300000000000000" pitchFamily="34" charset="-128"/>
+                <a:ea typeface="Adobe Clean Han Light" panose="020B0300000000000000" pitchFamily="34" charset="-128"/>
                 <a:cs typeface="AdobeClean-Light"/>
               </a:rPr>
-              <a:t>Receive personalized guidance</a:t>
+              <a:t>アップグレードおよび移行計画のための、パーソナライズされたガイダンスおよびプロアクティブなレビューを受けることができます。アドビのエキスパートがリリースやアップグレード計画をレビューします。</a:t>
             </a:r>
-            <a:r>
-              <a:rPr lang="en-US" sz="1000" dirty="0">
-                <a:solidFill>
-                  <a:srgbClr val="020302"/>
-                </a:solidFill>
-                <a:latin typeface="AdobeClean-Light"/>
-                <a:cs typeface="AdobeClean-Light"/>
-              </a:rPr>
-              <a:t> and a proactive review for upgrade and migration planning purposes. Benefit from Adobe</a:t>
-            </a:r>
-            <a:r>
-              <a:rPr sz="1000" dirty="0">
-                <a:solidFill>
-                  <a:srgbClr val="020302"/>
-                </a:solidFill>
-                <a:latin typeface="AdobeClean-Light"/>
-                <a:cs typeface="AdobeClean-Light"/>
-              </a:rPr>
-              <a:t>  experts review release and upgrade plan.</a:t>
-            </a:r>
-            <a:endParaRPr sz="1000" dirty="0">
-              <a:latin typeface="AdobeClean-Light"/>
-              <a:cs typeface="AdobeClean-Light"/>
-            </a:endParaRPr>
           </a:p>
         </p:txBody>
       </p:sp>
@@ -9718,7 +8605,10 @@
             <a:bodyPr wrap="square" lIns="0" tIns="0" rIns="0" bIns="0" rtlCol="0"/>
             <a:lstStyle/>
             <a:p>
-              <a:endParaRPr/>
+              <a:endParaRPr>
+                <a:latin typeface="Adobe Clean Han Regular" panose="020B0500000000000000" pitchFamily="34" charset="-128"/>
+                <a:ea typeface="Adobe Clean Han Regular" panose="020B0500000000000000" pitchFamily="34" charset="-128"/>
+              </a:endParaRPr>
             </a:p>
           </p:txBody>
         </p:sp>
@@ -9776,7 +8666,10 @@
             <a:bodyPr wrap="square" lIns="0" tIns="0" rIns="0" bIns="0" rtlCol="0"/>
             <a:lstStyle/>
             <a:p>
-              <a:endParaRPr/>
+              <a:endParaRPr>
+                <a:latin typeface="Adobe Clean Han Regular" panose="020B0500000000000000" pitchFamily="34" charset="-128"/>
+                <a:ea typeface="Adobe Clean Han Regular" panose="020B0500000000000000" pitchFamily="34" charset="-128"/>
+              </a:endParaRPr>
             </a:p>
           </p:txBody>
         </p:sp>
@@ -9795,8 +8688,8 @@
         </p:nvSpPr>
         <p:spPr>
           <a:xfrm>
-            <a:off x="5129336" y="5594945"/>
-            <a:ext cx="2442314" cy="615553"/>
+            <a:off x="5129336" y="5642570"/>
+            <a:ext cx="2442314" cy="553998"/>
           </a:xfrm>
           <a:prstGeom prst="rect">
             <a:avLst/>
@@ -9814,28 +8707,24 @@
               </a:spcBef>
             </a:pPr>
             <a:r>
-              <a:rPr lang="en-US" sz="1000" dirty="0">
+              <a:rPr lang="ja-JP" sz="900" dirty="0">
                 <a:solidFill>
                   <a:srgbClr val="020302"/>
                 </a:solidFill>
-                <a:latin typeface="AdobeClean-Light"/>
+                <a:latin typeface="Adobe Clean Han Light" panose="020B0300000000000000" pitchFamily="34" charset="-128"/>
+                <a:ea typeface="Adobe Clean Han Light" panose="020B0300000000000000" pitchFamily="34" charset="-128"/>
                 <a:cs typeface="AdobeClean-Light"/>
               </a:rPr>
-              <a:t>Additional named support contacts have the benefit of leveraging </a:t>
+              <a:t>追加のサポート対象ユーザーは、</a:t>
             </a:r>
             <a:r>
-              <a:rPr lang="en-US" sz="1000" dirty="0">
-                <a:latin typeface="Adobe Clean Light" panose="020B0303020404020204" pitchFamily="34" charset="0"/>
+              <a:rPr lang="ja-JP" sz="900" dirty="0">
+                <a:latin typeface="Adobe Clean Han Light" panose="020B0300000000000000" pitchFamily="34" charset="-128"/>
+                <a:ea typeface="Adobe Clean Han Light" panose="020B0300000000000000" pitchFamily="34" charset="-128"/>
+                <a:cs typeface="AdobeClean-Light"/>
               </a:rPr>
-              <a:t>available channels to interact with our technical support team on behalf of your company. </a:t>
+              <a:t>使用可能なチャネルを活用して、お客様の会社を代表してアドビのテクニカルサポートチームとやり取りできます。 </a:t>
             </a:r>
-            <a:endParaRPr lang="en-US" sz="1000" dirty="0">
-              <a:solidFill>
-                <a:prstClr val="black"/>
-              </a:solidFill>
-              <a:latin typeface="AdobeClean-Light"/>
-              <a:cs typeface="AdobeClean-Light"/>
-            </a:endParaRPr>
           </a:p>
         </p:txBody>
       </p:sp>
@@ -9853,8 +8742,8 @@
         </p:nvSpPr>
         <p:spPr>
           <a:xfrm>
-            <a:off x="3164797" y="948996"/>
-            <a:ext cx="2194560" cy="184666"/>
+            <a:off x="3164797" y="891846"/>
+            <a:ext cx="2194560" cy="169277"/>
           </a:xfrm>
           <a:prstGeom prst="rect">
             <a:avLst/>
@@ -9872,22 +8761,16 @@
               </a:spcBef>
             </a:pPr>
             <a:r>
-              <a:rPr lang="en-US" sz="1200" b="1" dirty="0">
+              <a:rPr lang="ja-JP" sz="1100" b="1">
                 <a:solidFill>
                   <a:srgbClr val="020302"/>
                 </a:solidFill>
-                <a:latin typeface="Adobe Clean" panose="020B0503020404020204" pitchFamily="34" charset="0"/>
+                <a:latin typeface="Adobe Clean Han Regular" panose="020B0500000000000000" pitchFamily="34" charset="-128"/>
+                <a:ea typeface="Adobe Clean Han Regular" panose="020B0500000000000000" pitchFamily="34" charset="-128"/>
                 <a:cs typeface="Arial"/>
               </a:rPr>
-              <a:t>Named Support Engineer</a:t>
+              <a:t>専任サポートエンジニア</a:t>
             </a:r>
-            <a:endParaRPr lang="en-US" sz="1200" dirty="0">
-              <a:solidFill>
-                <a:prstClr val="black"/>
-              </a:solidFill>
-              <a:latin typeface="Adobe Clean" panose="020B0503020404020204" pitchFamily="34" charset="0"/>
-              <a:cs typeface="Arial"/>
-            </a:endParaRPr>
           </a:p>
         </p:txBody>
       </p:sp>
@@ -9906,7 +8789,7 @@
         <p:spPr>
           <a:xfrm>
             <a:off x="5616494" y="5218925"/>
-            <a:ext cx="1769315" cy="369332"/>
+            <a:ext cx="1601469" cy="369332"/>
           </a:xfrm>
           <a:prstGeom prst="rect">
             <a:avLst/>
@@ -9924,22 +8807,16 @@
               </a:spcBef>
             </a:pPr>
             <a:r>
-              <a:rPr lang="en-US" sz="1200" b="1" dirty="0">
+              <a:rPr lang="ja-JP" sz="1200" b="1" dirty="0">
                 <a:solidFill>
                   <a:srgbClr val="020302"/>
                 </a:solidFill>
-                <a:latin typeface="Adobe Clean" panose="020B0503020404020204" pitchFamily="34" charset="0"/>
+                <a:latin typeface="Adobe Clean Han Regular" panose="020B0500000000000000" pitchFamily="34" charset="-128"/>
+                <a:ea typeface="Adobe Clean Han Regular" panose="020B0500000000000000" pitchFamily="34" charset="-128"/>
                 <a:cs typeface="Adobe Clean"/>
               </a:rPr>
-              <a:t>Additional Named Support Contacts</a:t>
+              <a:t>追加のサポート対象ユーザー</a:t>
             </a:r>
-            <a:endParaRPr lang="en-US" sz="1200" dirty="0">
-              <a:solidFill>
-                <a:prstClr val="black"/>
-              </a:solidFill>
-              <a:latin typeface="Adobe Clean" panose="020B0503020404020204" pitchFamily="34" charset="0"/>
-              <a:cs typeface="Adobe Clean"/>
-            </a:endParaRPr>
           </a:p>
         </p:txBody>
       </p:sp>
@@ -9957,8 +8834,8 @@
         </p:nvSpPr>
         <p:spPr>
           <a:xfrm>
-            <a:off x="818833" y="5227865"/>
-            <a:ext cx="1947019" cy="369332"/>
+            <a:off x="818834" y="5227865"/>
+            <a:ext cx="1368494" cy="369332"/>
           </a:xfrm>
           <a:prstGeom prst="rect">
             <a:avLst/>
@@ -9976,22 +8853,16 @@
               </a:spcBef>
             </a:pPr>
             <a:r>
-              <a:rPr lang="en-US" sz="1200" b="1" dirty="0">
+              <a:rPr lang="ja-JP" sz="1200" b="1" dirty="0">
                 <a:solidFill>
                   <a:srgbClr val="020302"/>
                 </a:solidFill>
-                <a:latin typeface="Adobe Clean" panose="020B0503020404020204" pitchFamily="34" charset="0"/>
+                <a:latin typeface="Adobe Clean Han Regular" panose="020B0500000000000000" pitchFamily="34" charset="-128"/>
+                <a:ea typeface="Adobe Clean Han Regular" panose="020B0500000000000000" pitchFamily="34" charset="-128"/>
                 <a:cs typeface="Adobe Clean"/>
               </a:rPr>
-              <a:t>Upgrade/Migration     Planning</a:t>
+              <a:t>アップグレード／移行 計画</a:t>
             </a:r>
-            <a:endParaRPr lang="en-US" sz="1200" dirty="0">
-              <a:solidFill>
-                <a:prstClr val="black"/>
-              </a:solidFill>
-              <a:latin typeface="Adobe Clean" panose="020B0503020404020204" pitchFamily="34" charset="0"/>
-              <a:cs typeface="Adobe Clean"/>
-            </a:endParaRPr>
           </a:p>
         </p:txBody>
       </p:sp>
@@ -10046,7 +8917,10 @@
           <a:bodyPr wrap="square" lIns="0" tIns="0" rIns="0" bIns="0" rtlCol="0"/>
           <a:lstStyle/>
           <a:p>
-            <a:endParaRPr/>
+            <a:endParaRPr>
+              <a:latin typeface="Adobe Clean Han Regular" panose="020B0500000000000000" pitchFamily="34" charset="-128"/>
+              <a:ea typeface="Adobe Clean Han Regular" panose="020B0500000000000000" pitchFamily="34" charset="-128"/>
+            </a:endParaRPr>
           </a:p>
         </p:txBody>
       </p:sp>
@@ -10101,7 +8975,10 @@
           <a:bodyPr wrap="square" lIns="0" tIns="0" rIns="0" bIns="0" rtlCol="0"/>
           <a:lstStyle/>
           <a:p>
-            <a:endParaRPr/>
+            <a:endParaRPr>
+              <a:latin typeface="Adobe Clean Han Regular" panose="020B0500000000000000" pitchFamily="34" charset="-128"/>
+              <a:ea typeface="Adobe Clean Han Regular" panose="020B0500000000000000" pitchFamily="34" charset="-128"/>
+            </a:endParaRPr>
           </a:p>
         </p:txBody>
       </p:sp>
@@ -10119,8 +8996,8 @@
         </p:nvSpPr>
         <p:spPr>
           <a:xfrm>
-            <a:off x="307972" y="6853797"/>
-            <a:ext cx="1985851" cy="77016"/>
+            <a:off x="307973" y="6871483"/>
+            <a:ext cx="1761456" cy="59329"/>
           </a:xfrm>
           <a:custGeom>
             <a:avLst/>
@@ -10149,7 +9026,10 @@
           <a:bodyPr wrap="square" lIns="0" tIns="0" rIns="0" bIns="0" rtlCol="0"/>
           <a:lstStyle/>
           <a:p>
-            <a:endParaRPr/>
+            <a:endParaRPr>
+              <a:latin typeface="Adobe Clean Han Regular" panose="020B0500000000000000" pitchFamily="34" charset="-128"/>
+              <a:ea typeface="Adobe Clean Han Regular" panose="020B0500000000000000" pitchFamily="34" charset="-128"/>
+            </a:endParaRPr>
           </a:p>
         </p:txBody>
       </p:sp>
@@ -10168,7 +9048,7 @@
         <p:spPr>
           <a:xfrm>
             <a:off x="212830" y="6531850"/>
-            <a:ext cx="2180405" cy="307777"/>
+            <a:ext cx="1856598" cy="307777"/>
           </a:xfrm>
           <a:prstGeom prst="rect">
             <a:avLst/>
@@ -10189,19 +9069,16 @@
               </a:spcBef>
             </a:pPr>
             <a:r>
-              <a:rPr lang="en-US" sz="1400" b="1" spc="-10" dirty="0">
+              <a:rPr lang="ja-JP" sz="1400" b="1">
                 <a:solidFill>
                   <a:srgbClr val="020302"/>
                 </a:solidFill>
-                <a:latin typeface="Adobe Clean"/>
+                <a:latin typeface="Adobe Clean Han Regular" panose="020B0500000000000000" pitchFamily="34" charset="-128"/>
+                <a:ea typeface="Adobe Clean Han Regular" panose="020B0500000000000000" pitchFamily="34" charset="-128"/>
                 <a:cs typeface="Adobe Clean"/>
               </a:rPr>
-              <a:t>Standard Support Features</a:t>
+              <a:t>標準サポートの特長</a:t>
             </a:r>
-            <a:endParaRPr lang="en-US" sz="1400" dirty="0">
-              <a:latin typeface="Adobe Clean"/>
-              <a:cs typeface="Adobe Clean"/>
-            </a:endParaRPr>
           </a:p>
         </p:txBody>
       </p:sp>
@@ -10256,7 +9133,10 @@
           <a:bodyPr wrap="square" lIns="0" tIns="0" rIns="0" bIns="0" rtlCol="0"/>
           <a:lstStyle/>
           <a:p>
-            <a:endParaRPr/>
+            <a:endParaRPr>
+              <a:latin typeface="Adobe Clean Han Regular" panose="020B0500000000000000" pitchFamily="34" charset="-128"/>
+              <a:ea typeface="Adobe Clean Han Regular" panose="020B0500000000000000" pitchFamily="34" charset="-128"/>
+            </a:endParaRPr>
           </a:p>
         </p:txBody>
       </p:sp>
@@ -10276,8 +9156,8 @@
         </p:nvSpPr>
         <p:spPr>
           <a:xfrm>
-            <a:off x="872580" y="7278776"/>
-            <a:ext cx="1384310" cy="184666"/>
+            <a:off x="872580" y="7202576"/>
+            <a:ext cx="1384310" cy="369332"/>
           </a:xfrm>
           <a:prstGeom prst="rect">
             <a:avLst/>
@@ -10298,12 +9178,12 @@
               </a:spcAft>
             </a:pPr>
             <a:r>
-              <a:rPr lang="en-US" sz="1200" b="1" dirty="0">
-                <a:latin typeface="Adobe Clean" panose="020B0503020404020204" pitchFamily="34" charset="0"/>
-                <a:ea typeface="Open Sans" pitchFamily="34" charset="0"/>
+              <a:rPr lang="ja-JP" sz="1200" b="1" dirty="0">
+                <a:latin typeface="Adobe Clean Han Regular" panose="020B0500000000000000" pitchFamily="34" charset="-128"/>
+                <a:ea typeface="Adobe Clean Han Regular" panose="020B0500000000000000" pitchFamily="34" charset="-128"/>
                 <a:cs typeface="Open Sans" pitchFamily="34" charset="0"/>
               </a:rPr>
-              <a:t>Community Forums</a:t>
+              <a:t>コミュニティフォーラム</a:t>
             </a:r>
           </a:p>
         </p:txBody>
@@ -10322,8 +9202,8 @@
         </p:nvSpPr>
         <p:spPr>
           <a:xfrm>
-            <a:off x="445049" y="7520945"/>
-            <a:ext cx="2148840" cy="959237"/>
+            <a:off x="445049" y="7568570"/>
+            <a:ext cx="2148840" cy="866904"/>
           </a:xfrm>
           <a:prstGeom prst="rect">
             <a:avLst/>
@@ -10336,13 +9216,14 @@
           <a:lstStyle/>
           <a:p>
             <a:r>
-              <a:rPr lang="en-US" sz="1000" dirty="0">
+              <a:rPr lang="ja-JP" sz="900" dirty="0">
                 <a:solidFill>
                   <a:srgbClr val="000000"/>
                 </a:solidFill>
-                <a:latin typeface="Adobe Clean Light" panose="020B0303020404020204" pitchFamily="34" charset="0"/>
+                <a:latin typeface="Adobe Clean Han Light" panose="020B0300000000000000" pitchFamily="34" charset="-128"/>
+                <a:ea typeface="Adobe Clean Han Light" panose="020B0300000000000000" pitchFamily="34" charset="-128"/>
               </a:rPr>
-              <a:t>Continuous online access to a growing database of technical solutions, product documentation, FAQs and more. Connect with other customers on Adobe Community to share best practices and lessons learned..</a:t>
+              <a:t>テクニカルソリューション、製品ドキュメント、FAQ などの増大するデータベースにオンラインで継続的にアクセスできます。また、アドビコミュニティで他のお客様と繋がり、ベストプラクティスや学習した内容を共有できます。</a:t>
             </a:r>
           </a:p>
         </p:txBody>
@@ -10363,8 +9244,8 @@
         </p:nvSpPr>
         <p:spPr>
           <a:xfrm>
-            <a:off x="3379295" y="7277122"/>
-            <a:ext cx="1013098" cy="184666"/>
+            <a:off x="3379295" y="7248547"/>
+            <a:ext cx="1745671" cy="184666"/>
           </a:xfrm>
           <a:prstGeom prst="rect">
             <a:avLst/>
@@ -10385,12 +9266,12 @@
               </a:spcAft>
             </a:pPr>
             <a:r>
-              <a:rPr lang="en-US" sz="1200" b="1" dirty="0">
-                <a:latin typeface="Adobe Clean" panose="020B0503020404020204" pitchFamily="34" charset="0"/>
-                <a:ea typeface="Open Sans" pitchFamily="34" charset="0"/>
+              <a:rPr lang="ja-JP" sz="1200" b="1" dirty="0">
+                <a:latin typeface="Adobe Clean Han Regular" panose="020B0500000000000000" pitchFamily="34" charset="-128"/>
+                <a:ea typeface="Adobe Clean Han Regular" panose="020B0500000000000000" pitchFamily="34" charset="-128"/>
                 <a:cs typeface="Open Sans" pitchFamily="34" charset="0"/>
               </a:rPr>
-              <a:t>Self-Help Portal</a:t>
+              <a:t>セルフサービスポータル</a:t>
             </a:r>
           </a:p>
         </p:txBody>
@@ -10409,8 +9290,8 @@
         </p:nvSpPr>
         <p:spPr>
           <a:xfrm>
-            <a:off x="2933792" y="7510816"/>
-            <a:ext cx="2148840" cy="805349"/>
+            <a:off x="2933792" y="7558441"/>
+            <a:ext cx="2148840" cy="866904"/>
           </a:xfrm>
           <a:prstGeom prst="rect">
             <a:avLst/>
@@ -10423,13 +9304,14 @@
           <a:lstStyle/>
           <a:p>
             <a:r>
-              <a:rPr lang="en-US" sz="1000" dirty="0">
+              <a:rPr lang="ja-JP" sz="900">
                 <a:solidFill>
                   <a:srgbClr val="000000"/>
                 </a:solidFill>
-                <a:latin typeface="Adobe Clean Light" panose="020B0303020404020204" pitchFamily="34" charset="0"/>
+                <a:latin typeface="Adobe Clean Han Light" panose="020B0300000000000000" pitchFamily="34" charset="-128"/>
+                <a:ea typeface="Adobe Clean Han Light" panose="020B0300000000000000" pitchFamily="34" charset="-128"/>
               </a:rPr>
-              <a:t>On-demand access to the online Self-help Support Portal review case status, and browse other resources, like our  news and alerts, knowledge base, featured tips, and more.</a:t>
+              <a:t>オンラインのセルフサービスサポートポータルにオンデマンドでアクセスして、ケースのステータスを確認したり、その他のリソース（ニュースとアラート、ナレッジベース、注目すべきヒントなど）を参照したりできます。</a:t>
             </a:r>
           </a:p>
         </p:txBody>
@@ -10448,8 +9330,8 @@
         </p:nvSpPr>
         <p:spPr>
           <a:xfrm>
-            <a:off x="5422535" y="7486269"/>
-            <a:ext cx="2148840" cy="641201"/>
+            <a:off x="5422535" y="7533894"/>
+            <a:ext cx="2148840" cy="718145"/>
           </a:xfrm>
           <a:prstGeom prst="rect">
             <a:avLst/>
@@ -10473,104 +9355,15 @@
               </a:tabLst>
             </a:pPr>
             <a:r>
-              <a:rPr lang="en-US" sz="1000" spc="-20" dirty="0">
+              <a:rPr lang="ja-JP" sz="900">
                 <a:solidFill>
                   <a:srgbClr val="020302"/>
                 </a:solidFill>
-                <a:latin typeface="AdobeClean-Light"/>
+                <a:latin typeface="Adobe Clean Han Light" panose="020B0300000000000000" pitchFamily="34" charset="-128"/>
+                <a:ea typeface="Adobe Clean Han Light" panose="020B0300000000000000" pitchFamily="34" charset="-128"/>
                 <a:cs typeface="AdobeClean-Light"/>
               </a:rPr>
-              <a:t>Authorized Users (Admins) can start a chat session with Adobe Support </a:t>
-            </a:r>
-            <a:r>
-              <a:rPr lang="en-US" sz="1000" spc="-5" dirty="0">
-                <a:solidFill>
-                  <a:srgbClr val="020302"/>
-                </a:solidFill>
-                <a:latin typeface="AdobeClean-Light"/>
-                <a:cs typeface="AdobeClean-Light"/>
-              </a:rPr>
-              <a:t>to </a:t>
-            </a:r>
-            <a:r>
-              <a:rPr lang="en-US" sz="1000" spc="-10" dirty="0">
-                <a:solidFill>
-                  <a:srgbClr val="020302"/>
-                </a:solidFill>
-                <a:latin typeface="AdobeClean-Light"/>
-                <a:cs typeface="AdobeClean-Light"/>
-              </a:rPr>
-              <a:t>get </a:t>
-            </a:r>
-            <a:r>
-              <a:rPr lang="en-US" sz="1000" spc="-20" dirty="0">
-                <a:solidFill>
-                  <a:srgbClr val="020302"/>
-                </a:solidFill>
-                <a:latin typeface="AdobeClean-Light"/>
-                <a:cs typeface="AdobeClean-Light"/>
-              </a:rPr>
-              <a:t>answers</a:t>
-            </a:r>
-            <a:r>
-              <a:rPr lang="en-US" sz="1000" spc="-45" dirty="0">
-                <a:solidFill>
-                  <a:srgbClr val="020302"/>
-                </a:solidFill>
-                <a:latin typeface="AdobeClean-Light"/>
-                <a:cs typeface="AdobeClean-Light"/>
-              </a:rPr>
-              <a:t> and </a:t>
-            </a:r>
-            <a:r>
-              <a:rPr lang="en-US" sz="1000" spc="-15" dirty="0">
-                <a:solidFill>
-                  <a:srgbClr val="020302"/>
-                </a:solidFill>
-                <a:latin typeface="AdobeClean-Light"/>
-                <a:cs typeface="AdobeClean-Light"/>
-              </a:rPr>
-              <a:t>help </a:t>
-            </a:r>
-            <a:r>
-              <a:rPr lang="en-US" sz="1000" spc="-10" dirty="0">
-                <a:solidFill>
-                  <a:srgbClr val="020302"/>
-                </a:solidFill>
-                <a:latin typeface="AdobeClean-Light"/>
-                <a:cs typeface="AdobeClean-Light"/>
-              </a:rPr>
-              <a:t>with</a:t>
-            </a:r>
-            <a:r>
-              <a:rPr lang="en-US" sz="1000" spc="85" dirty="0">
-                <a:solidFill>
-                  <a:srgbClr val="020302"/>
-                </a:solidFill>
-                <a:latin typeface="AdobeClean-Light"/>
-                <a:cs typeface="AdobeClean-Light"/>
-              </a:rPr>
-              <a:t> </a:t>
-            </a:r>
-            <a:r>
-              <a:rPr lang="en-US" sz="1000" spc="-10" dirty="0">
-                <a:solidFill>
-                  <a:srgbClr val="020302"/>
-                </a:solidFill>
-                <a:latin typeface="AdobeClean-Light"/>
-                <a:cs typeface="AdobeClean-Light"/>
-              </a:rPr>
-              <a:t>case </a:t>
-            </a:r>
-            <a:r>
-              <a:rPr lang="en-US" sz="1000" spc="-20" dirty="0">
-                <a:solidFill>
-                  <a:srgbClr val="020302"/>
-                </a:solidFill>
-                <a:latin typeface="AdobeClean-Light"/>
-                <a:cs typeface="AdobeClean-Light"/>
-              </a:rPr>
-              <a:t>submission.</a:t>
+              <a:t>承認済みユーザー（管理者）は、アドビサポートとのチャットセッションを開始して、回答やケース申請による支援を受けることができます。</a:t>
             </a:r>
           </a:p>
           <a:p>
@@ -10586,19 +9379,16 @@
               </a:tabLst>
             </a:pPr>
             <a:r>
-              <a:rPr lang="en-US" sz="1000" i="1" spc="-10" dirty="0">
+              <a:rPr lang="ja-JP" sz="900" i="1">
                 <a:solidFill>
                   <a:srgbClr val="7A7A7A"/>
                 </a:solidFill>
-                <a:latin typeface="AdobeClean-LightIt"/>
+                <a:latin typeface="Adobe Clean Han Light" panose="020B0300000000000000" pitchFamily="34" charset="-128"/>
+                <a:ea typeface="Adobe Clean Han Light" panose="020B0300000000000000" pitchFamily="34" charset="-128"/>
                 <a:cs typeface="AdobeClean-LightIt"/>
               </a:rPr>
-              <a:t>Subject to local hours</a:t>
+              <a:t>現地時間に準じます</a:t>
             </a:r>
-            <a:endParaRPr lang="en-US" sz="1000" dirty="0">
-              <a:latin typeface="AdobeClean-Light"/>
-              <a:cs typeface="AdobeClean-Light"/>
-            </a:endParaRPr>
           </a:p>
         </p:txBody>
       </p:sp>
@@ -10618,8 +9408,8 @@
         </p:nvSpPr>
         <p:spPr>
           <a:xfrm>
-            <a:off x="5937487" y="7264890"/>
-            <a:ext cx="841577" cy="184666"/>
+            <a:off x="5937487" y="7226790"/>
+            <a:ext cx="1269578" cy="184666"/>
           </a:xfrm>
           <a:prstGeom prst="rect">
             <a:avLst/>
@@ -10640,12 +9430,12 @@
               </a:spcAft>
             </a:pPr>
             <a:r>
-              <a:rPr lang="en-US" sz="1200" b="1" dirty="0">
-                <a:latin typeface="Adobe Clean" panose="020B0503020404020204" pitchFamily="34" charset="0"/>
-                <a:ea typeface="Open Sans" pitchFamily="34" charset="0"/>
+              <a:rPr lang="ja-JP" sz="1200" b="1" dirty="0">
+                <a:latin typeface="Adobe Clean Han Regular" panose="020B0500000000000000" pitchFamily="34" charset="-128"/>
+                <a:ea typeface="Adobe Clean Han Regular" panose="020B0500000000000000" pitchFamily="34" charset="-128"/>
                 <a:cs typeface="Open Sans" pitchFamily="34" charset="0"/>
               </a:rPr>
-              <a:t>Chat Support</a:t>
+              <a:t>チャットサポート</a:t>
             </a:r>
           </a:p>
         </p:txBody>
@@ -10688,12 +9478,12 @@
               </a:spcAft>
             </a:pPr>
             <a:r>
-              <a:rPr lang="en-US" sz="1200" b="1" dirty="0">
-                <a:latin typeface="Adobe Clean" panose="020B0503020404020204" pitchFamily="34" charset="0"/>
-                <a:ea typeface="Open Sans" pitchFamily="34" charset="0"/>
+              <a:rPr lang="ja-JP" sz="1200" b="1">
+                <a:latin typeface="Adobe Clean Han Regular" panose="020B0500000000000000" pitchFamily="34" charset="-128"/>
+                <a:ea typeface="Adobe Clean Han Regular" panose="020B0500000000000000" pitchFamily="34" charset="-128"/>
                 <a:cs typeface="Open Sans" pitchFamily="34" charset="0"/>
               </a:rPr>
-              <a:t>Phone Support</a:t>
+              <a:t>電話サポート</a:t>
             </a:r>
           </a:p>
         </p:txBody>
@@ -10712,8 +9502,8 @@
         </p:nvSpPr>
         <p:spPr>
           <a:xfrm>
-            <a:off x="1896499" y="9097542"/>
-            <a:ext cx="2023834" cy="651460"/>
+            <a:off x="1896498" y="9097542"/>
+            <a:ext cx="2120945" cy="589905"/>
           </a:xfrm>
           <a:prstGeom prst="rect">
             <a:avLst/>
@@ -10726,116 +9516,46 @@
           <a:lstStyle/>
           <a:p>
             <a:r>
-              <a:rPr lang="en-US" sz="1000" dirty="0">
+              <a:rPr lang="ja-JP" sz="900" dirty="0">
                 <a:solidFill>
                   <a:srgbClr val="020302"/>
                 </a:solidFill>
-                <a:latin typeface="AdobeClean-Light"/>
+                <a:latin typeface="Adobe Clean Han Light" panose="020B0300000000000000" pitchFamily="34" charset="-128"/>
+                <a:ea typeface="Adobe Clean Han Light" panose="020B0300000000000000" pitchFamily="34" charset="-128"/>
               </a:rPr>
-              <a:t>Authorized Users (Admins) </a:t>
+              <a:t>承認済みユーザー（管理者）</a:t>
             </a:r>
             <a:r>
-              <a:rPr lang="en-US" sz="1000" dirty="0">
-                <a:latin typeface="Adobe Clean Light"/>
+              <a:rPr lang="ja-JP" sz="900" dirty="0">
+                <a:latin typeface="Adobe Clean Han Light" panose="020B0300000000000000" pitchFamily="34" charset="-128"/>
+                <a:ea typeface="Adobe Clean Han Light" panose="020B0300000000000000" pitchFamily="34" charset="-128"/>
               </a:rPr>
-              <a:t>can call Adobe Support via phone </a:t>
+              <a:t>は、アドビサポートに電話して、</a:t>
             </a:r>
             <a:r>
-              <a:rPr lang="en-US" sz="1000" spc="-5" dirty="0">
+              <a:rPr lang="ja-JP" sz="900" dirty="0">
                 <a:solidFill>
                   <a:srgbClr val="020302"/>
                 </a:solidFill>
-                <a:latin typeface="AdobeClean-Light"/>
+                <a:latin typeface="Adobe Clean Han Light" panose="020B0300000000000000" pitchFamily="34" charset="-128"/>
+                <a:ea typeface="Adobe Clean Han Light" panose="020B0300000000000000" pitchFamily="34" charset="-128"/>
                 <a:cs typeface="AdobeClean-Light"/>
               </a:rPr>
-              <a:t>to </a:t>
-            </a:r>
-            <a:r>
-              <a:rPr lang="en-US" sz="1000" spc="-10" dirty="0">
-                <a:solidFill>
-                  <a:srgbClr val="020302"/>
-                </a:solidFill>
-                <a:latin typeface="AdobeClean-Light"/>
-                <a:cs typeface="AdobeClean-Light"/>
-              </a:rPr>
-              <a:t>get </a:t>
-            </a:r>
-            <a:r>
-              <a:rPr lang="en-US" sz="1000" spc="-20" dirty="0">
-                <a:solidFill>
-                  <a:srgbClr val="020302"/>
-                </a:solidFill>
-                <a:latin typeface="AdobeClean-Light"/>
-                <a:cs typeface="AdobeClean-Light"/>
-              </a:rPr>
-              <a:t>answers</a:t>
-            </a:r>
-            <a:r>
-              <a:rPr lang="en-US" sz="1000" spc="-45" dirty="0">
-                <a:solidFill>
-                  <a:srgbClr val="020302"/>
-                </a:solidFill>
-                <a:latin typeface="AdobeClean-Light"/>
-                <a:cs typeface="AdobeClean-Light"/>
-              </a:rPr>
-              <a:t> and</a:t>
-            </a:r>
-            <a:r>
-              <a:rPr lang="en-US" sz="1000" dirty="0">
-                <a:solidFill>
-                  <a:srgbClr val="020302"/>
-                </a:solidFill>
-                <a:latin typeface="AdobeClean-Light"/>
-                <a:cs typeface="AdobeClean-Light"/>
-              </a:rPr>
-              <a:t> </a:t>
-            </a:r>
-            <a:r>
-              <a:rPr lang="en-US" sz="1000" spc="-15" dirty="0">
-                <a:solidFill>
-                  <a:srgbClr val="020302"/>
-                </a:solidFill>
-                <a:latin typeface="AdobeClean-Light"/>
-                <a:cs typeface="AdobeClean-Light"/>
-              </a:rPr>
-              <a:t>help </a:t>
-            </a:r>
-            <a:r>
-              <a:rPr lang="en-US" sz="1000" spc="-10" dirty="0">
-                <a:solidFill>
-                  <a:srgbClr val="020302"/>
-                </a:solidFill>
-                <a:latin typeface="AdobeClean-Light"/>
-                <a:cs typeface="AdobeClean-Light"/>
-              </a:rPr>
-              <a:t>with case </a:t>
-            </a:r>
-            <a:r>
-              <a:rPr lang="en-US" sz="1000" spc="-20" dirty="0">
-                <a:solidFill>
-                  <a:srgbClr val="020302"/>
-                </a:solidFill>
-                <a:latin typeface="AdobeClean-Light"/>
-                <a:cs typeface="AdobeClean-Light"/>
-              </a:rPr>
-              <a:t>submission.</a:t>
+              <a:t>回答やケース申請による支援を受けることができます。</a:t>
             </a:r>
           </a:p>
           <a:p>
             <a:r>
-              <a:rPr lang="en-US" sz="1000" i="1" spc="-10" dirty="0">
+              <a:rPr lang="ja-JP" sz="900" i="1" dirty="0">
                 <a:solidFill>
                   <a:srgbClr val="7A7A7A"/>
                 </a:solidFill>
-                <a:latin typeface="Adobe Clean Light" panose="020B0303020404020204" pitchFamily="34" charset="0"/>
+                <a:latin typeface="Adobe Clean Han Light" panose="020B0300000000000000" pitchFamily="34" charset="-128"/>
+                <a:ea typeface="Adobe Clean Han Light" panose="020B0300000000000000" pitchFamily="34" charset="-128"/>
                 <a:cs typeface="AdobeClean-LightIt"/>
               </a:rPr>
-              <a:t>Subject to local hours</a:t>
+              <a:t>現地時間に準じます</a:t>
             </a:r>
-            <a:endParaRPr lang="en-US" sz="1000" i="1" dirty="0">
-              <a:latin typeface="Adobe Clean Light" panose="020B0303020404020204" pitchFamily="34" charset="0"/>
-              <a:cs typeface="AdobeClean-Light"/>
-            </a:endParaRPr>
           </a:p>
         </p:txBody>
       </p:sp>
@@ -10856,7 +9576,7 @@
         <p:spPr>
           <a:xfrm>
             <a:off x="4665030" y="8845241"/>
-            <a:ext cx="1402628" cy="184666"/>
+            <a:ext cx="1165704" cy="184666"/>
           </a:xfrm>
           <a:prstGeom prst="rect">
             <a:avLst/>
@@ -10877,12 +9597,12 @@
               </a:spcAft>
             </a:pPr>
             <a:r>
-              <a:rPr lang="en-US" sz="1200" b="1" dirty="0">
-                <a:latin typeface="Adobe Clean" panose="020B0503020404020204" pitchFamily="34" charset="0"/>
-                <a:ea typeface="Open Sans" pitchFamily="34" charset="0"/>
+              <a:rPr lang="ja-JP" sz="1200" b="1">
+                <a:latin typeface="Adobe Clean Han Regular" panose="020B0500000000000000" pitchFamily="34" charset="-128"/>
+                <a:ea typeface="Adobe Clean Han Regular" panose="020B0500000000000000" pitchFamily="34" charset="-128"/>
                 <a:cs typeface="Open Sans" pitchFamily="34" charset="0"/>
               </a:rPr>
-              <a:t>Web Case Submission</a:t>
+              <a:t>Web ケース申請</a:t>
             </a:r>
           </a:p>
         </p:txBody>
@@ -10901,8 +9621,8 @@
         </p:nvSpPr>
         <p:spPr>
           <a:xfrm>
-            <a:off x="4167337" y="9097542"/>
-            <a:ext cx="2148840" cy="707886"/>
+            <a:off x="4167336" y="9097542"/>
+            <a:ext cx="2455671" cy="784830"/>
           </a:xfrm>
           <a:prstGeom prst="rect">
             <a:avLst/>
@@ -10915,26 +9635,22 @@
           <a:lstStyle/>
           <a:p>
             <a:r>
-              <a:rPr lang="en-US" sz="1000" dirty="0">
+              <a:rPr lang="ja-JP" sz="900" dirty="0">
                 <a:solidFill>
                   <a:srgbClr val="020302"/>
                 </a:solidFill>
-                <a:latin typeface="AdobeClean-Light"/>
+                <a:latin typeface="Adobe Clean Han Light" panose="020B0300000000000000" pitchFamily="34" charset="-128"/>
+                <a:ea typeface="Adobe Clean Han Light" panose="020B0300000000000000" pitchFamily="34" charset="-128"/>
               </a:rPr>
-              <a:t>Authorized Users (Admins) </a:t>
+              <a:t>承認済みユーザー（管理者）</a:t>
             </a:r>
             <a:r>
-              <a:rPr lang="en-US" sz="1000" dirty="0">
-                <a:latin typeface="Adobe Clean Light"/>
+              <a:rPr lang="ja-JP" sz="900" dirty="0">
+                <a:latin typeface="Adobe Clean Han Light" panose="020B0300000000000000" pitchFamily="34" charset="-128"/>
+                <a:ea typeface="Adobe Clean Han Light" panose="020B0300000000000000" pitchFamily="34" charset="-128"/>
               </a:rPr>
-              <a:t>can submit unlimited web cases at any time for support issues for review by our technical support team.</a:t>
+              <a:t>は、サポートの問題に対して、いつでも無制限の web ケースを申請して、アドビのテクニカルサポートチームによるレビューを受けることができます。</a:t>
             </a:r>
-            <a:endParaRPr lang="en-US" sz="1000" dirty="0">
-              <a:solidFill>
-                <a:srgbClr val="000000"/>
-              </a:solidFill>
-              <a:latin typeface="Adobe Clean Light"/>
-            </a:endParaRPr>
           </a:p>
         </p:txBody>
       </p:sp>
@@ -10953,7 +9669,7 @@
         <p:spPr>
           <a:xfrm>
             <a:off x="5241757" y="1187127"/>
-            <a:ext cx="2280307" cy="805349"/>
+            <a:ext cx="2280307" cy="959237"/>
           </a:xfrm>
           <a:prstGeom prst="rect">
             <a:avLst/>
@@ -10967,23 +9683,21 @@
           <a:p>
             <a:pPr marL="12700" marR="5080"/>
             <a:r>
-              <a:rPr lang="en-US" sz="1000" dirty="0">
-                <a:latin typeface="Adobe Clean Light" panose="020B0303020404020204" pitchFamily="34" charset="0"/>
+              <a:rPr lang="ja-JP" sz="1000">
+                <a:latin typeface="Adobe Clean Han Light" panose="020B0300000000000000" pitchFamily="34" charset="-128"/>
+                <a:ea typeface="Adobe Clean Han Light" panose="020B0300000000000000" pitchFamily="34" charset="-128"/>
                 <a:cs typeface="AdobeClean-Light"/>
               </a:rPr>
-              <a:t>Receive prioritized routing to ensure faster connection to more senior support resources on submitted cases, as well as </a:t>
+              <a:t>提出されたケースについて、より上級のサポートリソースに迅速に繋がるための優先的なルーティングが提供されると共に、</a:t>
             </a:r>
             <a:r>
-              <a:rPr lang="en-US" sz="1000" dirty="0">
-                <a:latin typeface="Adobe Clean Light" panose="020B0303020404020204" pitchFamily="34" charset="0"/>
+              <a:rPr lang="ja-JP" sz="1000">
+                <a:latin typeface="Adobe Clean Han Light" panose="020B0300000000000000" pitchFamily="34" charset="-128"/>
+                <a:ea typeface="Adobe Clean Han Light" panose="020B0300000000000000" pitchFamily="34" charset="-128"/>
                 <a:cs typeface="Adobe Clean Light"/>
               </a:rPr>
-              <a:t>higher prioritization on support case work through facilitated engagement with Engineering.</a:t>
+              <a:t>エンジニアリングとの連携が促進されてサポートケースの優先度が高くなります。</a:t>
             </a:r>
-            <a:endParaRPr lang="en-US" sz="1000" dirty="0">
-              <a:latin typeface="Adobe Clean Light" panose="020B0303020404020204" pitchFamily="34" charset="0"/>
-              <a:cs typeface="AdobeClean-Light"/>
-            </a:endParaRPr>
           </a:p>
         </p:txBody>
       </p:sp>
@@ -11003,8 +9717,8 @@
         </p:nvSpPr>
         <p:spPr>
           <a:xfrm>
-            <a:off x="5570691" y="832185"/>
-            <a:ext cx="1976242" cy="369332"/>
+            <a:off x="5570690" y="803610"/>
+            <a:ext cx="1871329" cy="338554"/>
           </a:xfrm>
           <a:prstGeom prst="rect">
             <a:avLst/>
@@ -11025,13 +9739,14 @@
               </a:spcAft>
             </a:pPr>
             <a:r>
-              <a:rPr lang="en-US" sz="1200" b="1" spc="-10" dirty="0">
+              <a:rPr lang="ja-JP" sz="1100" b="1" dirty="0">
                 <a:solidFill>
                   <a:srgbClr val="020302"/>
                 </a:solidFill>
-                <a:latin typeface="Adobe Clean" panose="020B0503020404020204" pitchFamily="34" charset="0"/>
+                <a:latin typeface="Adobe Clean Han Regular" panose="020B0500000000000000" pitchFamily="34" charset="-128"/>
+                <a:ea typeface="Adobe Clean Han Regular" panose="020B0500000000000000" pitchFamily="34" charset="-128"/>
               </a:rPr>
-              <a:t>Priority Case Routing &amp; Accelerated Issue Prioritization</a:t>
+              <a:t>優先的なケースルーティングと迅速な問題の優先度設定</a:t>
             </a:r>
           </a:p>
         </p:txBody>
@@ -11072,15 +9787,12 @@
               </a:spcBef>
             </a:pPr>
             <a:r>
-              <a:rPr lang="en-US" sz="1000" dirty="0">
-                <a:latin typeface="Adobe Clean Light" panose="020B0303020404020204" pitchFamily="34" charset="0"/>
+              <a:rPr lang="ja-JP" sz="1000" dirty="0">
+                <a:latin typeface="Adobe Clean Han Light" panose="020B0300000000000000" pitchFamily="34" charset="-128"/>
+                <a:ea typeface="Adobe Clean Han Light" panose="020B0300000000000000" pitchFamily="34" charset="-128"/>
               </a:rPr>
-              <a:t>A designated point of contact within Adobe who will actively monitor open cases and can provide escalation assistance, regular updates and ensure priority is given to your most critical open support requests.</a:t>
+              <a:t>アドビ内の専任連絡窓口が、オープン中のケースを積極的に監視し、エスカレーション支援や定期的なアップデートを提供して、お客様の最も重要なオープン中のサポートリクエストに優先的に対応します。</a:t>
             </a:r>
-            <a:endParaRPr lang="en-US" sz="1000" dirty="0">
-              <a:latin typeface="Adobe Clean Light" panose="020B0303020404020204" pitchFamily="34" charset="0"/>
-              <a:cs typeface="AdobeClean-Light"/>
-            </a:endParaRPr>
           </a:p>
         </p:txBody>
       </p:sp>
@@ -11100,8 +9812,8 @@
         </p:nvSpPr>
         <p:spPr>
           <a:xfrm>
-            <a:off x="764873" y="2390174"/>
-            <a:ext cx="1797891" cy="369332"/>
+            <a:off x="764874" y="2390174"/>
+            <a:ext cx="1805464" cy="338554"/>
           </a:xfrm>
           <a:prstGeom prst="rect">
             <a:avLst/>
@@ -11122,13 +9834,14 @@
               </a:spcAft>
             </a:pPr>
             <a:r>
-              <a:rPr lang="en-US" sz="1200" b="1" spc="-10" dirty="0">
+              <a:rPr lang="ja-JP" sz="1100" b="1" dirty="0">
                 <a:solidFill>
                   <a:srgbClr val="020302"/>
                 </a:solidFill>
-                <a:latin typeface="Adobe Clean" panose="020B0503020404020204" pitchFamily="34" charset="0"/>
+                <a:latin typeface="Adobe Clean Han Regular" panose="020B0500000000000000" pitchFamily="34" charset="-128"/>
+                <a:ea typeface="Adobe Clean Han Regular" panose="020B0500000000000000" pitchFamily="34" charset="-128"/>
               </a:rPr>
-              <a:t>Proactive Case Monitoring and Escalation Management</a:t>
+              <a:t>プロアクティブなケース監視とエスカレーション管理</a:t>
             </a:r>
           </a:p>
         </p:txBody>
@@ -11148,7 +9861,7 @@
         <p:spPr>
           <a:xfrm>
             <a:off x="5583949" y="2474957"/>
-            <a:ext cx="1036205" cy="197490"/>
+            <a:ext cx="1423578" cy="197490"/>
           </a:xfrm>
           <a:prstGeom prst="rect">
             <a:avLst/>
@@ -11169,149 +9882,16 @@
               </a:spcBef>
             </a:pPr>
             <a:r>
-              <a:rPr sz="1200" b="1" spc="-20" dirty="0">
+              <a:rPr lang="ja-JP" sz="1200" b="1" dirty="0">
                 <a:solidFill>
                   <a:srgbClr val="020302"/>
                 </a:solidFill>
-                <a:latin typeface="Adobe Clean"/>
+                <a:latin typeface="Adobe Clean Han Regular" panose="020B0500000000000000" pitchFamily="34" charset="-128"/>
+                <a:ea typeface="Adobe Clean Han Regular" panose="020B0500000000000000" pitchFamily="34" charset="-128"/>
                 <a:cs typeface="Adobe Clean"/>
               </a:rPr>
-              <a:t>S</a:t>
+              <a:t>サービスレビュー</a:t>
             </a:r>
-            <a:r>
-              <a:rPr sz="1200" b="1" spc="-25" dirty="0">
-                <a:solidFill>
-                  <a:srgbClr val="020302"/>
-                </a:solidFill>
-                <a:latin typeface="Adobe Clean"/>
-                <a:cs typeface="Adobe Clean"/>
-              </a:rPr>
-              <a:t>e</a:t>
-            </a:r>
-            <a:r>
-              <a:rPr sz="1200" b="1" spc="-20" dirty="0">
-                <a:solidFill>
-                  <a:srgbClr val="020302"/>
-                </a:solidFill>
-                <a:latin typeface="Adobe Clean"/>
-                <a:cs typeface="Adobe Clean"/>
-              </a:rPr>
-              <a:t>r</a:t>
-            </a:r>
-            <a:r>
-              <a:rPr sz="1200" b="1" spc="-25" dirty="0">
-                <a:solidFill>
-                  <a:srgbClr val="020302"/>
-                </a:solidFill>
-                <a:latin typeface="Adobe Clean"/>
-                <a:cs typeface="Adobe Clean"/>
-              </a:rPr>
-              <a:t>v</a:t>
-            </a:r>
-            <a:r>
-              <a:rPr sz="1200" b="1" spc="-20" dirty="0">
-                <a:solidFill>
-                  <a:srgbClr val="020302"/>
-                </a:solidFill>
-                <a:latin typeface="Adobe Clean"/>
-                <a:cs typeface="Adobe Clean"/>
-              </a:rPr>
-              <a:t>i</a:t>
-            </a:r>
-            <a:r>
-              <a:rPr sz="1200" b="1" spc="-30" dirty="0">
-                <a:solidFill>
-                  <a:srgbClr val="020302"/>
-                </a:solidFill>
-                <a:latin typeface="Adobe Clean"/>
-                <a:cs typeface="Adobe Clean"/>
-              </a:rPr>
-              <a:t>c</a:t>
-            </a:r>
-            <a:r>
-              <a:rPr sz="1200" b="1" dirty="0">
-                <a:solidFill>
-                  <a:srgbClr val="020302"/>
-                </a:solidFill>
-                <a:latin typeface="Adobe Clean"/>
-                <a:cs typeface="Adobe Clean"/>
-              </a:rPr>
-              <a:t>e</a:t>
-            </a:r>
-            <a:r>
-              <a:rPr sz="1200" b="1" spc="-80" dirty="0">
-                <a:solidFill>
-                  <a:srgbClr val="020302"/>
-                </a:solidFill>
-                <a:latin typeface="Adobe Clean"/>
-                <a:cs typeface="Adobe Clean"/>
-              </a:rPr>
-              <a:t> </a:t>
-            </a:r>
-            <a:r>
-              <a:rPr sz="1200" b="1" spc="-20" dirty="0">
-                <a:solidFill>
-                  <a:srgbClr val="020302"/>
-                </a:solidFill>
-                <a:latin typeface="Adobe Clean"/>
-                <a:cs typeface="Adobe Clean"/>
-              </a:rPr>
-              <a:t>R</a:t>
-            </a:r>
-            <a:r>
-              <a:rPr sz="1200" b="1" spc="-25" dirty="0">
-                <a:solidFill>
-                  <a:srgbClr val="020302"/>
-                </a:solidFill>
-                <a:latin typeface="Adobe Clean"/>
-                <a:cs typeface="Adobe Clean"/>
-              </a:rPr>
-              <a:t>e</a:t>
-            </a:r>
-            <a:r>
-              <a:rPr sz="1200" b="1" spc="-30" dirty="0">
-                <a:solidFill>
-                  <a:srgbClr val="020302"/>
-                </a:solidFill>
-                <a:latin typeface="Adobe Clean"/>
-                <a:cs typeface="Adobe Clean"/>
-              </a:rPr>
-              <a:t>v</a:t>
-            </a:r>
-            <a:r>
-              <a:rPr sz="1200" b="1" spc="-20" dirty="0">
-                <a:solidFill>
-                  <a:srgbClr val="020302"/>
-                </a:solidFill>
-                <a:latin typeface="Adobe Clean"/>
-                <a:cs typeface="Adobe Clean"/>
-              </a:rPr>
-              <a:t>i</a:t>
-            </a:r>
-            <a:r>
-              <a:rPr sz="1200" b="1" spc="-25" dirty="0">
-                <a:solidFill>
-                  <a:srgbClr val="020302"/>
-                </a:solidFill>
-                <a:latin typeface="Adobe Clean"/>
-                <a:cs typeface="Adobe Clean"/>
-              </a:rPr>
-              <a:t>ew</a:t>
-            </a:r>
-            <a:r>
-              <a:rPr sz="1200" b="1" dirty="0">
-                <a:solidFill>
-                  <a:srgbClr val="020302"/>
-                </a:solidFill>
-                <a:latin typeface="Adobe Clean"/>
-                <a:cs typeface="Adobe Clean"/>
-              </a:rPr>
-              <a:t>s</a:t>
-            </a:r>
-            <a:endParaRPr sz="1200" dirty="0">
-              <a:latin typeface="Adobe Clean"/>
-              <a:cs typeface="Adobe Clean"/>
-            </a:endParaRPr>
           </a:p>
         </p:txBody>
       </p:sp>
@@ -11330,7 +9910,7 @@
         <p:spPr>
           <a:xfrm>
             <a:off x="5217782" y="2759013"/>
-            <a:ext cx="2194560" cy="628377"/>
+            <a:ext cx="2194560" cy="936154"/>
           </a:xfrm>
           <a:prstGeom prst="rect">
             <a:avLst/>
@@ -11351,15 +9931,12 @@
               </a:spcBef>
             </a:pPr>
             <a:r>
-              <a:rPr lang="en-US" sz="1000" dirty="0">
-                <a:latin typeface="Adobe Clean Light" panose="020B0303020404020204" pitchFamily="34" charset="0"/>
+              <a:rPr lang="ja-JP" sz="1000">
+                <a:latin typeface="Adobe Clean Han Light" panose="020B0300000000000000" pitchFamily="34" charset="-128"/>
+                <a:ea typeface="Adobe Clean Han Light" panose="020B0300000000000000" pitchFamily="34" charset="-128"/>
               </a:rPr>
-              <a:t>Comprehensive quarterly review of Elite program services, benefits and support performance. May be combined with other strategic business reviews held with Adobe.</a:t>
+              <a:t>エリートプログラムのサービス、メリットおよびサポート実績について、四半期ごとに包括的にレビューします。アドビが実施する他の戦略的ビジネスレビューと組み合わせることもできます。</a:t>
             </a:r>
-            <a:endParaRPr sz="1000" dirty="0">
-              <a:latin typeface="Adobe Clean Light" panose="020B0303020404020204" pitchFamily="34" charset="0"/>
-              <a:cs typeface="AdobeClean-Light"/>
-            </a:endParaRPr>
           </a:p>
         </p:txBody>
       </p:sp>
@@ -11377,8 +9954,8 @@
         </p:nvSpPr>
         <p:spPr>
           <a:xfrm>
-            <a:off x="3138045" y="2474957"/>
-            <a:ext cx="1036205" cy="197490"/>
+            <a:off x="3138045" y="2465432"/>
+            <a:ext cx="1526985" cy="197490"/>
           </a:xfrm>
           <a:prstGeom prst="rect">
             <a:avLst/>
@@ -11399,99 +9976,16 @@
               </a:spcBef>
             </a:pPr>
             <a:r>
-              <a:rPr lang="en-US" sz="1200" b="1" spc="-20" dirty="0">
+              <a:rPr lang="ja-JP" sz="1200" b="1" dirty="0">
                 <a:solidFill>
                   <a:srgbClr val="020302"/>
                 </a:solidFill>
-                <a:latin typeface="Adobe Clean"/>
+                <a:latin typeface="Adobe Clean Han Regular" panose="020B0500000000000000" pitchFamily="34" charset="-128"/>
+                <a:ea typeface="Adobe Clean Han Regular" panose="020B0500000000000000" pitchFamily="34" charset="-128"/>
                 <a:cs typeface="Adobe Clean"/>
               </a:rPr>
-              <a:t>Cas</a:t>
+              <a:t>ケースレビュー</a:t>
             </a:r>
-            <a:r>
-              <a:rPr sz="1200" b="1" dirty="0">
-                <a:solidFill>
-                  <a:srgbClr val="020302"/>
-                </a:solidFill>
-                <a:latin typeface="Adobe Clean"/>
-                <a:cs typeface="Adobe Clean"/>
-              </a:rPr>
-              <a:t>e</a:t>
-            </a:r>
-            <a:r>
-              <a:rPr sz="1200" b="1" spc="-80" dirty="0">
-                <a:solidFill>
-                  <a:srgbClr val="020302"/>
-                </a:solidFill>
-                <a:latin typeface="Adobe Clean"/>
-                <a:cs typeface="Adobe Clean"/>
-              </a:rPr>
-              <a:t> </a:t>
-            </a:r>
-            <a:r>
-              <a:rPr sz="1200" b="1" spc="-20" dirty="0">
-                <a:solidFill>
-                  <a:srgbClr val="020302"/>
-                </a:solidFill>
-                <a:latin typeface="Adobe Clean"/>
-                <a:cs typeface="Adobe Clean"/>
-              </a:rPr>
-              <a:t>R</a:t>
-            </a:r>
-            <a:r>
-              <a:rPr sz="1200" b="1" spc="-25" dirty="0">
-                <a:solidFill>
-                  <a:srgbClr val="020302"/>
-                </a:solidFill>
-                <a:latin typeface="Adobe Clean"/>
-                <a:cs typeface="Adobe Clean"/>
-              </a:rPr>
-              <a:t>e</a:t>
-            </a:r>
-            <a:r>
-              <a:rPr sz="1200" b="1" spc="-30" dirty="0">
-                <a:solidFill>
-                  <a:srgbClr val="020302"/>
-                </a:solidFill>
-                <a:latin typeface="Adobe Clean"/>
-                <a:cs typeface="Adobe Clean"/>
-              </a:rPr>
-              <a:t>v</a:t>
-            </a:r>
-            <a:r>
-              <a:rPr sz="1200" b="1" spc="-20" dirty="0">
-                <a:solidFill>
-                  <a:srgbClr val="020302"/>
-                </a:solidFill>
-                <a:latin typeface="Adobe Clean"/>
-                <a:cs typeface="Adobe Clean"/>
-              </a:rPr>
-              <a:t>i</a:t>
-            </a:r>
-            <a:r>
-              <a:rPr sz="1200" b="1" spc="-25" dirty="0">
-                <a:solidFill>
-                  <a:srgbClr val="020302"/>
-                </a:solidFill>
-                <a:latin typeface="Adobe Clean"/>
-                <a:cs typeface="Adobe Clean"/>
-              </a:rPr>
-              <a:t>ew</a:t>
-            </a:r>
-            <a:r>
-              <a:rPr sz="1200" b="1" dirty="0">
-                <a:solidFill>
-                  <a:srgbClr val="020302"/>
-                </a:solidFill>
-                <a:latin typeface="Adobe Clean"/>
-                <a:cs typeface="Adobe Clean"/>
-              </a:rPr>
-              <a:t>s</a:t>
-            </a:r>
-            <a:endParaRPr sz="1200" dirty="0">
-              <a:latin typeface="Adobe Clean"/>
-              <a:cs typeface="Adobe Clean"/>
-            </a:endParaRPr>
           </a:p>
         </p:txBody>
       </p:sp>
@@ -11510,7 +10004,7 @@
         <p:spPr>
           <a:xfrm>
             <a:off x="2762004" y="2778693"/>
-            <a:ext cx="2252540" cy="782265"/>
+            <a:ext cx="2252540" cy="936154"/>
           </a:xfrm>
           <a:prstGeom prst="rect">
             <a:avLst/>
@@ -11531,24 +10025,22 @@
               </a:spcBef>
             </a:pPr>
             <a:r>
-              <a:rPr lang="en-US" sz="1000" dirty="0">
-                <a:latin typeface="Adobe Clean Light" panose="020B0303020404020204" pitchFamily="34" charset="0"/>
+              <a:rPr lang="ja-JP" sz="1000">
+                <a:latin typeface="Adobe Clean Han Light" panose="020B0300000000000000" pitchFamily="34" charset="-128"/>
+                <a:ea typeface="Adobe Clean Han Light" panose="020B0300000000000000" pitchFamily="34" charset="-128"/>
               </a:rPr>
-              <a:t>Regularly scheduled reviews of open support requests, ensuring customer alignment on case description, business impact, status, priority and agreement on next steps required to ensure a timely resolution</a:t>
+              <a:t>オープン中のサポートリクエストを定期的にレビューし、ケースの説明、ビジネスへの影響、ステータス、優先度、タイムリーな解決に必要な次のステップへの合意について、お客様と調整します</a:t>
             </a:r>
             <a:r>
-              <a:rPr lang="en-US" sz="1000" dirty="0">
+              <a:rPr lang="ja-JP" sz="1000">
                 <a:solidFill>
                   <a:srgbClr val="4B4B4B"/>
                 </a:solidFill>
-                <a:latin typeface="Adobe Clean Light" panose="020B0303020404020204" pitchFamily="34" charset="0"/>
+                <a:latin typeface="Adobe Clean Han Light" panose="020B0300000000000000" pitchFamily="34" charset="-128"/>
+                <a:ea typeface="Adobe Clean Han Light" panose="020B0300000000000000" pitchFamily="34" charset="-128"/>
               </a:rPr>
-              <a:t>.</a:t>
+              <a:t>。</a:t>
             </a:r>
-            <a:endParaRPr sz="1000" dirty="0">
-              <a:latin typeface="Adobe Clean Light" panose="020B0303020404020204" pitchFamily="34" charset="0"/>
-              <a:cs typeface="AdobeClean-Light"/>
-            </a:endParaRPr>
           </a:p>
         </p:txBody>
       </p:sp>
@@ -11566,8 +10058,8 @@
         </p:nvSpPr>
         <p:spPr>
           <a:xfrm>
-            <a:off x="2762004" y="4269935"/>
-            <a:ext cx="2507536" cy="961802"/>
+            <a:off x="2762003" y="4260410"/>
+            <a:ext cx="2358991" cy="1007968"/>
           </a:xfrm>
           <a:prstGeom prst="rect">
             <a:avLst/>
@@ -11585,19 +10077,16 @@
               </a:spcBef>
             </a:pPr>
             <a:r>
-              <a:rPr lang="en-US" sz="1000" dirty="0">
+              <a:rPr lang="ja-JP" sz="900" dirty="0">
                 <a:solidFill>
                   <a:srgbClr val="020302"/>
                 </a:solidFill>
-                <a:latin typeface="AdobeClean-Light"/>
+                <a:latin typeface="Adobe Clean Han Light" panose="020B0300000000000000" pitchFamily="34" charset="-128"/>
+                <a:ea typeface="Adobe Clean Han Light" panose="020B0300000000000000" pitchFamily="34" charset="-128"/>
                 <a:cs typeface="AdobeClean-Light"/>
               </a:rPr>
-              <a:t>Proactive review of your solution  deployment, configuration, and overall  architecture, including integrations. Align your solution and project roadmap to  mitigate risk and prepare for the future.</a:t>
+              <a:t>ソリューションのデプロイメント、設定、全体的なアーキテクチャ（統合を含む）のプロアクティブなレビューを行います。お客様のソリューションとプロジェクトロードマップを調整して、リスクを軽減し、将来に備えます。</a:t>
             </a:r>
-            <a:endParaRPr lang="en-US" sz="1000" dirty="0">
-              <a:latin typeface="AdobeClean-Light"/>
-              <a:cs typeface="AdobeClean-Light"/>
-            </a:endParaRPr>
           </a:p>
           <a:p>
             <a:pPr marL="18415" marR="262255" lvl="0">
@@ -11605,11 +10094,12 @@
                 <a:spcPts val="315"/>
               </a:spcBef>
             </a:pPr>
-            <a:endParaRPr lang="en-US" sz="1000" dirty="0">
+            <a:endParaRPr lang="en-US" sz="900" dirty="0">
               <a:solidFill>
                 <a:prstClr val="black"/>
               </a:solidFill>
-              <a:latin typeface="AdobeClean-Light"/>
+              <a:latin typeface="Adobe Clean Han Light" panose="020B0300000000000000" pitchFamily="34" charset="-128"/>
+              <a:ea typeface="Adobe Clean Han Light" panose="020B0300000000000000" pitchFamily="34" charset="-128"/>
               <a:cs typeface="AdobeClean-Light"/>
             </a:endParaRPr>
           </a:p>
@@ -11629,8 +10119,8 @@
         </p:nvSpPr>
         <p:spPr>
           <a:xfrm>
-            <a:off x="5586196" y="3849542"/>
-            <a:ext cx="1576220" cy="369332"/>
+            <a:off x="5586196" y="3973367"/>
+            <a:ext cx="1826146" cy="184666"/>
           </a:xfrm>
           <a:prstGeom prst="rect">
             <a:avLst/>
@@ -11648,22 +10138,16 @@
               </a:spcBef>
             </a:pPr>
             <a:r>
-              <a:rPr lang="en-US" sz="1200" b="1" dirty="0">
+              <a:rPr lang="ja-JP" sz="1200" b="1" dirty="0">
                 <a:solidFill>
                   <a:srgbClr val="020302"/>
                 </a:solidFill>
-                <a:latin typeface="Adobe Clean" panose="020B0503020404020204" pitchFamily="34" charset="0"/>
+                <a:latin typeface="Adobe Clean Han Regular" panose="020B0500000000000000" pitchFamily="34" charset="-128"/>
+                <a:ea typeface="Adobe Clean Han Regular" panose="020B0500000000000000" pitchFamily="34" charset="-128"/>
                 <a:cs typeface="Adobe Clean"/>
               </a:rPr>
-              <a:t>Release Preparation and Planning </a:t>
+              <a:t>リリースの準備と計画 </a:t>
             </a:r>
-            <a:endParaRPr lang="en-US" sz="1200" dirty="0">
-              <a:solidFill>
-                <a:prstClr val="black"/>
-              </a:solidFill>
-              <a:latin typeface="Adobe Clean" panose="020B0503020404020204" pitchFamily="34" charset="0"/>
-              <a:cs typeface="Adobe Clean"/>
-            </a:endParaRPr>
           </a:p>
         </p:txBody>
       </p:sp>
@@ -11682,7 +10166,7 @@
         <p:spPr>
           <a:xfrm>
             <a:off x="3131123" y="3878097"/>
-            <a:ext cx="2194560" cy="369332"/>
+            <a:ext cx="1659367" cy="338554"/>
           </a:xfrm>
           <a:prstGeom prst="rect">
             <a:avLst/>
@@ -11696,35 +10180,16 @@
           <a:p>
             <a:pPr lvl="0"/>
             <a:r>
-              <a:rPr lang="en-US" sz="1200" b="1" dirty="0">
+              <a:rPr lang="ja-JP" sz="1100" b="1" dirty="0">
                 <a:solidFill>
                   <a:srgbClr val="020302"/>
                 </a:solidFill>
-                <a:latin typeface="Adobe Clean" panose="020B0503020404020204" pitchFamily="34" charset="0"/>
+                <a:latin typeface="Adobe Clean Han Regular" panose="020B0500000000000000" pitchFamily="34" charset="-128"/>
+                <a:ea typeface="Adobe Clean Han Regular" panose="020B0500000000000000" pitchFamily="34" charset="-128"/>
                 <a:cs typeface="Adobe Clean"/>
               </a:rPr>
-              <a:t>Solution and Roadmap </a:t>
+              <a:t>ソリューションとロードマップの レビュー</a:t>
             </a:r>
-          </a:p>
-          <a:p>
-            <a:pPr lvl="0"/>
-            <a:r>
-              <a:rPr lang="en-US" sz="1200" b="1" dirty="0">
-                <a:solidFill>
-                  <a:srgbClr val="020302"/>
-                </a:solidFill>
-                <a:latin typeface="Adobe Clean" panose="020B0503020404020204" pitchFamily="34" charset="0"/>
-                <a:cs typeface="Adobe Clean"/>
-              </a:rPr>
-              <a:t>Review</a:t>
-            </a:r>
-            <a:endParaRPr lang="en-US" sz="1200" dirty="0">
-              <a:solidFill>
-                <a:prstClr val="black"/>
-              </a:solidFill>
-              <a:latin typeface="Adobe Clean" panose="020B0503020404020204" pitchFamily="34" charset="0"/>
-              <a:cs typeface="Adobe Clean"/>
-            </a:endParaRPr>
           </a:p>
         </p:txBody>
       </p:sp>
@@ -11743,7 +10208,7 @@
         <p:spPr>
           <a:xfrm>
             <a:off x="5182084" y="4238132"/>
-            <a:ext cx="2282011" cy="461665"/>
+            <a:ext cx="2282011" cy="276999"/>
           </a:xfrm>
           <a:prstGeom prst="rect">
             <a:avLst/>
@@ -11761,19 +10226,16 @@
               </a:spcBef>
             </a:pPr>
             <a:r>
-              <a:rPr lang="en-US" sz="1000" dirty="0">
+              <a:rPr lang="ja-JP" sz="900" dirty="0">
                 <a:solidFill>
                   <a:srgbClr val="020302"/>
                 </a:solidFill>
-                <a:latin typeface="AdobeClean-Light"/>
+                <a:latin typeface="Adobe Clean Han Light" panose="020B0300000000000000" pitchFamily="34" charset="-128"/>
+                <a:ea typeface="Adobe Clean Han Light" panose="020B0300000000000000" pitchFamily="34" charset="-128"/>
                 <a:cs typeface="AdobeClean-Light"/>
               </a:rPr>
-              <a:t>Benefit from tailored release information based on product configuration and use case(s). </a:t>
+              <a:t>製品構成とユースケースに基づいて調整したリリース情報を提供します。 </a:t>
             </a:r>
-            <a:endParaRPr lang="en-US" sz="1000" dirty="0">
-              <a:latin typeface="AdobeClean-Light"/>
-              <a:cs typeface="AdobeClean-Light"/>
-            </a:endParaRPr>
           </a:p>
         </p:txBody>
       </p:sp>
@@ -11828,7 +10290,10 @@
           <a:bodyPr wrap="square" lIns="0" tIns="0" rIns="0" bIns="0" rtlCol="0"/>
           <a:lstStyle/>
           <a:p>
-            <a:endParaRPr/>
+            <a:endParaRPr>
+              <a:latin typeface="Adobe Clean Han Regular" panose="020B0500000000000000" pitchFamily="34" charset="-128"/>
+              <a:ea typeface="Adobe Clean Han Regular" panose="020B0500000000000000" pitchFamily="34" charset="-128"/>
+            </a:endParaRPr>
           </a:p>
         </p:txBody>
       </p:sp>
@@ -11846,8 +10311,8 @@
         </p:nvSpPr>
         <p:spPr>
           <a:xfrm>
-            <a:off x="375777" y="4352804"/>
-            <a:ext cx="2194560" cy="615553"/>
+            <a:off x="375776" y="4352804"/>
+            <a:ext cx="2326077" cy="692497"/>
           </a:xfrm>
           <a:prstGeom prst="rect">
             <a:avLst/>
@@ -11865,10 +10330,11 @@
               </a:spcBef>
             </a:pPr>
             <a:r>
-              <a:rPr lang="en-US" sz="1000" dirty="0">
-                <a:latin typeface="Adobe Clean Light" panose="020B0303020404020204" pitchFamily="34" charset="0"/>
+              <a:rPr lang="ja-JP" sz="900" dirty="0">
+                <a:latin typeface="Adobe Clean Han Light" panose="020B0300000000000000" pitchFamily="34" charset="-128"/>
+                <a:ea typeface="Adobe Clean Han Light" panose="020B0300000000000000" pitchFamily="34" charset="-128"/>
               </a:rPr>
-              <a:t>Receive support from members of our Adobe Support Team located within your global region. This may include in-country and/or in-language support. </a:t>
+              <a:t>お住まいのグローバル地域内のアドビサポートチームのメンバーからサポートを受けることができます。国内／お客様の言語によるサポートを受けられる場合があります。 </a:t>
             </a:r>
           </a:p>
         </p:txBody>
@@ -11887,7 +10353,7 @@
         </p:nvSpPr>
         <p:spPr>
           <a:xfrm>
-            <a:off x="773188" y="4074058"/>
+            <a:off x="773188" y="4055008"/>
             <a:ext cx="2194560" cy="184666"/>
           </a:xfrm>
           <a:prstGeom prst="rect">
@@ -11906,22 +10372,16 @@
               </a:spcBef>
             </a:pPr>
             <a:r>
-              <a:rPr lang="en-US" sz="1200" b="1" dirty="0">
+              <a:rPr lang="ja-JP" sz="1200" b="1" dirty="0">
                 <a:solidFill>
                   <a:srgbClr val="020302"/>
                 </a:solidFill>
-                <a:latin typeface="Adobe Clean" panose="020B0503020404020204" pitchFamily="34" charset="0"/>
+                <a:latin typeface="Adobe Clean Han Regular" panose="020B0500000000000000" pitchFamily="34" charset="-128"/>
+                <a:ea typeface="Adobe Clean Han Regular" panose="020B0500000000000000" pitchFamily="34" charset="-128"/>
                 <a:cs typeface="Adobe Clean"/>
               </a:rPr>
-              <a:t>In-Region Support Option</a:t>
+              <a:t>地域内サポートオプション</a:t>
             </a:r>
-            <a:endParaRPr lang="en-US" sz="1200" dirty="0">
-              <a:solidFill>
-                <a:prstClr val="black"/>
-              </a:solidFill>
-              <a:latin typeface="Adobe Clean" panose="020B0503020404020204" pitchFamily="34" charset="0"/>
-              <a:cs typeface="Adobe Clean"/>
-            </a:endParaRPr>
           </a:p>
         </p:txBody>
       </p:sp>
@@ -11939,8 +10399,8 @@
         </p:nvSpPr>
         <p:spPr>
           <a:xfrm>
-            <a:off x="2682827" y="5587536"/>
-            <a:ext cx="2194560" cy="461665"/>
+            <a:off x="2749502" y="5663736"/>
+            <a:ext cx="2040988" cy="553998"/>
           </a:xfrm>
           <a:prstGeom prst="rect">
             <a:avLst/>
@@ -11958,16 +10418,13 @@
               </a:spcBef>
             </a:pPr>
             <a:r>
-              <a:rPr lang="en-US" sz="1000" dirty="0">
-                <a:latin typeface="AdobeClean-Light"/>
+              <a:rPr lang="ja-JP" sz="900" dirty="0">
+                <a:latin typeface="Adobe Clean Han Light" panose="020B0300000000000000" pitchFamily="34" charset="-128"/>
+                <a:ea typeface="Adobe Clean Han Light" panose="020B0300000000000000" pitchFamily="34" charset="-128"/>
                 <a:cs typeface="AdobeClean-Light"/>
               </a:rPr>
-              <a:t>Benefit from the partnership of an Executive Sponsor from Adobe’s Support Leadership Team. </a:t>
+              <a:t>アドビのサポートリーダーシップチームのエグゼクティブスポンサーとのパートナーシップによるメリットが得られます。 </a:t>
             </a:r>
-            <a:endParaRPr sz="1000" dirty="0">
-              <a:latin typeface="AdobeClean-Light"/>
-              <a:cs typeface="AdobeClean-Light"/>
-            </a:endParaRPr>
           </a:p>
         </p:txBody>
       </p:sp>
@@ -11986,7 +10443,7 @@
         <p:spPr>
           <a:xfrm>
             <a:off x="3112402" y="5331306"/>
-            <a:ext cx="1680344" cy="184666"/>
+            <a:ext cx="1970230" cy="184666"/>
           </a:xfrm>
           <a:prstGeom prst="rect">
             <a:avLst/>
@@ -12004,22 +10461,16 @@
               </a:spcBef>
             </a:pPr>
             <a:r>
-              <a:rPr lang="en-US" sz="1200" b="1" dirty="0">
+              <a:rPr lang="ja-JP" sz="1200" b="1" dirty="0">
                 <a:solidFill>
                   <a:srgbClr val="020302"/>
                 </a:solidFill>
-                <a:latin typeface="Adobe Clean" panose="020B0503020404020204" pitchFamily="34" charset="0"/>
+                <a:latin typeface="Adobe Clean Han Regular" panose="020B0500000000000000" pitchFamily="34" charset="-128"/>
+                <a:ea typeface="Adobe Clean Han Regular" panose="020B0500000000000000" pitchFamily="34" charset="-128"/>
                 <a:cs typeface="Adobe Clean"/>
               </a:rPr>
-              <a:t>Executive Sponsor </a:t>
+              <a:t>エグゼクティブスポンサー </a:t>
             </a:r>
-            <a:endParaRPr lang="en-US" sz="1200" dirty="0">
-              <a:solidFill>
-                <a:prstClr val="black"/>
-              </a:solidFill>
-              <a:latin typeface="Adobe Clean" panose="020B0503020404020204" pitchFamily="34" charset="0"/>
-              <a:cs typeface="Adobe Clean"/>
-            </a:endParaRPr>
           </a:p>
         </p:txBody>
       </p:sp>
@@ -12705,7 +11156,7 @@
         <p:spPr>
           <a:xfrm>
             <a:off x="97788" y="9857050"/>
-            <a:ext cx="2245360" cy="133370"/>
+            <a:ext cx="2831734" cy="133370"/>
           </a:xfrm>
           <a:prstGeom prst="rect">
             <a:avLst/>
@@ -12817,36 +11268,11 @@
               </a:spcBef>
             </a:pPr>
             <a:r>
-              <a:rPr lang="en-US" spc="-10" dirty="0"/>
-              <a:t>©202</a:t>
-            </a:r>
-            <a:r>
-              <a:rPr lang="en-US" spc="-5" dirty="0"/>
-              <a:t>2 Adobe. All</a:t>
-            </a:r>
-            <a:r>
-              <a:rPr lang="en-US" spc="-10" dirty="0"/>
-              <a:t> Rights</a:t>
-            </a:r>
-            <a:r>
-              <a:rPr lang="en-US" spc="-5" dirty="0"/>
-              <a:t> </a:t>
-            </a:r>
-            <a:r>
-              <a:rPr lang="en-US" spc="-10" dirty="0"/>
-              <a:t>Reserved.</a:t>
-            </a:r>
-            <a:r>
-              <a:rPr lang="en-US" spc="-5" dirty="0"/>
-              <a:t> Adobe</a:t>
-            </a:r>
-            <a:r>
-              <a:rPr lang="en-US" spc="60" dirty="0"/>
-              <a:t> </a:t>
-            </a:r>
-            <a:r>
-              <a:rPr lang="en-US" spc="-10" dirty="0"/>
-              <a:t>Confidential.</a:t>
+              <a:rPr lang="ja-JP" dirty="0">
+                <a:latin typeface="Adobe Clean Han Regular" panose="020B0500000000000000" pitchFamily="34" charset="-128"/>
+                <a:ea typeface="Adobe Clean Han Regular" panose="020B0500000000000000" pitchFamily="34" charset="-128"/>
+              </a:rPr>
+              <a:t>©2022 Adobe.All Rights Reserved.Adobe Confidential.</a:t>
             </a:r>
           </a:p>
         </p:txBody>
@@ -12908,49 +11334,16 @@
               </a:lnSpc>
             </a:pPr>
             <a:r>
-              <a:rPr sz="500" spc="-5">
+              <a:rPr lang="ja-JP" sz="500">
                 <a:solidFill>
                   <a:srgbClr val="6C6C6C"/>
                 </a:solidFill>
-                <a:latin typeface="Adobe Clean"/>
+                <a:latin typeface="Adobe Clean Han Regular" panose="020B0500000000000000" pitchFamily="34" charset="-128"/>
+                <a:ea typeface="Adobe Clean Han Regular" panose="020B0500000000000000" pitchFamily="34" charset="-128"/>
                 <a:cs typeface="Adobe Clean"/>
               </a:rPr>
-              <a:t>©2020 Adobe. All Rights Reserved. </a:t>
+              <a:t>©2020 Adobe.All Rights Reserved.Adobe Confidential.</a:t>
             </a:r>
-            <a:r>
-              <a:rPr sz="500">
-                <a:solidFill>
-                  <a:srgbClr val="6C6C6C"/>
-                </a:solidFill>
-                <a:latin typeface="Adobe Clean"/>
-                <a:cs typeface="Adobe Clean"/>
-              </a:rPr>
-              <a:t>Adobe</a:t>
-            </a:r>
-            <a:r>
-              <a:rPr sz="500" spc="5">
-                <a:solidFill>
-                  <a:srgbClr val="6C6C6C"/>
-                </a:solidFill>
-                <a:latin typeface="Adobe Clean"/>
-                <a:cs typeface="Adobe Clean"/>
-              </a:rPr>
-              <a:t> </a:t>
-            </a:r>
-            <a:r>
-              <a:rPr sz="500" spc="-5">
-                <a:solidFill>
-                  <a:srgbClr val="6C6C6C"/>
-                </a:solidFill>
-                <a:latin typeface="Adobe Clean"/>
-                <a:cs typeface="Adobe Clean"/>
-              </a:rPr>
-              <a:t>Confidential.</a:t>
-            </a:r>
-            <a:endParaRPr sz="500">
-              <a:latin typeface="Adobe Clean"/>
-              <a:cs typeface="Adobe Clean"/>
-            </a:endParaRPr>
           </a:p>
           <a:p>
             <a:pPr>
@@ -12962,7 +11355,8 @@
               </a:spcBef>
             </a:pPr>
             <a:endParaRPr sz="800">
-              <a:latin typeface="Adobe Clean"/>
+              <a:latin typeface="Adobe Clean Han Regular" panose="020B0500000000000000" pitchFamily="34" charset="-128"/>
+              <a:ea typeface="Adobe Clean Han Regular" panose="020B0500000000000000" pitchFamily="34" charset="-128"/>
               <a:cs typeface="Adobe Clean"/>
             </a:endParaRPr>
           </a:p>
@@ -12976,39 +11370,16 @@
               </a:spcBef>
             </a:pPr>
             <a:r>
-              <a:rPr sz="800" spc="-5">
+              <a:rPr lang="ja-JP" sz="800">
                 <a:solidFill>
                   <a:srgbClr val="6D6D6D"/>
                 </a:solidFill>
-                <a:latin typeface="Adobe Clean"/>
+                <a:latin typeface="Adobe Clean Han Regular" panose="020B0500000000000000" pitchFamily="34" charset="-128"/>
+                <a:ea typeface="Adobe Clean Han Regular" panose="020B0500000000000000" pitchFamily="34" charset="-128"/>
                 <a:cs typeface="Adobe Clean"/>
               </a:rPr>
-              <a:t>©2020 Adobe. All Rights Reserved. Adobe</a:t>
+              <a:t>©2020 Adobe.All Rights Reserved.Adobe Confidential.</a:t>
             </a:r>
-            <a:r>
-              <a:rPr sz="800" spc="75">
-                <a:solidFill>
-                  <a:srgbClr val="6D6D6D"/>
-                </a:solidFill>
-                <a:latin typeface="Adobe Clean"/>
-                <a:cs typeface="Adobe Clean"/>
-              </a:rPr>
-              <a:t> </a:t>
-            </a:r>
-            <a:r>
-              <a:rPr sz="800" spc="-5">
-                <a:solidFill>
-                  <a:srgbClr val="6D6D6D"/>
-                </a:solidFill>
-                <a:latin typeface="Adobe Clean"/>
-                <a:cs typeface="Adobe Clean"/>
-              </a:rPr>
-              <a:t>Confidential.</a:t>
-            </a:r>
-            <a:endParaRPr sz="800">
-              <a:latin typeface="Adobe Clean"/>
-              <a:cs typeface="Adobe Clean"/>
-            </a:endParaRPr>
           </a:p>
         </p:txBody>
       </p:sp>
@@ -13058,7 +11429,10 @@
           <a:bodyPr wrap="square" lIns="0" tIns="0" rIns="0" bIns="0" rtlCol="0"/>
           <a:lstStyle/>
           <a:p>
-            <a:endParaRPr/>
+            <a:endParaRPr>
+              <a:latin typeface="Adobe Clean Han Regular" panose="020B0500000000000000" pitchFamily="34" charset="-128"/>
+              <a:ea typeface="Adobe Clean Han Regular" panose="020B0500000000000000" pitchFamily="34" charset="-128"/>
+            </a:endParaRPr>
           </a:p>
         </p:txBody>
       </p:sp>
@@ -13092,19 +11466,16 @@
               </a:spcBef>
             </a:pPr>
             <a:r>
-              <a:rPr lang="en-US" sz="1400" b="1" spc="-15">
+              <a:rPr lang="ja-JP" sz="1400" b="1">
                 <a:solidFill>
                   <a:srgbClr val="020302"/>
                 </a:solidFill>
-                <a:latin typeface="Adobe Clean"/>
+                <a:latin typeface="Adobe Clean Han Regular" panose="020B0500000000000000" pitchFamily="34" charset="-128"/>
+                <a:ea typeface="Adobe Clean Han Regular" panose="020B0500000000000000" pitchFamily="34" charset="-128"/>
                 <a:cs typeface="Adobe Clean"/>
               </a:rPr>
-              <a:t>Resources</a:t>
+              <a:t>リソース</a:t>
             </a:r>
-            <a:endParaRPr sz="1400">
-              <a:latin typeface="Adobe Clean"/>
-              <a:cs typeface="Adobe Clean"/>
-            </a:endParaRPr>
           </a:p>
         </p:txBody>
       </p:sp>
@@ -13117,7 +11488,7 @@
         <p:spPr>
           <a:xfrm>
             <a:off x="6754821" y="9283729"/>
-            <a:ext cx="930275" cy="662305"/>
+            <a:ext cx="930275" cy="758541"/>
           </a:xfrm>
           <a:prstGeom prst="rect">
             <a:avLst/>
@@ -13138,19 +11509,16 @@
               </a:spcBef>
             </a:pPr>
             <a:r>
-              <a:rPr sz="800" spc="-15">
+              <a:rPr lang="ja-JP" sz="800">
                 <a:solidFill>
                   <a:srgbClr val="777879"/>
                 </a:solidFill>
-                <a:latin typeface="Adobe Clean"/>
+                <a:latin typeface="Adobe Clean Han Regular" panose="020B0500000000000000" pitchFamily="34" charset="-128"/>
+                <a:ea typeface="Adobe Clean Han Regular" panose="020B0500000000000000" pitchFamily="34" charset="-128"/>
                 <a:cs typeface="Adobe Clean"/>
               </a:rPr>
               <a:t>Adobe</a:t>
             </a:r>
-            <a:endParaRPr sz="800">
-              <a:latin typeface="Adobe Clean"/>
-              <a:cs typeface="Adobe Clean"/>
-            </a:endParaRPr>
           </a:p>
           <a:p>
             <a:pPr marL="12700">
@@ -13159,39 +11527,16 @@
               </a:lnSpc>
             </a:pPr>
             <a:r>
-              <a:rPr sz="800" spc="-15">
+              <a:rPr lang="ja-JP" sz="800">
                 <a:solidFill>
                   <a:srgbClr val="777879"/>
                 </a:solidFill>
-                <a:latin typeface="Adobe Clean"/>
+                <a:latin typeface="Adobe Clean Han Regular" panose="020B0500000000000000" pitchFamily="34" charset="-128"/>
+                <a:ea typeface="Adobe Clean Han Regular" panose="020B0500000000000000" pitchFamily="34" charset="-128"/>
                 <a:cs typeface="Adobe Clean"/>
               </a:rPr>
-              <a:t>345 Park</a:t>
+              <a:t>345 Park Avenue</a:t>
             </a:r>
-            <a:r>
-              <a:rPr sz="800" spc="-100">
-                <a:solidFill>
-                  <a:srgbClr val="777879"/>
-                </a:solidFill>
-                <a:latin typeface="Adobe Clean"/>
-                <a:cs typeface="Adobe Clean"/>
-              </a:rPr>
-              <a:t> </a:t>
-            </a:r>
-            <a:r>
-              <a:rPr sz="800" spc="-15">
-                <a:solidFill>
-                  <a:srgbClr val="777879"/>
-                </a:solidFill>
-                <a:latin typeface="Adobe Clean"/>
-                <a:cs typeface="Adobe Clean"/>
-              </a:rPr>
-              <a:t>Avenue</a:t>
-            </a:r>
-            <a:endParaRPr sz="800">
-              <a:latin typeface="Adobe Clean"/>
-              <a:cs typeface="Adobe Clean"/>
-            </a:endParaRPr>
           </a:p>
           <a:p>
             <a:pPr marL="12700">
@@ -13200,49 +11545,16 @@
               </a:lnSpc>
             </a:pPr>
             <a:r>
-              <a:rPr sz="800" spc="-10">
+              <a:rPr lang="ja-JP" sz="800">
                 <a:solidFill>
                   <a:srgbClr val="777879"/>
                 </a:solidFill>
-                <a:latin typeface="Adobe Clean"/>
+                <a:latin typeface="Adobe Clean Han Regular" panose="020B0500000000000000" pitchFamily="34" charset="-128"/>
+                <a:ea typeface="Adobe Clean Han Regular" panose="020B0500000000000000" pitchFamily="34" charset="-128"/>
                 <a:cs typeface="Adobe Clean"/>
               </a:rPr>
-              <a:t>San </a:t>
+              <a:t>San Jose, CA95110-2704</a:t>
             </a:r>
-            <a:r>
-              <a:rPr sz="800" spc="-15">
-                <a:solidFill>
-                  <a:srgbClr val="777879"/>
-                </a:solidFill>
-                <a:latin typeface="Adobe Clean"/>
-                <a:cs typeface="Adobe Clean"/>
-              </a:rPr>
-              <a:t>Jose,</a:t>
-            </a:r>
-            <a:r>
-              <a:rPr sz="800" spc="-140">
-                <a:solidFill>
-                  <a:srgbClr val="777879"/>
-                </a:solidFill>
-                <a:latin typeface="Adobe Clean"/>
-                <a:cs typeface="Adobe Clean"/>
-              </a:rPr>
-              <a:t> </a:t>
-            </a:r>
-            <a:r>
-              <a:rPr sz="800" spc="-20">
-                <a:solidFill>
-                  <a:srgbClr val="777879"/>
-                </a:solidFill>
-                <a:latin typeface="Adobe Clean"/>
-                <a:cs typeface="Adobe Clean"/>
-              </a:rPr>
-              <a:t>CA95110-2704</a:t>
-            </a:r>
-            <a:endParaRPr sz="800">
-              <a:latin typeface="Adobe Clean"/>
-              <a:cs typeface="Adobe Clean"/>
-            </a:endParaRPr>
           </a:p>
           <a:p>
             <a:pPr marL="12700">
@@ -13254,19 +11566,16 @@
               </a:spcBef>
             </a:pPr>
             <a:r>
-              <a:rPr sz="800" spc="-10">
+              <a:rPr lang="ja-JP" sz="800">
                 <a:solidFill>
                   <a:srgbClr val="777879"/>
                 </a:solidFill>
-                <a:latin typeface="Adobe Clean"/>
+                <a:latin typeface="Adobe Clean Han Regular" panose="020B0500000000000000" pitchFamily="34" charset="-128"/>
+                <a:ea typeface="Adobe Clean Han Regular" panose="020B0500000000000000" pitchFamily="34" charset="-128"/>
                 <a:cs typeface="Adobe Clean"/>
               </a:rPr>
               <a:t>USA</a:t>
             </a:r>
-            <a:endParaRPr sz="800">
-              <a:latin typeface="Adobe Clean"/>
-              <a:cs typeface="Adobe Clean"/>
-            </a:endParaRPr>
           </a:p>
           <a:p>
             <a:pPr marL="12700">
@@ -13278,7 +11587,7 @@
               </a:spcBef>
             </a:pPr>
             <a:r>
-              <a:rPr sz="800" u="sng" spc="-25">
+              <a:rPr lang="ja-JP" sz="800" u="sng">
                 <a:solidFill>
                   <a:srgbClr val="5F5F5F"/>
                 </a:solidFill>
@@ -13287,16 +11596,13 @@
                     <a:srgbClr val="0000FF"/>
                   </a:solidFill>
                 </a:uFill>
-                <a:latin typeface="Adobe Clean"/>
+                <a:latin typeface="Adobe Clean Han Regular" panose="020B0500000000000000" pitchFamily="34" charset="-128"/>
+                <a:ea typeface="Adobe Clean Han Regular" panose="020B0500000000000000" pitchFamily="34" charset="-128"/>
                 <a:cs typeface="Adobe Clean"/>
                 <a:hlinkClick r:id="rId3"/>
               </a:rPr>
               <a:t>www.adobe.com</a:t>
             </a:r>
-            <a:endParaRPr sz="800">
-              <a:latin typeface="Adobe Clean"/>
-              <a:cs typeface="Adobe Clean"/>
-            </a:endParaRPr>
           </a:p>
         </p:txBody>
       </p:sp>
@@ -13325,7 +11631,10 @@
           <a:bodyPr wrap="square" lIns="0" tIns="0" rIns="0" bIns="0" rtlCol="0"/>
           <a:lstStyle/>
           <a:p>
-            <a:endParaRPr/>
+            <a:endParaRPr>
+              <a:latin typeface="Adobe Clean Han Regular" panose="020B0500000000000000" pitchFamily="34" charset="-128"/>
+              <a:ea typeface="Adobe Clean Han Regular" panose="020B0500000000000000" pitchFamily="34" charset="-128"/>
+            </a:endParaRPr>
           </a:p>
         </p:txBody>
       </p:sp>
@@ -13408,7 +11717,10 @@
           <a:bodyPr wrap="square" lIns="0" tIns="0" rIns="0" bIns="0" rtlCol="0"/>
           <a:lstStyle/>
           <a:p>
-            <a:endParaRPr/>
+            <a:endParaRPr>
+              <a:latin typeface="Adobe Clean Han Regular" panose="020B0500000000000000" pitchFamily="34" charset="-128"/>
+              <a:ea typeface="Adobe Clean Han Regular" panose="020B0500000000000000" pitchFamily="34" charset="-128"/>
+            </a:endParaRPr>
           </a:p>
         </p:txBody>
       </p:sp>
@@ -13437,7 +11749,10 @@
           <a:bodyPr wrap="square" lIns="0" tIns="0" rIns="0" bIns="0" rtlCol="0"/>
           <a:lstStyle/>
           <a:p>
-            <a:endParaRPr/>
+            <a:endParaRPr>
+              <a:latin typeface="Adobe Clean Han Regular" panose="020B0500000000000000" pitchFamily="34" charset="-128"/>
+              <a:ea typeface="Adobe Clean Han Regular" panose="020B0500000000000000" pitchFamily="34" charset="-128"/>
+            </a:endParaRPr>
           </a:p>
         </p:txBody>
       </p:sp>
@@ -13449,8 +11764,8 @@
         </p:nvSpPr>
         <p:spPr>
           <a:xfrm>
-            <a:off x="75947" y="9437110"/>
-            <a:ext cx="5466715" cy="570865"/>
+            <a:off x="75947" y="9275185"/>
+            <a:ext cx="5029453" cy="717504"/>
           </a:xfrm>
           <a:prstGeom prst="rect">
             <a:avLst/>
@@ -13471,439 +11786,16 @@
               </a:spcBef>
             </a:pPr>
             <a:r>
-              <a:rPr sz="1100" i="1" spc="-10" dirty="0">
+              <a:rPr lang="ja-JP" sz="1100" i="1" dirty="0">
                 <a:solidFill>
                   <a:srgbClr val="777879"/>
                 </a:solidFill>
-                <a:latin typeface="AdobeClean-LightIt"/>
+                <a:latin typeface="Adobe Clean Han Regular" panose="020B0500000000000000" pitchFamily="34" charset="-128"/>
+                <a:ea typeface="Adobe Clean Han Regular" panose="020B0500000000000000" pitchFamily="34" charset="-128"/>
                 <a:cs typeface="AdobeClean-LightIt"/>
               </a:rPr>
-              <a:t>To</a:t>
+              <a:t>アドビサポートのサービスやお客様に最適なレベルについて詳しくは、専任アカウントマネージャー（NAM）またはカスタマーサクセスマネージャー（CSM）にお問い合わせください。</a:t>
             </a:r>
-            <a:r>
-              <a:rPr sz="1100" i="1" spc="-50" dirty="0">
-                <a:solidFill>
-                  <a:srgbClr val="777879"/>
-                </a:solidFill>
-                <a:latin typeface="AdobeClean-LightIt"/>
-                <a:cs typeface="AdobeClean-LightIt"/>
-              </a:rPr>
-              <a:t> </a:t>
-            </a:r>
-            <a:r>
-              <a:rPr sz="1100" i="1" spc="-15" dirty="0">
-                <a:solidFill>
-                  <a:srgbClr val="777879"/>
-                </a:solidFill>
-                <a:latin typeface="AdobeClean-LightIt"/>
-                <a:cs typeface="AdobeClean-LightIt"/>
-              </a:rPr>
-              <a:t>learn</a:t>
-            </a:r>
-            <a:r>
-              <a:rPr sz="1100" i="1" spc="-40" dirty="0">
-                <a:solidFill>
-                  <a:srgbClr val="777879"/>
-                </a:solidFill>
-                <a:latin typeface="AdobeClean-LightIt"/>
-                <a:cs typeface="AdobeClean-LightIt"/>
-              </a:rPr>
-              <a:t> </a:t>
-            </a:r>
-            <a:r>
-              <a:rPr sz="1100" i="1" spc="-15" dirty="0">
-                <a:solidFill>
-                  <a:srgbClr val="777879"/>
-                </a:solidFill>
-                <a:latin typeface="AdobeClean-LightIt"/>
-                <a:cs typeface="AdobeClean-LightIt"/>
-              </a:rPr>
-              <a:t>more</a:t>
-            </a:r>
-            <a:r>
-              <a:rPr sz="1100" i="1" spc="-45" dirty="0">
-                <a:solidFill>
-                  <a:srgbClr val="777879"/>
-                </a:solidFill>
-                <a:latin typeface="AdobeClean-LightIt"/>
-                <a:cs typeface="AdobeClean-LightIt"/>
-              </a:rPr>
-              <a:t> </a:t>
-            </a:r>
-            <a:r>
-              <a:rPr sz="1100" i="1" spc="-15" dirty="0">
-                <a:solidFill>
-                  <a:srgbClr val="777879"/>
-                </a:solidFill>
-                <a:latin typeface="AdobeClean-LightIt"/>
-                <a:cs typeface="AdobeClean-LightIt"/>
-              </a:rPr>
-              <a:t>about</a:t>
-            </a:r>
-            <a:r>
-              <a:rPr sz="1100" i="1" spc="-45" dirty="0">
-                <a:solidFill>
-                  <a:srgbClr val="777879"/>
-                </a:solidFill>
-                <a:latin typeface="AdobeClean-LightIt"/>
-                <a:cs typeface="AdobeClean-LightIt"/>
-              </a:rPr>
-              <a:t> </a:t>
-            </a:r>
-            <a:r>
-              <a:rPr sz="1100" i="1" spc="-15" dirty="0">
-                <a:solidFill>
-                  <a:srgbClr val="777879"/>
-                </a:solidFill>
-                <a:latin typeface="AdobeClean-LightIt"/>
-                <a:cs typeface="AdobeClean-LightIt"/>
-              </a:rPr>
-              <a:t>Adobe</a:t>
-            </a:r>
-            <a:r>
-              <a:rPr sz="1100" i="1" spc="-60" dirty="0">
-                <a:solidFill>
-                  <a:srgbClr val="777879"/>
-                </a:solidFill>
-                <a:latin typeface="AdobeClean-LightIt"/>
-                <a:cs typeface="AdobeClean-LightIt"/>
-              </a:rPr>
-              <a:t> </a:t>
-            </a:r>
-            <a:r>
-              <a:rPr sz="1100" i="1" spc="-15" dirty="0">
-                <a:solidFill>
-                  <a:srgbClr val="777879"/>
-                </a:solidFill>
-                <a:latin typeface="AdobeClean-LightIt"/>
-                <a:cs typeface="AdobeClean-LightIt"/>
-              </a:rPr>
-              <a:t>Support</a:t>
-            </a:r>
-            <a:r>
-              <a:rPr lang="en-US" sz="1100" i="1" spc="-15" dirty="0">
-                <a:solidFill>
-                  <a:srgbClr val="777879"/>
-                </a:solidFill>
-                <a:latin typeface="AdobeClean-LightIt"/>
-                <a:cs typeface="AdobeClean-LightIt"/>
-              </a:rPr>
-              <a:t> Offerings</a:t>
-            </a:r>
-            <a:r>
-              <a:rPr sz="1100" i="1" spc="-75" dirty="0">
-                <a:solidFill>
-                  <a:srgbClr val="777879"/>
-                </a:solidFill>
-                <a:latin typeface="AdobeClean-LightIt"/>
-                <a:cs typeface="AdobeClean-LightIt"/>
-              </a:rPr>
-              <a:t> </a:t>
-            </a:r>
-            <a:r>
-              <a:rPr sz="1100" i="1" spc="-15" dirty="0">
-                <a:solidFill>
-                  <a:srgbClr val="777879"/>
-                </a:solidFill>
-                <a:latin typeface="AdobeClean-LightIt"/>
-                <a:cs typeface="AdobeClean-LightIt"/>
-              </a:rPr>
-              <a:t>and</a:t>
-            </a:r>
-            <a:r>
-              <a:rPr sz="1100" i="1" spc="-50" dirty="0">
-                <a:solidFill>
-                  <a:srgbClr val="777879"/>
-                </a:solidFill>
-                <a:latin typeface="AdobeClean-LightIt"/>
-                <a:cs typeface="AdobeClean-LightIt"/>
-              </a:rPr>
-              <a:t> </a:t>
-            </a:r>
-            <a:r>
-              <a:rPr sz="1100" i="1" spc="-15" dirty="0">
-                <a:solidFill>
-                  <a:srgbClr val="777879"/>
-                </a:solidFill>
-                <a:latin typeface="AdobeClean-LightIt"/>
-                <a:cs typeface="AdobeClean-LightIt"/>
-              </a:rPr>
-              <a:t>the</a:t>
-            </a:r>
-            <a:r>
-              <a:rPr sz="1100" i="1" spc="-55" dirty="0">
-                <a:solidFill>
-                  <a:srgbClr val="777879"/>
-                </a:solidFill>
-                <a:latin typeface="AdobeClean-LightIt"/>
-                <a:cs typeface="AdobeClean-LightIt"/>
-              </a:rPr>
-              <a:t> </a:t>
-            </a:r>
-            <a:r>
-              <a:rPr sz="1100" i="1" spc="-15" dirty="0">
-                <a:solidFill>
-                  <a:srgbClr val="777879"/>
-                </a:solidFill>
-                <a:latin typeface="AdobeClean-LightIt"/>
-                <a:cs typeface="AdobeClean-LightIt"/>
-              </a:rPr>
-              <a:t>right</a:t>
-            </a:r>
-            <a:r>
-              <a:rPr sz="1100" i="1" spc="-95" dirty="0">
-                <a:solidFill>
-                  <a:srgbClr val="777879"/>
-                </a:solidFill>
-                <a:latin typeface="AdobeClean-LightIt"/>
-                <a:cs typeface="AdobeClean-LightIt"/>
-              </a:rPr>
-              <a:t> </a:t>
-            </a:r>
-            <a:r>
-              <a:rPr sz="1100" i="1" spc="-15" dirty="0">
-                <a:solidFill>
-                  <a:srgbClr val="777879"/>
-                </a:solidFill>
-                <a:latin typeface="AdobeClean-LightIt"/>
-                <a:cs typeface="AdobeClean-LightIt"/>
-              </a:rPr>
-              <a:t>level</a:t>
-            </a:r>
-            <a:r>
-              <a:rPr sz="1100" i="1" spc="-55" dirty="0">
-                <a:solidFill>
-                  <a:srgbClr val="777879"/>
-                </a:solidFill>
-                <a:latin typeface="AdobeClean-LightIt"/>
-                <a:cs typeface="AdobeClean-LightIt"/>
-              </a:rPr>
-              <a:t> </a:t>
-            </a:r>
-            <a:r>
-              <a:rPr sz="1100" i="1" spc="-15" dirty="0">
-                <a:solidFill>
-                  <a:srgbClr val="777879"/>
-                </a:solidFill>
-                <a:latin typeface="AdobeClean-LightIt"/>
-                <a:cs typeface="AdobeClean-LightIt"/>
-              </a:rPr>
-              <a:t>for</a:t>
-            </a:r>
-            <a:r>
-              <a:rPr sz="1100" i="1" spc="-85" dirty="0">
-                <a:solidFill>
-                  <a:srgbClr val="777879"/>
-                </a:solidFill>
-                <a:latin typeface="AdobeClean-LightIt"/>
-                <a:cs typeface="AdobeClean-LightIt"/>
-              </a:rPr>
-              <a:t> </a:t>
-            </a:r>
-            <a:r>
-              <a:rPr sz="1100" i="1" spc="-15" dirty="0">
-                <a:solidFill>
-                  <a:srgbClr val="777879"/>
-                </a:solidFill>
-                <a:latin typeface="AdobeClean-LightIt"/>
-                <a:cs typeface="AdobeClean-LightIt"/>
-              </a:rPr>
-              <a:t>you,</a:t>
-            </a:r>
-            <a:r>
-              <a:rPr sz="1100" i="1" spc="-65" dirty="0">
-                <a:solidFill>
-                  <a:srgbClr val="777879"/>
-                </a:solidFill>
-                <a:latin typeface="AdobeClean-LightIt"/>
-                <a:cs typeface="AdobeClean-LightIt"/>
-              </a:rPr>
-              <a:t> </a:t>
-            </a:r>
-            <a:r>
-              <a:rPr sz="1100" i="1" spc="-15" dirty="0">
-                <a:solidFill>
-                  <a:srgbClr val="777879"/>
-                </a:solidFill>
-                <a:latin typeface="AdobeClean-LightIt"/>
-                <a:cs typeface="AdobeClean-LightIt"/>
-              </a:rPr>
-              <a:t>contact</a:t>
-            </a:r>
-            <a:r>
-              <a:rPr sz="1100" i="1" spc="-85" dirty="0">
-                <a:solidFill>
-                  <a:srgbClr val="777879"/>
-                </a:solidFill>
-                <a:latin typeface="AdobeClean-LightIt"/>
-                <a:cs typeface="AdobeClean-LightIt"/>
-              </a:rPr>
-              <a:t> </a:t>
-            </a:r>
-            <a:r>
-              <a:rPr sz="1100" i="1" spc="-15" dirty="0">
-                <a:solidFill>
-                  <a:srgbClr val="777879"/>
-                </a:solidFill>
-                <a:latin typeface="AdobeClean-LightIt"/>
-                <a:cs typeface="AdobeClean-LightIt"/>
-              </a:rPr>
-              <a:t>your</a:t>
-            </a:r>
-            <a:r>
-              <a:rPr sz="1100" i="1" spc="-70" dirty="0">
-                <a:solidFill>
-                  <a:srgbClr val="777879"/>
-                </a:solidFill>
-                <a:latin typeface="AdobeClean-LightIt"/>
-                <a:cs typeface="AdobeClean-LightIt"/>
-              </a:rPr>
-              <a:t> </a:t>
-            </a:r>
-            <a:r>
-              <a:rPr sz="1100" i="1" spc="-15" dirty="0">
-                <a:solidFill>
-                  <a:srgbClr val="777879"/>
-                </a:solidFill>
-                <a:latin typeface="AdobeClean-LightIt"/>
-                <a:cs typeface="AdobeClean-LightIt"/>
-              </a:rPr>
-              <a:t>Named</a:t>
-            </a:r>
-            <a:r>
-              <a:rPr sz="1100" i="1" spc="-55" dirty="0">
-                <a:solidFill>
-                  <a:srgbClr val="777879"/>
-                </a:solidFill>
-                <a:latin typeface="AdobeClean-LightIt"/>
-                <a:cs typeface="AdobeClean-LightIt"/>
-              </a:rPr>
-              <a:t> </a:t>
-            </a:r>
-            <a:r>
-              <a:rPr sz="1100" i="1" spc="-25" dirty="0">
-                <a:solidFill>
-                  <a:srgbClr val="777879"/>
-                </a:solidFill>
-                <a:latin typeface="AdobeClean-LightIt"/>
-                <a:cs typeface="AdobeClean-LightIt"/>
-              </a:rPr>
-              <a:t>Account</a:t>
-            </a:r>
-            <a:r>
-              <a:rPr sz="1100" i="1" spc="-120" dirty="0">
-                <a:solidFill>
-                  <a:srgbClr val="777879"/>
-                </a:solidFill>
-                <a:latin typeface="AdobeClean-LightIt"/>
-                <a:cs typeface="AdobeClean-LightIt"/>
-              </a:rPr>
-              <a:t> </a:t>
-            </a:r>
-            <a:r>
-              <a:rPr sz="1100" i="1" spc="-20" dirty="0">
-                <a:solidFill>
-                  <a:srgbClr val="777879"/>
-                </a:solidFill>
-                <a:latin typeface="AdobeClean-LightIt"/>
-                <a:cs typeface="AdobeClean-LightIt"/>
-              </a:rPr>
-              <a:t>Manager </a:t>
-            </a:r>
-            <a:r>
-              <a:rPr sz="1100" i="1" spc="-15" dirty="0">
-                <a:solidFill>
-                  <a:srgbClr val="777879"/>
-                </a:solidFill>
-                <a:latin typeface="AdobeClean-LightIt"/>
-                <a:cs typeface="AdobeClean-LightIt"/>
-              </a:rPr>
-              <a:t>(NAM) </a:t>
-            </a:r>
-            <a:r>
-              <a:rPr sz="1100" i="1" spc="-10" dirty="0">
-                <a:solidFill>
-                  <a:srgbClr val="777879"/>
-                </a:solidFill>
-                <a:latin typeface="AdobeClean-LightIt"/>
-                <a:cs typeface="AdobeClean-LightIt"/>
-              </a:rPr>
-              <a:t>or </a:t>
-            </a:r>
-            <a:r>
-              <a:rPr sz="1100" i="1" spc="-15" dirty="0">
-                <a:solidFill>
-                  <a:srgbClr val="777879"/>
-                </a:solidFill>
-                <a:latin typeface="AdobeClean-LightIt"/>
-                <a:cs typeface="AdobeClean-LightIt"/>
-              </a:rPr>
-              <a:t>Customer </a:t>
-            </a:r>
-            <a:r>
-              <a:rPr sz="1100" i="1" spc="-20" dirty="0">
-                <a:solidFill>
-                  <a:srgbClr val="777879"/>
-                </a:solidFill>
-                <a:latin typeface="AdobeClean-LightIt"/>
-                <a:cs typeface="AdobeClean-LightIt"/>
-              </a:rPr>
-              <a:t>Success</a:t>
-            </a:r>
-            <a:r>
-              <a:rPr sz="1100" i="1" spc="-180" dirty="0">
-                <a:solidFill>
-                  <a:srgbClr val="777879"/>
-                </a:solidFill>
-                <a:latin typeface="AdobeClean-LightIt"/>
-                <a:cs typeface="AdobeClean-LightIt"/>
-              </a:rPr>
-              <a:t> </a:t>
-            </a:r>
-            <a:r>
-              <a:rPr sz="1100" i="1" spc="-15" dirty="0">
-                <a:solidFill>
-                  <a:srgbClr val="777879"/>
-                </a:solidFill>
-                <a:latin typeface="AdobeClean-LightIt"/>
-                <a:cs typeface="AdobeClean-LightIt"/>
-              </a:rPr>
-              <a:t>Manager</a:t>
-            </a:r>
-            <a:r>
-              <a:rPr lang="en-US" sz="1100" i="1" spc="-15" dirty="0">
-                <a:solidFill>
-                  <a:srgbClr val="777879"/>
-                </a:solidFill>
-                <a:latin typeface="AdobeClean-LightIt"/>
-                <a:cs typeface="AdobeClean-LightIt"/>
-              </a:rPr>
-              <a:t> </a:t>
-            </a:r>
-            <a:r>
-              <a:rPr sz="1100" i="1" spc="-15" dirty="0">
-                <a:solidFill>
-                  <a:srgbClr val="777879"/>
-                </a:solidFill>
-                <a:latin typeface="AdobeClean-LightIt"/>
-                <a:cs typeface="AdobeClean-LightIt"/>
-              </a:rPr>
-              <a:t>(CSM)</a:t>
-            </a:r>
-            <a:r>
-              <a:rPr lang="en-US" sz="1100" i="1" spc="-15" dirty="0">
-                <a:solidFill>
-                  <a:srgbClr val="777879"/>
-                </a:solidFill>
-                <a:latin typeface="AdobeClean-LightIt"/>
-                <a:cs typeface="AdobeClean-LightIt"/>
-              </a:rPr>
-              <a:t>.</a:t>
-            </a:r>
-            <a:endParaRPr sz="1100" dirty="0">
-              <a:latin typeface="AdobeClean-LightIt"/>
-              <a:cs typeface="AdobeClean-LightIt"/>
-            </a:endParaRPr>
           </a:p>
           <a:p>
             <a:pPr marL="34290">
@@ -13915,59 +11807,16 @@
               </a:spcBef>
             </a:pPr>
             <a:r>
-              <a:rPr sz="800" spc="-5" dirty="0">
+              <a:rPr lang="ja-JP" sz="800" dirty="0">
                 <a:solidFill>
                   <a:srgbClr val="6D6D6D"/>
                 </a:solidFill>
-                <a:latin typeface="Adobe Clean"/>
+                <a:latin typeface="Adobe Clean Han Regular" panose="020B0500000000000000" pitchFamily="34" charset="-128"/>
+                <a:ea typeface="Adobe Clean Han Regular" panose="020B0500000000000000" pitchFamily="34" charset="-128"/>
                 <a:cs typeface="Adobe Clean"/>
               </a:rPr>
-              <a:t>©202</a:t>
+              <a:t>©2022 Adobe.All Rights Reserved.Adobe Confidential.</a:t>
             </a:r>
-            <a:r>
-              <a:rPr lang="en-US" sz="800" spc="-5" dirty="0">
-                <a:solidFill>
-                  <a:srgbClr val="6D6D6D"/>
-                </a:solidFill>
-                <a:latin typeface="Adobe Clean"/>
-                <a:cs typeface="Adobe Clean"/>
-              </a:rPr>
-              <a:t>2</a:t>
-            </a:r>
-            <a:r>
-              <a:rPr sz="800" spc="-5" dirty="0">
-                <a:solidFill>
-                  <a:srgbClr val="6D6D6D"/>
-                </a:solidFill>
-                <a:latin typeface="Adobe Clean"/>
-                <a:cs typeface="Adobe Clean"/>
-              </a:rPr>
-              <a:t> Adobe. All Rights Reserved. Adobe</a:t>
-            </a:r>
-            <a:r>
-              <a:rPr sz="800" spc="75" dirty="0">
-                <a:solidFill>
-                  <a:srgbClr val="6D6D6D"/>
-                </a:solidFill>
-                <a:latin typeface="Adobe Clean"/>
-                <a:cs typeface="Adobe Clean"/>
-              </a:rPr>
-              <a:t> </a:t>
-            </a:r>
-            <a:r>
-              <a:rPr sz="800" spc="-5" dirty="0">
-                <a:solidFill>
-                  <a:srgbClr val="6D6D6D"/>
-                </a:solidFill>
-                <a:latin typeface="Adobe Clean"/>
-                <a:cs typeface="Adobe Clean"/>
-              </a:rPr>
-              <a:t>Confidential.</a:t>
-            </a:r>
-            <a:endParaRPr sz="800" dirty="0">
-              <a:latin typeface="Adobe Clean"/>
-              <a:cs typeface="Adobe Clean"/>
-            </a:endParaRPr>
           </a:p>
         </p:txBody>
       </p:sp>
@@ -14004,19 +11853,16 @@
               </a:spcBef>
             </a:pPr>
             <a:r>
-              <a:rPr lang="en-US" sz="1400" b="1" spc="-15" dirty="0">
+              <a:rPr lang="ja-JP" sz="1400" b="1" dirty="0">
                 <a:solidFill>
                   <a:srgbClr val="020302"/>
                 </a:solidFill>
-                <a:latin typeface="Adobe Clean"/>
+                <a:latin typeface="Adobe Clean Han Regular" panose="020B0500000000000000" pitchFamily="34" charset="-128"/>
+                <a:ea typeface="Adobe Clean Han Regular" panose="020B0500000000000000" pitchFamily="34" charset="-128"/>
                 <a:cs typeface="Adobe Clean"/>
               </a:rPr>
-              <a:t>Regional scope of Adobe Support, Local Hours Of Operation And Language Support</a:t>
+              <a:t>アドビサポートの対象地域、現地の営業時間、言語サポート</a:t>
             </a:r>
-            <a:endParaRPr lang="en-US" sz="1400" spc="-15" dirty="0">
-              <a:ea typeface="+mn-lt"/>
-              <a:cs typeface="+mn-lt"/>
-            </a:endParaRPr>
           </a:p>
           <a:p>
             <a:pPr lvl="0">
@@ -14025,13 +11871,14 @@
               </a:spcBef>
             </a:pPr>
             <a:r>
-              <a:rPr lang="en-US" sz="1000" spc="-15" dirty="0">
+              <a:rPr lang="ja-JP" sz="1000" dirty="0">
                 <a:solidFill>
                   <a:srgbClr val="1F1F1F"/>
                 </a:solidFill>
-                <a:latin typeface="AdobeClean-Light"/>
+                <a:latin typeface="Adobe Clean Han Light" panose="020B0300000000000000" pitchFamily="34" charset="-128"/>
+                <a:ea typeface="Adobe Clean Han Light" panose="020B0300000000000000" pitchFamily="34" charset="-128"/>
               </a:rPr>
-              <a:t>Adobe’s local business hours align to the customer’s billing region.</a:t>
+              <a:t>アドビの現地営業時間は、お客様の請求先の地域に準じます。</a:t>
             </a:r>
           </a:p>
         </p:txBody>
@@ -14088,7 +11935,10 @@
           <a:bodyPr wrap="square" lIns="0" tIns="0" rIns="0" bIns="0" rtlCol="0"/>
           <a:lstStyle/>
           <a:p>
-            <a:endParaRPr/>
+            <a:endParaRPr>
+              <a:latin typeface="Adobe Clean Han Regular" panose="020B0500000000000000" pitchFamily="34" charset="-128"/>
+              <a:ea typeface="Adobe Clean Han Regular" panose="020B0500000000000000" pitchFamily="34" charset="-128"/>
+            </a:endParaRPr>
           </a:p>
         </p:txBody>
       </p:sp>
@@ -14134,8 +11984,8 @@
         </p:nvSpPr>
         <p:spPr>
           <a:xfrm>
-            <a:off x="2840871" y="8528519"/>
-            <a:ext cx="810895" cy="385445"/>
+            <a:off x="2609850" y="8528519"/>
+            <a:ext cx="1324808" cy="203261"/>
           </a:xfrm>
           <a:prstGeom prst="rect">
             <a:avLst/>
@@ -14147,7 +11997,7 @@
           </a:bodyPr>
           <a:lstStyle/>
           <a:p>
-            <a:pPr marL="139065" marR="5080" indent="-139065">
+            <a:pPr marL="139065" marR="5080" indent="-139065" algn="ctr">
               <a:lnSpc>
                 <a:spcPts val="1390"/>
               </a:lnSpc>
@@ -14156,129 +12006,16 @@
               </a:spcBef>
             </a:pPr>
             <a:r>
-              <a:rPr sz="1200" b="1" spc="-15">
+              <a:rPr lang="ja-JP" sz="1200" b="1" dirty="0">
                 <a:solidFill>
                   <a:srgbClr val="FFFFFF"/>
                 </a:solidFill>
-                <a:latin typeface="Adobe Clean"/>
+                <a:latin typeface="Adobe Clean Han Regular" panose="020B0500000000000000" pitchFamily="34" charset="-128"/>
+                <a:ea typeface="Adobe Clean Han Regular" panose="020B0500000000000000" pitchFamily="34" charset="-128"/>
                 <a:cs typeface="Adobe Clean"/>
               </a:rPr>
-              <a:t>U</a:t>
+              <a:t>卓越した専門知識</a:t>
             </a:r>
-            <a:r>
-              <a:rPr sz="1200" b="1" spc="-20">
-                <a:solidFill>
-                  <a:srgbClr val="FFFFFF"/>
-                </a:solidFill>
-                <a:latin typeface="Adobe Clean"/>
-                <a:cs typeface="Adobe Clean"/>
-              </a:rPr>
-              <a:t>n</a:t>
-            </a:r>
-            <a:r>
-              <a:rPr sz="1200" b="1" spc="-25">
-                <a:solidFill>
-                  <a:srgbClr val="FFFFFF"/>
-                </a:solidFill>
-                <a:latin typeface="Adobe Clean"/>
-                <a:cs typeface="Adobe Clean"/>
-              </a:rPr>
-              <a:t>p</a:t>
-            </a:r>
-            <a:r>
-              <a:rPr sz="1200" b="1" spc="-15">
-                <a:solidFill>
-                  <a:srgbClr val="FFFFFF"/>
-                </a:solidFill>
-                <a:latin typeface="Adobe Clean"/>
-                <a:cs typeface="Adobe Clean"/>
-              </a:rPr>
-              <a:t>a</a:t>
-            </a:r>
-            <a:r>
-              <a:rPr sz="1200" b="1" spc="-25">
-                <a:solidFill>
-                  <a:srgbClr val="FFFFFF"/>
-                </a:solidFill>
-                <a:latin typeface="Adobe Clean"/>
-                <a:cs typeface="Adobe Clean"/>
-              </a:rPr>
-              <a:t>r</a:t>
-            </a:r>
-            <a:r>
-              <a:rPr sz="1200" b="1" spc="-15">
-                <a:solidFill>
-                  <a:srgbClr val="FFFFFF"/>
-                </a:solidFill>
-                <a:latin typeface="Adobe Clean"/>
-                <a:cs typeface="Adobe Clean"/>
-              </a:rPr>
-              <a:t>a</a:t>
-            </a:r>
-            <a:r>
-              <a:rPr sz="1200" b="1" spc="-30">
-                <a:solidFill>
-                  <a:srgbClr val="FFFFFF"/>
-                </a:solidFill>
-                <a:latin typeface="Adobe Clean"/>
-                <a:cs typeface="Adobe Clean"/>
-              </a:rPr>
-              <a:t>ll</a:t>
-            </a:r>
-            <a:r>
-              <a:rPr sz="1200" b="1" spc="-25">
-                <a:solidFill>
-                  <a:srgbClr val="FFFFFF"/>
-                </a:solidFill>
-                <a:latin typeface="Adobe Clean"/>
-                <a:cs typeface="Adobe Clean"/>
-              </a:rPr>
-              <a:t>e</a:t>
-            </a:r>
-            <a:r>
-              <a:rPr sz="1200" b="1" spc="-30">
-                <a:solidFill>
-                  <a:srgbClr val="FFFFFF"/>
-                </a:solidFill>
-                <a:latin typeface="Adobe Clean"/>
-                <a:cs typeface="Adobe Clean"/>
-              </a:rPr>
-              <a:t>l</a:t>
-            </a:r>
-            <a:r>
-              <a:rPr sz="1200" b="1" spc="-25">
-                <a:solidFill>
-                  <a:srgbClr val="FFFFFF"/>
-                </a:solidFill>
-                <a:latin typeface="Adobe Clean"/>
-                <a:cs typeface="Adobe Clean"/>
-              </a:rPr>
-              <a:t>e</a:t>
-            </a:r>
-            <a:r>
-              <a:rPr sz="1200" b="1">
-                <a:solidFill>
-                  <a:srgbClr val="FFFFFF"/>
-                </a:solidFill>
-                <a:latin typeface="Adobe Clean"/>
-                <a:cs typeface="Adobe Clean"/>
-              </a:rPr>
-              <a:t>d  </a:t>
-            </a:r>
-            <a:r>
-              <a:rPr sz="1200" b="1" spc="-25">
-                <a:solidFill>
-                  <a:srgbClr val="FFFFFF"/>
-                </a:solidFill>
-                <a:latin typeface="Adobe Clean"/>
-                <a:cs typeface="Adobe Clean"/>
-              </a:rPr>
-              <a:t>Expertise</a:t>
-            </a:r>
-            <a:endParaRPr sz="1200">
-              <a:latin typeface="Adobe Clean"/>
-              <a:cs typeface="Adobe Clean"/>
-            </a:endParaRPr>
           </a:p>
         </p:txBody>
       </p:sp>
@@ -14296,8 +12033,8 @@
         </p:nvSpPr>
         <p:spPr>
           <a:xfrm>
-            <a:off x="4732495" y="8541244"/>
-            <a:ext cx="810895" cy="382797"/>
+            <a:off x="4503895" y="8541244"/>
+            <a:ext cx="1140301" cy="203261"/>
           </a:xfrm>
           <a:prstGeom prst="rect">
             <a:avLst/>
@@ -14309,7 +12046,7 @@
           </a:bodyPr>
           <a:lstStyle/>
           <a:p>
-            <a:pPr marL="139065" marR="5080" indent="-139065">
+            <a:pPr marL="139065" marR="5080" indent="-139065" algn="ctr">
               <a:lnSpc>
                 <a:spcPts val="1390"/>
               </a:lnSpc>
@@ -14318,19 +12055,16 @@
               </a:spcBef>
             </a:pPr>
             <a:r>
-              <a:rPr lang="en-US" sz="1200" b="1" spc="-15">
+              <a:rPr lang="ja-JP" sz="1200" b="1" dirty="0">
                 <a:solidFill>
                   <a:srgbClr val="FFFFFF"/>
                 </a:solidFill>
-                <a:latin typeface="Adobe Clean"/>
+                <a:latin typeface="Adobe Clean Han Regular" panose="020B0500000000000000" pitchFamily="34" charset="-128"/>
+                <a:ea typeface="Adobe Clean Han Regular" panose="020B0500000000000000" pitchFamily="34" charset="-128"/>
                 <a:cs typeface="Adobe Clean"/>
               </a:rPr>
-              <a:t>Accelerated Support</a:t>
+              <a:t>迅速なサポート</a:t>
             </a:r>
-            <a:endParaRPr sz="1200">
-              <a:latin typeface="Adobe Clean"/>
-              <a:cs typeface="Adobe Clean"/>
-            </a:endParaRPr>
           </a:p>
         </p:txBody>
       </p:sp>
@@ -14348,8 +12082,8 @@
         </p:nvSpPr>
         <p:spPr>
           <a:xfrm>
-            <a:off x="6624119" y="8543943"/>
-            <a:ext cx="510540" cy="385445"/>
+            <a:off x="6308683" y="8543943"/>
+            <a:ext cx="1140301" cy="382797"/>
           </a:xfrm>
           <a:prstGeom prst="rect">
             <a:avLst/>
@@ -14361,7 +12095,7 @@
           </a:bodyPr>
           <a:lstStyle/>
           <a:p>
-            <a:pPr marL="50800" marR="5080" indent="-51435">
+            <a:pPr marL="50800" marR="5080" indent="-51435" algn="ctr">
               <a:lnSpc>
                 <a:spcPts val="1390"/>
               </a:lnSpc>
@@ -14370,109 +12104,37 @@
               </a:spcBef>
             </a:pPr>
             <a:r>
-              <a:rPr sz="1200" b="1" spc="-50">
+              <a:rPr lang="ja-JP" sz="1200" b="1" dirty="0">
                 <a:solidFill>
                   <a:srgbClr val="FFFFFF"/>
                 </a:solidFill>
-                <a:latin typeface="Adobe Clean"/>
+                <a:latin typeface="Adobe Clean Han Regular" panose="020B0500000000000000" pitchFamily="34" charset="-128"/>
+                <a:ea typeface="Adobe Clean Han Regular" panose="020B0500000000000000" pitchFamily="34" charset="-128"/>
                 <a:cs typeface="Adobe Clean"/>
               </a:rPr>
-              <a:t>S</a:t>
+              <a:t>戦略的</a:t>
             </a:r>
-            <a:r>
-              <a:rPr sz="1200" b="1" spc="-20">
+            <a:br>
+              <a:rPr lang="ja-JP" sz="1200" b="1" dirty="0">
                 <a:solidFill>
                   <a:srgbClr val="FFFFFF"/>
                 </a:solidFill>
-                <a:latin typeface="Adobe Clean"/>
+                <a:latin typeface="Adobe Clean Han Regular" panose="020B0500000000000000" pitchFamily="34" charset="-128"/>
+                <a:ea typeface="Adobe Clean Han Regular" panose="020B0500000000000000" pitchFamily="34" charset="-128"/>
                 <a:cs typeface="Adobe Clean"/>
               </a:rPr>
-              <a:t>t</a:t>
-            </a:r>
+            </a:br>
             <a:r>
-              <a:rPr sz="1200" b="1" spc="-75">
+              <a:rPr lang="ja-JP" sz="1200" b="1" dirty="0">
                 <a:solidFill>
                   <a:srgbClr val="FFFFFF"/>
                 </a:solidFill>
-                <a:latin typeface="Adobe Clean"/>
+                <a:latin typeface="Adobe Clean Han Regular" panose="020B0500000000000000" pitchFamily="34" charset="-128"/>
+                <a:ea typeface="Adobe Clean Han Regular" panose="020B0500000000000000" pitchFamily="34" charset="-128"/>
                 <a:cs typeface="Adobe Clean"/>
               </a:rPr>
-              <a:t>r</a:t>
+              <a:t>アドバイス</a:t>
             </a:r>
-            <a:r>
-              <a:rPr sz="1200" b="1" spc="-90">
-                <a:solidFill>
-                  <a:srgbClr val="FFFFFF"/>
-                </a:solidFill>
-                <a:latin typeface="Adobe Clean"/>
-                <a:cs typeface="Adobe Clean"/>
-              </a:rPr>
-              <a:t>a</a:t>
-            </a:r>
-            <a:r>
-              <a:rPr sz="1200" b="1" spc="-55">
-                <a:solidFill>
-                  <a:srgbClr val="FFFFFF"/>
-                </a:solidFill>
-                <a:latin typeface="Adobe Clean"/>
-                <a:cs typeface="Adobe Clean"/>
-              </a:rPr>
-              <a:t>t</a:t>
-            </a:r>
-            <a:r>
-              <a:rPr sz="1200" b="1" spc="-100">
-                <a:solidFill>
-                  <a:srgbClr val="FFFFFF"/>
-                </a:solidFill>
-                <a:latin typeface="Adobe Clean"/>
-                <a:cs typeface="Adobe Clean"/>
-              </a:rPr>
-              <a:t>e</a:t>
-            </a:r>
-            <a:r>
-              <a:rPr sz="1200" b="1" spc="-80">
-                <a:solidFill>
-                  <a:srgbClr val="FFFFFF"/>
-                </a:solidFill>
-                <a:latin typeface="Adobe Clean"/>
-                <a:cs typeface="Adobe Clean"/>
-              </a:rPr>
-              <a:t>g</a:t>
-            </a:r>
-            <a:r>
-              <a:rPr sz="1200" b="1" spc="-35">
-                <a:solidFill>
-                  <a:srgbClr val="FFFFFF"/>
-                </a:solidFill>
-                <a:latin typeface="Adobe Clean"/>
-                <a:cs typeface="Adobe Clean"/>
-              </a:rPr>
-              <a:t>i</a:t>
-            </a:r>
-            <a:r>
-              <a:rPr sz="1200" b="1">
-                <a:solidFill>
-                  <a:srgbClr val="FFFFFF"/>
-                </a:solidFill>
-                <a:latin typeface="Adobe Clean"/>
-                <a:cs typeface="Adobe Clean"/>
-              </a:rPr>
-              <a:t>c  </a:t>
-            </a:r>
-            <a:r>
-              <a:rPr sz="1200" b="1" spc="-45">
-                <a:solidFill>
-                  <a:srgbClr val="FFFFFF"/>
-                </a:solidFill>
-                <a:latin typeface="Adobe Clean"/>
-                <a:cs typeface="Adobe Clean"/>
-              </a:rPr>
-              <a:t>Advice</a:t>
-            </a:r>
-            <a:endParaRPr sz="1200">
-              <a:latin typeface="Adobe Clean"/>
-              <a:cs typeface="Adobe Clean"/>
-            </a:endParaRPr>
           </a:p>
         </p:txBody>
       </p:sp>
@@ -14608,7 +12270,7 @@
           <p:nvPr>
             <p:extLst>
               <p:ext uri="{D42A27DB-BD31-4B8C-83A1-F6EECF244321}">
-                <p14:modId xmlns:p14="http://schemas.microsoft.com/office/powerpoint/2010/main" val="2432001740"/>
+                <p14:modId xmlns:p14="http://schemas.microsoft.com/office/powerpoint/2010/main" val="4033518525"/>
               </p:ext>
             </p:extLst>
           </p:nvPr>
@@ -14661,20 +12323,22 @@
                     <a:p>
                       <a:pPr algn="ctr"/>
                       <a:r>
-                        <a:rPr lang="en-US" sz="1100">
+                        <a:rPr lang="ja-JP" sz="1100" dirty="0">
                           <a:solidFill>
                             <a:schemeClr val="tx1"/>
                           </a:solidFill>
-                          <a:latin typeface="Adobe Clean" panose="020B0503020404020204" pitchFamily="34" charset="0"/>
+                          <a:latin typeface="Adobe Clean Han Regular" panose="020B0500000000000000" pitchFamily="34" charset="-128"/>
+                          <a:ea typeface="Adobe Clean Han Regular" panose="020B0500000000000000" pitchFamily="34" charset="-128"/>
                         </a:rPr>
-                        <a:t>Americas </a:t>
+                        <a:t>アメリカ</a:t>
                       </a:r>
                       <a:r>
-                        <a:rPr lang="en-US" sz="1100" baseline="30000">
+                        <a:rPr lang="ja-JP" sz="1100" baseline="30000" dirty="0">
                           <a:solidFill>
                             <a:schemeClr val="tx1"/>
                           </a:solidFill>
-                          <a:latin typeface="Adobe Clean" panose="020B0503020404020204" pitchFamily="34" charset="0"/>
+                          <a:latin typeface="Adobe Clean Han Regular" panose="020B0500000000000000" pitchFamily="34" charset="-128"/>
+                          <a:ea typeface="Adobe Clean Han Regular" panose="020B0500000000000000" pitchFamily="34" charset="-128"/>
                         </a:rPr>
                         <a:t>1</a:t>
                       </a:r>
@@ -14735,13 +12399,33 @@
                     <a:p>
                       <a:pPr algn="ctr"/>
                       <a:r>
-                        <a:rPr lang="en-US" sz="1100">
+                        <a:rPr lang="ja-JP" sz="1100" dirty="0">
                           <a:solidFill>
                             <a:schemeClr val="tx1"/>
                           </a:solidFill>
-                          <a:latin typeface="Adobe Clean" panose="020B0503020404020204" pitchFamily="34" charset="0"/>
+                          <a:latin typeface="Adobe Clean Han Regular" panose="020B0500000000000000" pitchFamily="34" charset="-128"/>
+                          <a:ea typeface="Adobe Clean Han Regular" panose="020B0500000000000000" pitchFamily="34" charset="-128"/>
                         </a:rPr>
-                        <a:t>Europe, Middle East &amp; Africa</a:t>
+                        <a:t>ヨーロッパ、中東、</a:t>
+                      </a:r>
+                      <a:br>
+                        <a:rPr lang="en-US" altLang="ja-JP" sz="1100" dirty="0">
+                          <a:solidFill>
+                            <a:schemeClr val="tx1"/>
+                          </a:solidFill>
+                          <a:latin typeface="Adobe Clean Han Regular" panose="020B0500000000000000" pitchFamily="34" charset="-128"/>
+                          <a:ea typeface="Adobe Clean Han Regular" panose="020B0500000000000000" pitchFamily="34" charset="-128"/>
+                        </a:rPr>
+                      </a:br>
+                      <a:r>
+                        <a:rPr lang="ja-JP" sz="1100" dirty="0">
+                          <a:solidFill>
+                            <a:schemeClr val="tx1"/>
+                          </a:solidFill>
+                          <a:latin typeface="Adobe Clean Han Regular" panose="020B0500000000000000" pitchFamily="34" charset="-128"/>
+                          <a:ea typeface="Adobe Clean Han Regular" panose="020B0500000000000000" pitchFamily="34" charset="-128"/>
+                        </a:rPr>
+                        <a:t>アフリカ</a:t>
                       </a:r>
                     </a:p>
                   </a:txBody>
@@ -14800,13 +12484,14 @@
                     <a:p>
                       <a:pPr algn="ctr"/>
                       <a:r>
-                        <a:rPr lang="en-US" sz="1100">
+                        <a:rPr lang="ja-JP" sz="1100">
                           <a:solidFill>
                             <a:schemeClr val="tx1"/>
                           </a:solidFill>
-                          <a:latin typeface="Adobe Clean" panose="020B0503020404020204" pitchFamily="34" charset="0"/>
+                          <a:latin typeface="Adobe Clean Han Regular" panose="020B0500000000000000" pitchFamily="34" charset="-128"/>
+                          <a:ea typeface="Adobe Clean Han Regular" panose="020B0500000000000000" pitchFamily="34" charset="-128"/>
                         </a:rPr>
-                        <a:t>Asia Pacific</a:t>
+                        <a:t>アジア太平洋</a:t>
                       </a:r>
                     </a:p>
                   </a:txBody>
@@ -14865,13 +12550,14 @@
                     <a:p>
                       <a:pPr algn="ctr"/>
                       <a:r>
-                        <a:rPr lang="en-US" sz="1100">
+                        <a:rPr lang="ja-JP" sz="1100">
                           <a:solidFill>
                             <a:schemeClr val="tx1"/>
                           </a:solidFill>
-                          <a:latin typeface="Adobe Clean" panose="020B0503020404020204" pitchFamily="34" charset="0"/>
+                          <a:latin typeface="Adobe Clean Han Regular" panose="020B0500000000000000" pitchFamily="34" charset="-128"/>
+                          <a:ea typeface="Adobe Clean Han Regular" panose="020B0500000000000000" pitchFamily="34" charset="-128"/>
                         </a:rPr>
-                        <a:t>Japan </a:t>
+                        <a:t>日本 </a:t>
                       </a:r>
                     </a:p>
                   </a:txBody>
@@ -14937,13 +12623,14 @@
                     <a:p>
                       <a:pPr algn="ctr"/>
                       <a:r>
-                        <a:rPr lang="en-US" sz="1100">
+                        <a:rPr lang="ja-JP" sz="1100">
                           <a:solidFill>
                             <a:schemeClr val="tx1"/>
                           </a:solidFill>
-                          <a:latin typeface="Adobe Clean" panose="020B0503020404020204" pitchFamily="34" charset="0"/>
+                          <a:latin typeface="Adobe Clean Han Regular" panose="020B0500000000000000" pitchFamily="34" charset="-128"/>
+                          <a:ea typeface="Adobe Clean Han Regular" panose="020B0500000000000000" pitchFamily="34" charset="-128"/>
                         </a:rPr>
-                        <a:t>24x7</a:t>
+                        <a:t>24 時間年中無休</a:t>
                       </a:r>
                     </a:p>
                   </a:txBody>
@@ -15002,13 +12689,14 @@
                     <a:p>
                       <a:pPr algn="ctr"/>
                       <a:r>
-                        <a:rPr lang="en-US" sz="1100">
+                        <a:rPr lang="ja-JP" sz="1100" dirty="0">
                           <a:solidFill>
                             <a:schemeClr val="tx1"/>
                           </a:solidFill>
-                          <a:latin typeface="Adobe Clean" panose="020B0503020404020204" pitchFamily="34" charset="0"/>
+                          <a:latin typeface="Adobe Clean Han Regular" panose="020B0500000000000000" pitchFamily="34" charset="-128"/>
+                          <a:ea typeface="Adobe Clean Han Regular" panose="020B0500000000000000" pitchFamily="34" charset="-128"/>
                         </a:rPr>
-                        <a:t>9 am – 5 pm</a:t>
+                        <a:t>午前 9:00 ～午後 5:00</a:t>
                       </a:r>
                     </a:p>
                   </a:txBody>
@@ -15067,13 +12755,14 @@
                     <a:p>
                       <a:pPr algn="ctr"/>
                       <a:r>
-                        <a:rPr lang="en-US" sz="1100">
+                        <a:rPr lang="ja-JP" sz="1100" dirty="0">
                           <a:solidFill>
                             <a:schemeClr val="tx1"/>
                           </a:solidFill>
-                          <a:latin typeface="Adobe Clean" panose="020B0503020404020204" pitchFamily="34" charset="0"/>
+                          <a:latin typeface="Adobe Clean Han Regular" panose="020B0500000000000000" pitchFamily="34" charset="-128"/>
+                          <a:ea typeface="Adobe Clean Han Regular" panose="020B0500000000000000" pitchFamily="34" charset="-128"/>
                         </a:rPr>
-                        <a:t>9 am – 5 pm</a:t>
+                        <a:t>午前 9:00 ～午後 5:00</a:t>
                       </a:r>
                     </a:p>
                   </a:txBody>
@@ -15132,13 +12821,14 @@
                     <a:p>
                       <a:pPr algn="ctr"/>
                       <a:r>
-                        <a:rPr lang="en-US" sz="1100">
+                        <a:rPr lang="ja-JP" sz="1100" dirty="0">
                           <a:solidFill>
                             <a:schemeClr val="tx1"/>
                           </a:solidFill>
-                          <a:latin typeface="Adobe Clean" panose="020B0503020404020204" pitchFamily="34" charset="0"/>
+                          <a:latin typeface="Adobe Clean Han Regular" panose="020B0500000000000000" pitchFamily="34" charset="-128"/>
+                          <a:ea typeface="Adobe Clean Han Regular" panose="020B0500000000000000" pitchFamily="34" charset="-128"/>
                         </a:rPr>
-                        <a:t>9 am – 5:30 pm</a:t>
+                        <a:t>午前 9:00 ～午後 5:30</a:t>
                       </a:r>
                     </a:p>
                   </a:txBody>
@@ -15202,7 +12892,7 @@
                     <a:bodyPr/>
                     <a:lstStyle/>
                     <a:p>
-                      <a:pPr marL="0" marR="0" lvl="0" indent="0" algn="ctr" defTabSz="914400" eaLnBrk="1" fontAlgn="auto" latinLnBrk="0" hangingPunct="1">
+                      <a:pPr marL="0" marR="0" lvl="0" indent="0" algn="l" defTabSz="914400" rtl="0" eaLnBrk="1" fontAlgn="auto" latinLnBrk="0" hangingPunct="1">
                         <a:lnSpc>
                           <a:spcPct val="100000"/>
                         </a:lnSpc>
@@ -15223,7 +12913,8 @@
                         <a:solidFill>
                           <a:schemeClr val="tx1"/>
                         </a:solidFill>
-                        <a:latin typeface="Adobe Clean" panose="020B0503020404020204" pitchFamily="34" charset="0"/>
+                        <a:latin typeface="Adobe Clean Han Regular" panose="020B0500000000000000" pitchFamily="34" charset="-128"/>
+                        <a:ea typeface="Adobe Clean Han Regular" panose="020B0500000000000000" pitchFamily="34" charset="-128"/>
                       </a:endParaRPr>
                     </a:p>
                     <a:p>
@@ -15245,26 +12936,28 @@
                         <a:defRPr/>
                       </a:pPr>
                       <a:r>
-                        <a:rPr lang="en-US" sz="1100" baseline="30000" dirty="0">
+                        <a:rPr lang="ja-JP" sz="1100" baseline="30000" dirty="0">
                           <a:solidFill>
                             <a:schemeClr val="tx1"/>
                           </a:solidFill>
-                          <a:latin typeface="Adobe Clean" panose="020B0503020404020204" pitchFamily="34" charset="0"/>
+                          <a:latin typeface="Adobe Clean Han Regular" panose="020B0500000000000000" pitchFamily="34" charset="-128"/>
+                          <a:ea typeface="Adobe Clean Han Regular" panose="020B0500000000000000" pitchFamily="34" charset="-128"/>
                         </a:rPr>
                         <a:t>1</a:t>
                       </a:r>
                       <a:r>
-                        <a:rPr lang="en-US" sz="1100" dirty="0">
+                        <a:rPr lang="ja-JP" sz="1100" dirty="0">
                           <a:solidFill>
                             <a:schemeClr val="tx1"/>
                           </a:solidFill>
-                          <a:latin typeface="Adobe Clean" panose="020B0503020404020204" pitchFamily="34" charset="0"/>
+                          <a:latin typeface="Adobe Clean Han Regular" panose="020B0500000000000000" pitchFamily="34" charset="-128"/>
+                          <a:ea typeface="Adobe Clean Han Regular" panose="020B0500000000000000" pitchFamily="34" charset="-128"/>
                         </a:rPr>
-                        <a:t>Americas Language support available in English only.</a:t>
+                        <a:t>アメリカでのサポートで対応している言語は、英語のみです。</a:t>
                       </a:r>
                     </a:p>
                     <a:p>
-                      <a:pPr marL="0" marR="0" lvl="0" indent="0" algn="ctr" defTabSz="914400" eaLnBrk="1" fontAlgn="auto" latinLnBrk="0" hangingPunct="1">
+                      <a:pPr marL="0" marR="0" lvl="0" indent="0" algn="l" defTabSz="914400" rtl="0" eaLnBrk="1" fontAlgn="auto" latinLnBrk="0" hangingPunct="1">
                         <a:lnSpc>
                           <a:spcPct val="100000"/>
                         </a:lnSpc>
@@ -15291,8 +12984,8 @@
                         <a:effectLst/>
                         <a:uLnTx/>
                         <a:uFillTx/>
-                        <a:latin typeface="Adobe Clean" panose="020B0503020404020204" pitchFamily="34" charset="0"/>
-                        <a:ea typeface="+mn-ea"/>
+                        <a:latin typeface="Adobe Clean Han Regular" panose="020B0500000000000000" pitchFamily="34" charset="-128"/>
+                        <a:ea typeface="Adobe Clean Han Regular" panose="020B0500000000000000" pitchFamily="34" charset="-128"/>
                         <a:cs typeface="+mn-cs"/>
                       </a:endParaRPr>
                     </a:p>
@@ -15553,14 +13246,14 @@
           <p:nvPr>
             <p:extLst>
               <p:ext uri="{D42A27DB-BD31-4B8C-83A1-F6EECF244321}">
-                <p14:modId xmlns:p14="http://schemas.microsoft.com/office/powerpoint/2010/main" val="3429455895"/>
+                <p14:modId xmlns:p14="http://schemas.microsoft.com/office/powerpoint/2010/main" val="3265251808"/>
               </p:ext>
             </p:extLst>
           </p:nvPr>
         </p:nvGraphicFramePr>
         <p:xfrm>
           <a:off x="194237" y="1272353"/>
-          <a:ext cx="7368291" cy="2473960"/>
+          <a:ext cx="7368291" cy="2778760"/>
         </p:xfrm>
         <a:graphic>
           <a:graphicData uri="http://schemas.openxmlformats.org/drawingml/2006/table">
@@ -15569,14 +13262,14 @@
                 <a:tableStyleId>{5C22544A-7EE6-4342-B048-85BDC9FD1C3A}</a:tableStyleId>
               </a:tblPr>
               <a:tblGrid>
-                <a:gridCol w="3691964">
+                <a:gridCol w="3457013">
                   <a:extLst>
                     <a:ext uri="{9D8B030D-6E8A-4147-A177-3AD203B41FA5}">
                       <a16:colId xmlns:a16="http://schemas.microsoft.com/office/drawing/2014/main" val="2364693614"/>
                     </a:ext>
                   </a:extLst>
                 </a:gridCol>
-                <a:gridCol w="3676327">
+                <a:gridCol w="3911278">
                   <a:extLst>
                     <a:ext uri="{9D8B030D-6E8A-4147-A177-3AD203B41FA5}">
                       <a16:colId xmlns:a16="http://schemas.microsoft.com/office/drawing/2014/main" val="1545335406"/>
@@ -15594,18 +13287,17 @@
                         <a:buNone/>
                       </a:pPr>
                       <a:r>
-                        <a:rPr lang="en-US" sz="1200" b="0" strike="noStrike" dirty="0">
+                        <a:rPr lang="ja-JP" sz="1200" b="0" strike="noStrike" dirty="0">
                           <a:solidFill>
                             <a:srgbClr val="5F5F5F"/>
                           </a:solidFill>
-                          <a:latin typeface="Adobe Clean"/>
-                          <a:ea typeface="+mn-ea"/>
+                          <a:latin typeface="Adobe Clean Han Regular" panose="020B0500000000000000" pitchFamily="34" charset="-128"/>
+                          <a:ea typeface="Adobe Clean Han Regular" panose="020B0500000000000000" pitchFamily="34" charset="-128"/>
                           <a:cs typeface="+mn-cs"/>
                           <a:hlinkClick r:id="rId13"/>
                         </a:rPr>
-                        <a:t>Enterprise Learn &amp; Support</a:t>
+                        <a:t>エンタープライズ版のラーニングとサポート</a:t>
                       </a:r>
-                      <a:endParaRPr lang="en-US"/>
                     </a:p>
                   </a:txBody>
                   <a:tcPr marL="47625" marR="47625" marT="0" marB="0" anchor="ctr">
@@ -15677,15 +13369,15 @@
                         <a:buNone/>
                       </a:pPr>
                       <a:r>
-                        <a:rPr lang="en-US" sz="1000" b="0" strike="noStrike" kern="1200" dirty="0">
+                        <a:rPr lang="ja-JP" sz="1000" b="0" strike="noStrike" dirty="0">
                           <a:solidFill>
                             <a:schemeClr val="tx1"/>
                           </a:solidFill>
-                          <a:latin typeface="Adobe Clean Light"/>
-                          <a:ea typeface="+mn-ea"/>
+                          <a:latin typeface="Adobe Clean Han Light" panose="020B0300000000000000" pitchFamily="34" charset="-128"/>
+                          <a:ea typeface="Adobe Clean Han Light" panose="020B0300000000000000" pitchFamily="34" charset="-128"/>
                           <a:cs typeface="+mn-cs"/>
                         </a:rPr>
-                        <a:t>Enterprise Learn &amp; Support is a place where Adobe customers can find self-help tutorials, product documentation, instructor-led training, community and support for select Adobe Creative Cloud and Document products.</a:t>
+                        <a:t>エンタープライズ版のラーニングとサポートは、アドビのお客様が、選択された Adobe Creative Cloud および Document 製品に対するセルフサービスのチュートリアル、製品ドキュメント、講師によるトレーニング、コミュニティおよびサポートを見つけることができる場所です。</a:t>
                       </a:r>
                     </a:p>
                   </a:txBody>
@@ -15767,13 +13459,12 @@
                         <a:defRPr/>
                       </a:pPr>
                       <a:r>
-                        <a:rPr lang="en-US" sz="1200" strike="noStrike" dirty="0">
+                        <a:rPr lang="ja-JP" sz="1200" strike="noStrike">
                           <a:solidFill>
                             <a:srgbClr val="5F5F5F"/>
                           </a:solidFill>
-                          <a:effectLst/>
-                          <a:latin typeface="Adobe Clean"/>
-                          <a:ea typeface="+mn-ea"/>
+                          <a:latin typeface="Adobe Clean Han Regular" panose="020B0500000000000000" pitchFamily="34" charset="-128"/>
+                          <a:ea typeface="Adobe Clean Han Regular" panose="020B0500000000000000" pitchFamily="34" charset="-128"/>
                           <a:cs typeface="+mn-cs"/>
                           <a:hlinkClick r:id="rId14">
                             <a:extLst>
@@ -15783,17 +13474,8 @@
                             </a:extLst>
                           </a:hlinkClick>
                         </a:rPr>
-                        <a:t>Adobe Support Community </a:t>
+                        <a:t>アドビサポートコミュニティ </a:t>
                       </a:r>
-                      <a:endParaRPr lang="en-US" sz="1200" strike="noStrike" dirty="0">
-                        <a:solidFill>
-                          <a:srgbClr val="5F5F5F"/>
-                        </a:solidFill>
-                        <a:effectLst/>
-                        <a:latin typeface="Adobe Clean"/>
-                        <a:ea typeface="+mn-ea"/>
-                        <a:cs typeface="+mn-cs"/>
-                      </a:endParaRPr>
                     </a:p>
                   </a:txBody>
                   <a:tcPr anchor="ctr">
@@ -15867,27 +13549,16 @@
                         <a:defRPr/>
                       </a:pPr>
                       <a:r>
-                        <a:rPr lang="en-US" sz="1000" strike="noStrike" kern="1200" dirty="0">
+                        <a:rPr lang="ja-JP" sz="1000" strike="noStrike" dirty="0">
                           <a:solidFill>
                             <a:schemeClr val="tx1"/>
                           </a:solidFill>
-                          <a:latin typeface="Adobe Clean Light" panose="020B0303020404020204" pitchFamily="34" charset="0"/>
-                          <a:ea typeface="+mn-ea"/>
+                          <a:latin typeface="Adobe Clean Han Light" panose="020B0300000000000000" pitchFamily="34" charset="-128"/>
+                          <a:ea typeface="Adobe Clean Han Light" panose="020B0300000000000000" pitchFamily="34" charset="-128"/>
                           <a:cs typeface="+mn-cs"/>
                         </a:rPr>
-                        <a:t>The Adobe Support Community is the place to ask questions, find answers, learn from experts and share your knowledge.</a:t>
+                        <a:t>アドビサポートコミュニティは、質問をしたり、回答を見つけたり、エキスパートから学んだり、お客様の知識を共有したりする場所です。</a:t>
                       </a:r>
-                      <a:endParaRPr lang="en-US" sz="1000" strike="noStrike" kern="1200" dirty="0">
-                        <a:solidFill>
-                          <a:schemeClr val="tx1"/>
-                        </a:solidFill>
-                        <a:highlight>
-                          <a:srgbClr val="FFFF00"/>
-                        </a:highlight>
-                        <a:latin typeface="Adobe Clean Light" panose="020B0303020404020204" pitchFamily="34" charset="0"/>
-                        <a:ea typeface="+mn-ea"/>
-                        <a:cs typeface="+mn-cs"/>
-                      </a:endParaRPr>
                     </a:p>
                   </a:txBody>
                   <a:tcPr anchor="ctr">
@@ -15968,13 +13639,12 @@
                         <a:defRPr/>
                       </a:pPr>
                       <a:r>
-                        <a:rPr lang="en-US" sz="1200" dirty="0">
+                        <a:rPr lang="ja-JP" sz="1200">
                           <a:solidFill>
                             <a:srgbClr val="5F5F5F"/>
                           </a:solidFill>
-                          <a:effectLst/>
-                          <a:latin typeface="Adobe Clean"/>
-                          <a:ea typeface="+mn-ea"/>
+                          <a:latin typeface="Adobe Clean Han Regular" panose="020B0500000000000000" pitchFamily="34" charset="-128"/>
+                          <a:ea typeface="Adobe Clean Han Regular" panose="020B0500000000000000" pitchFamily="34" charset="-128"/>
                           <a:cs typeface="+mn-cs"/>
                           <a:hlinkClick r:id="rId15">
                             <a:extLst>
@@ -15984,17 +13654,8 @@
                             </a:extLst>
                           </a:hlinkClick>
                         </a:rPr>
-                        <a:t>Production Issues &amp; System Outages</a:t>
+                        <a:t>本番環境の問題とシステム障害</a:t>
                       </a:r>
-                      <a:endParaRPr lang="en-US" sz="1200" dirty="0">
-                        <a:solidFill>
-                          <a:srgbClr val="5F5F5F"/>
-                        </a:solidFill>
-                        <a:effectLst/>
-                        <a:latin typeface="Adobe Clean"/>
-                        <a:ea typeface="+mn-ea"/>
-                        <a:cs typeface="+mn-cs"/>
-                      </a:endParaRPr>
                     </a:p>
                   </a:txBody>
                   <a:tcPr anchor="ctr">
@@ -16068,15 +13729,15 @@
                         <a:defRPr/>
                       </a:pPr>
                       <a:r>
-                        <a:rPr lang="en-US" sz="1000" kern="1200" dirty="0">
+                        <a:rPr lang="ja-JP" sz="1000" dirty="0">
                           <a:solidFill>
                             <a:schemeClr val="tx1"/>
                           </a:solidFill>
-                          <a:latin typeface="Adobe Clean Light" panose="020B0303020404020204" pitchFamily="34" charset="0"/>
-                          <a:ea typeface="+mn-ea"/>
+                          <a:latin typeface="Adobe Clean Han Light" panose="020B0300000000000000" pitchFamily="34" charset="-128"/>
+                          <a:ea typeface="Adobe Clean Han Light" panose="020B0300000000000000" pitchFamily="34" charset="-128"/>
                           <a:cs typeface="+mn-cs"/>
                         </a:rPr>
-                        <a:t>Status.adobe.com conveys the health information of all Adobe products and services that are deployed in multi-tenant environments. Customers can choose their subscription preferences to get email notifications whenever Adobe creates, updates or resolves a product event. This can include scheduled maintenance or service issues of varying levels of severity. </a:t>
+                        <a:t>status.adobe.com では、マルチテナント環境にデプロイされたすべてのアドビ製品およびサービスのシステムステータス情報が表示されます。お客様は、アドビが製品イベントを作成、更新、解決した際に電子メール通知を受け取るようサブスクリプション設定を選択できます。イベントには、定期的なメンテナンスや、様々な重大度レベルの問題が含まれています。 </a:t>
                       </a:r>
                     </a:p>
                   </a:txBody>
@@ -16158,13 +13819,12 @@
                         <a:defRPr/>
                       </a:pPr>
                       <a:r>
-                        <a:rPr lang="en-US" sz="1200" dirty="0">
+                        <a:rPr lang="ja-JP" sz="1200">
                           <a:solidFill>
                             <a:srgbClr val="5F5F5F"/>
                           </a:solidFill>
-                          <a:effectLst/>
-                          <a:latin typeface="Adobe Clean"/>
-                          <a:ea typeface="+mn-ea"/>
+                          <a:latin typeface="Adobe Clean Han Regular" panose="020B0500000000000000" pitchFamily="34" charset="-128"/>
+                          <a:ea typeface="Adobe Clean Han Regular" panose="020B0500000000000000" pitchFamily="34" charset="-128"/>
                           <a:cs typeface="+mn-cs"/>
                           <a:hlinkClick r:id="rId16">
                             <a:extLst>
@@ -16174,17 +13834,8 @@
                             </a:extLst>
                           </a:hlinkClick>
                         </a:rPr>
-                        <a:t>Terms and Conditions</a:t>
+                        <a:t>利用条件</a:t>
                       </a:r>
-                      <a:endParaRPr lang="en-US" sz="1200" dirty="0">
-                        <a:solidFill>
-                          <a:srgbClr val="5F5F5F"/>
-                        </a:solidFill>
-                        <a:effectLst/>
-                        <a:latin typeface="Adobe Clean"/>
-                        <a:ea typeface="+mn-ea"/>
-                        <a:cs typeface="+mn-cs"/>
-                      </a:endParaRPr>
                     </a:p>
                   </a:txBody>
                   <a:tcPr anchor="ctr">
@@ -16241,15 +13892,15 @@
                     <a:lstStyle/>
                     <a:p>
                       <a:r>
-                        <a:rPr lang="en-US" sz="1000" kern="1200" dirty="0">
+                        <a:rPr lang="ja-JP" sz="1000" dirty="0">
                           <a:solidFill>
                             <a:schemeClr val="tx1"/>
                           </a:solidFill>
-                          <a:latin typeface="Adobe Clean Light" panose="020B0303020404020204" pitchFamily="34" charset="0"/>
-                          <a:ea typeface="+mn-ea"/>
+                          <a:latin typeface="Adobe Clean Han Light" panose="020B0300000000000000" pitchFamily="34" charset="-128"/>
+                          <a:ea typeface="Adobe Clean Han Light" panose="020B0300000000000000" pitchFamily="34" charset="-128"/>
                           <a:cs typeface="+mn-cs"/>
                         </a:rPr>
-                        <a:t>Terms and conditions detailing Support Services offerings.</a:t>
+                        <a:t>提供するサポートサービスについて詳しく説明されています。</a:t>
                       </a:r>
                     </a:p>
                   </a:txBody>
@@ -16355,7 +14006,10 @@
           <a:bodyPr wrap="square" lIns="0" tIns="0" rIns="0" bIns="0" rtlCol="0"/>
           <a:lstStyle/>
           <a:p>
-            <a:endParaRPr/>
+            <a:endParaRPr>
+              <a:latin typeface="Adobe Clean Han Regular" panose="020B0500000000000000" pitchFamily="34" charset="-128"/>
+              <a:ea typeface="Adobe Clean Han Regular" panose="020B0500000000000000" pitchFamily="34" charset="-128"/>
+            </a:endParaRPr>
           </a:p>
         </p:txBody>
       </p:sp>
@@ -16416,71 +14070,13 @@
     <a:fontScheme name="Office">
       <a:majorFont>
         <a:latin typeface="Calibri"/>
-        <a:ea typeface=""/>
+        <a:ea typeface="MS Mincho"/>
         <a:cs typeface=""/>
-        <a:font script="Jpan" typeface="ＭＳ Ｐゴシック"/>
-        <a:font script="Hang" typeface="맑은 고딕"/>
-        <a:font script="Hans" typeface="宋体"/>
-        <a:font script="Hant" typeface="新細明體"/>
-        <a:font script="Arab" typeface="Times New Roman"/>
-        <a:font script="Hebr" typeface="Times New Roman"/>
-        <a:font script="Thai" typeface="Angsana New"/>
-        <a:font script="Ethi" typeface="Nyala"/>
-        <a:font script="Beng" typeface="Vrinda"/>
-        <a:font script="Gujr" typeface="Shruti"/>
-        <a:font script="Khmr" typeface="MoolBoran"/>
-        <a:font script="Knda" typeface="Tunga"/>
-        <a:font script="Guru" typeface="Raavi"/>
-        <a:font script="Cans" typeface="Euphemia"/>
-        <a:font script="Cher" typeface="Plantagenet Cherokee"/>
-        <a:font script="Yiii" typeface="Microsoft Yi Baiti"/>
-        <a:font script="Tibt" typeface="Microsoft Himalaya"/>
-        <a:font script="Thaa" typeface="MV Boli"/>
-        <a:font script="Deva" typeface="Mangal"/>
-        <a:font script="Telu" typeface="Gautami"/>
-        <a:font script="Taml" typeface="Latha"/>
-        <a:font script="Syrc" typeface="Estrangelo Edessa"/>
-        <a:font script="Orya" typeface="Kalinga"/>
-        <a:font script="Mlym" typeface="Kartika"/>
-        <a:font script="Laoo" typeface="DokChampa"/>
-        <a:font script="Sinh" typeface="Iskoola Pota"/>
-        <a:font script="Mong" typeface="Mongolian Baiti"/>
-        <a:font script="Viet" typeface="Times New Roman"/>
-        <a:font script="Uigh" typeface="Microsoft Uighur"/>
       </a:majorFont>
       <a:minorFont>
         <a:latin typeface="Calibri"/>
-        <a:ea typeface=""/>
+        <a:ea typeface="MS Mincho"/>
         <a:cs typeface=""/>
-        <a:font script="Jpan" typeface="ＭＳ Ｐゴシック"/>
-        <a:font script="Hang" typeface="맑은 고딕"/>
-        <a:font script="Hans" typeface="宋体"/>
-        <a:font script="Hant" typeface="新細明體"/>
-        <a:font script="Arab" typeface="Arial"/>
-        <a:font script="Hebr" typeface="Arial"/>
-        <a:font script="Thai" typeface="Cordia New"/>
-        <a:font script="Ethi" typeface="Nyala"/>
-        <a:font script="Beng" typeface="Vrinda"/>
-        <a:font script="Gujr" typeface="Shruti"/>
-        <a:font script="Khmr" typeface="DaunPenh"/>
-        <a:font script="Knda" typeface="Tunga"/>
-        <a:font script="Guru" typeface="Raavi"/>
-        <a:font script="Cans" typeface="Euphemia"/>
-        <a:font script="Cher" typeface="Plantagenet Cherokee"/>
-        <a:font script="Yiii" typeface="Microsoft Yi Baiti"/>
-        <a:font script="Tibt" typeface="Microsoft Himalaya"/>
-        <a:font script="Thaa" typeface="MV Boli"/>
-        <a:font script="Deva" typeface="Mangal"/>
-        <a:font script="Telu" typeface="Gautami"/>
-        <a:font script="Taml" typeface="Latha"/>
-        <a:font script="Syrc" typeface="Estrangelo Edessa"/>
-        <a:font script="Orya" typeface="Kalinga"/>
-        <a:font script="Mlym" typeface="Kartika"/>
-        <a:font script="Laoo" typeface="DokChampa"/>
-        <a:font script="Sinh" typeface="Iskoola Pota"/>
-        <a:font script="Mong" typeface="Mongolian Baiti"/>
-        <a:font script="Viet" typeface="Arial"/>
-        <a:font script="Uigh" typeface="Microsoft Uighur"/>
       </a:minorFont>
     </a:fontScheme>
     <a:fmtScheme name="Office">
@@ -16699,107 +14295,13 @@
     <a:fontScheme name="Office">
       <a:majorFont>
         <a:latin typeface="Calibri Light" panose="020F0302020204030204"/>
-        <a:ea typeface=""/>
+        <a:ea typeface="MS Mincho"/>
         <a:cs typeface=""/>
-        <a:font script="Jpan" typeface="游ゴシック Light"/>
-        <a:font script="Hang" typeface="맑은 고딕"/>
-        <a:font script="Hans" typeface="等线 Light"/>
-        <a:font script="Hant" typeface="新細明體"/>
-        <a:font script="Arab" typeface="Times New Roman"/>
-        <a:font script="Hebr" typeface="Times New Roman"/>
-        <a:font script="Thai" typeface="Angsana New"/>
-        <a:font script="Ethi" typeface="Nyala"/>
-        <a:font script="Beng" typeface="Vrinda"/>
-        <a:font script="Gujr" typeface="Shruti"/>
-        <a:font script="Khmr" typeface="MoolBoran"/>
-        <a:font script="Knda" typeface="Tunga"/>
-        <a:font script="Guru" typeface="Raavi"/>
-        <a:font script="Cans" typeface="Euphemia"/>
-        <a:font script="Cher" typeface="Plantagenet Cherokee"/>
-        <a:font script="Yiii" typeface="Microsoft Yi Baiti"/>
-        <a:font script="Tibt" typeface="Microsoft Himalaya"/>
-        <a:font script="Thaa" typeface="MV Boli"/>
-        <a:font script="Deva" typeface="Mangal"/>
-        <a:font script="Telu" typeface="Gautami"/>
-        <a:font script="Taml" typeface="Latha"/>
-        <a:font script="Syrc" typeface="Estrangelo Edessa"/>
-        <a:font script="Orya" typeface="Kalinga"/>
-        <a:font script="Mlym" typeface="Kartika"/>
-        <a:font script="Laoo" typeface="DokChampa"/>
-        <a:font script="Sinh" typeface="Iskoola Pota"/>
-        <a:font script="Mong" typeface="Mongolian Baiti"/>
-        <a:font script="Viet" typeface="Times New Roman"/>
-        <a:font script="Uigh" typeface="Microsoft Uighur"/>
-        <a:font script="Geor" typeface="Sylfaen"/>
-        <a:font script="Armn" typeface="Arial"/>
-        <a:font script="Bugi" typeface="Leelawadee UI"/>
-        <a:font script="Bopo" typeface="Microsoft JhengHei"/>
-        <a:font script="Java" typeface="Javanese Text"/>
-        <a:font script="Lisu" typeface="Segoe UI"/>
-        <a:font script="Mymr" typeface="Myanmar Text"/>
-        <a:font script="Nkoo" typeface="Ebrima"/>
-        <a:font script="Olck" typeface="Nirmala UI"/>
-        <a:font script="Osma" typeface="Ebrima"/>
-        <a:font script="Phag" typeface="Phagspa"/>
-        <a:font script="Syrn" typeface="Estrangelo Edessa"/>
-        <a:font script="Syrj" typeface="Estrangelo Edessa"/>
-        <a:font script="Syre" typeface="Estrangelo Edessa"/>
-        <a:font script="Sora" typeface="Nirmala UI"/>
-        <a:font script="Tale" typeface="Microsoft Tai Le"/>
-        <a:font script="Talu" typeface="Microsoft New Tai Lue"/>
-        <a:font script="Tfng" typeface="Ebrima"/>
       </a:majorFont>
       <a:minorFont>
         <a:latin typeface="Calibri" panose="020F0502020204030204"/>
-        <a:ea typeface=""/>
+        <a:ea typeface="MS Mincho"/>
         <a:cs typeface=""/>
-        <a:font script="Jpan" typeface="游ゴシック"/>
-        <a:font script="Hang" typeface="맑은 고딕"/>
-        <a:font script="Hans" typeface="等线"/>
-        <a:font script="Hant" typeface="新細明體"/>
-        <a:font script="Arab" typeface="Arial"/>
-        <a:font script="Hebr" typeface="Arial"/>
-        <a:font script="Thai" typeface="Cordia New"/>
-        <a:font script="Ethi" typeface="Nyala"/>
-        <a:font script="Beng" typeface="Vrinda"/>
-        <a:font script="Gujr" typeface="Shruti"/>
-        <a:font script="Khmr" typeface="DaunPenh"/>
-        <a:font script="Knda" typeface="Tunga"/>
-        <a:font script="Guru" typeface="Raavi"/>
-        <a:font script="Cans" typeface="Euphemia"/>
-        <a:font script="Cher" typeface="Plantagenet Cherokee"/>
-        <a:font script="Yiii" typeface="Microsoft Yi Baiti"/>
-        <a:font script="Tibt" typeface="Microsoft Himalaya"/>
-        <a:font script="Thaa" typeface="MV Boli"/>
-        <a:font script="Deva" typeface="Mangal"/>
-        <a:font script="Telu" typeface="Gautami"/>
-        <a:font script="Taml" typeface="Latha"/>
-        <a:font script="Syrc" typeface="Estrangelo Edessa"/>
-        <a:font script="Orya" typeface="Kalinga"/>
-        <a:font script="Mlym" typeface="Kartika"/>
-        <a:font script="Laoo" typeface="DokChampa"/>
-        <a:font script="Sinh" typeface="Iskoola Pota"/>
-        <a:font script="Mong" typeface="Mongolian Baiti"/>
-        <a:font script="Viet" typeface="Arial"/>
-        <a:font script="Uigh" typeface="Microsoft Uighur"/>
-        <a:font script="Geor" typeface="Sylfaen"/>
-        <a:font script="Armn" typeface="Arial"/>
-        <a:font script="Bugi" typeface="Leelawadee UI"/>
-        <a:font script="Bopo" typeface="Microsoft JhengHei"/>
-        <a:font script="Java" typeface="Javanese Text"/>
-        <a:font script="Lisu" typeface="Segoe UI"/>
-        <a:font script="Mymr" typeface="Myanmar Text"/>
-        <a:font script="Nkoo" typeface="Ebrima"/>
-        <a:font script="Olck" typeface="Nirmala UI"/>
-        <a:font script="Osma" typeface="Ebrima"/>
-        <a:font script="Phag" typeface="Phagspa"/>
-        <a:font script="Syrn" typeface="Estrangelo Edessa"/>
-        <a:font script="Syrj" typeface="Estrangelo Edessa"/>
-        <a:font script="Syre" typeface="Estrangelo Edessa"/>
-        <a:font script="Sora" typeface="Nirmala UI"/>
-        <a:font script="Tale" typeface="Microsoft Tai Le"/>
-        <a:font script="Talu" typeface="Microsoft New Tai Lue"/>
-        <a:font script="Tfng" typeface="Ebrima"/>
       </a:minorFont>
     </a:fontScheme>
     <a:fmtScheme name="Office">
